--- a/09-Design Patterns part 2.pptx
+++ b/09-Design Patterns part 2.pptx
@@ -57,7 +57,7 @@
       </p:grpSpPr>
       <p:sp>
         <p:nvSpPr>
-          <p:cNvPr id="79" name="PlaceHolder 1"/>
+          <p:cNvPr id="73" name="PlaceHolder 1"/>
           <p:cNvSpPr>
             <a:spLocks noGrp="1"/>
           </p:cNvSpPr>
@@ -89,7 +89,7 @@
       </p:sp>
       <p:sp>
         <p:nvSpPr>
-          <p:cNvPr id="80" name="PlaceHolder 2"/>
+          <p:cNvPr id="74" name="PlaceHolder 2"/>
           <p:cNvSpPr>
             <a:spLocks noGrp="1"/>
           </p:cNvSpPr>
@@ -121,7 +121,7 @@
       </p:sp>
       <p:sp>
         <p:nvSpPr>
-          <p:cNvPr id="81" name="PlaceHolder 3"/>
+          <p:cNvPr id="75" name="PlaceHolder 3"/>
           <p:cNvSpPr>
             <a:spLocks noGrp="1"/>
           </p:cNvSpPr>
@@ -154,7 +154,7 @@
       </p:sp>
       <p:sp>
         <p:nvSpPr>
-          <p:cNvPr id="82" name="PlaceHolder 4"/>
+          <p:cNvPr id="76" name="PlaceHolder 4"/>
           <p:cNvSpPr>
             <a:spLocks noGrp="1"/>
           </p:cNvSpPr>
@@ -186,7 +186,7 @@
       </p:sp>
       <p:sp>
         <p:nvSpPr>
-          <p:cNvPr id="83" name="PlaceHolder 5"/>
+          <p:cNvPr id="77" name="PlaceHolder 5"/>
           <p:cNvSpPr>
             <a:spLocks noGrp="1"/>
           </p:cNvSpPr>
@@ -207,7 +207,7 @@
           <a:bodyPr lIns="0" rIns="0" tIns="0" bIns="0" anchor="b"/>
           <a:p>
             <a:pPr algn="r"/>
-            <a:fld id="{74B93AB5-937E-4A19-8F42-2FEB14B774D9}" type="slidenum">
+            <a:fld id="{75BAF71E-EE84-4160-A262-4C593998C460}" type="slidenum">
               <a:rPr lang="en-US" sz="1400">
                 <a:latin typeface="Times New Roman"/>
               </a:rPr>
@@ -242,7 +242,7 @@
       </p:grpSpPr>
       <p:sp>
         <p:nvSpPr>
-          <p:cNvPr id="154" name="PlaceHolder 1"/>
+          <p:cNvPr id="150" name="PlaceHolder 1"/>
           <p:cNvSpPr>
             <a:spLocks noGrp="1"/>
           </p:cNvSpPr>
@@ -253,43 +253,47 @@
         <p:spPr>
           <a:xfrm>
             <a:off x="685800" y="4400640"/>
-            <a:ext cx="5486040" cy="3600000"/>
-          </a:xfrm>
-          <a:prstGeom prst="rect">
-            <a:avLst/>
-          </a:prstGeom>
-        </p:spPr>
-        <p:txBody>
-          <a:bodyPr/>
-          <a:p>
-            <a:endParaRPr/>
-          </a:p>
-        </p:txBody>
-      </p:sp>
-      <p:sp>
-        <p:nvSpPr>
-          <p:cNvPr id="155" name="TextShape 2"/>
-          <p:cNvSpPr txBox="1"/>
+            <a:ext cx="5485680" cy="3599640"/>
+          </a:xfrm>
+          <a:prstGeom prst="rect">
+            <a:avLst/>
+          </a:prstGeom>
+        </p:spPr>
+        <p:txBody>
+          <a:bodyPr lIns="0" rIns="0" tIns="0" bIns="0"/>
+          <a:p>
+            <a:endParaRPr/>
+          </a:p>
+        </p:txBody>
+      </p:sp>
+      <p:sp>
+        <p:nvSpPr>
+          <p:cNvPr id="151" name="CustomShape 2"/>
+          <p:cNvSpPr/>
           <p:nvPr/>
         </p:nvSpPr>
         <p:spPr>
           <a:xfrm>
             <a:off x="3884760" y="8685360"/>
-            <a:ext cx="2971440" cy="458280"/>
-          </a:xfrm>
-          <a:prstGeom prst="rect">
-            <a:avLst/>
-          </a:prstGeom>
-        </p:spPr>
-        <p:txBody>
-          <a:bodyPr anchor="b"/>
+            <a:ext cx="2971080" cy="457920"/>
+          </a:xfrm>
+          <a:prstGeom prst="rect">
+            <a:avLst/>
+          </a:prstGeom>
+          <a:noFill/>
+          <a:ln>
+            <a:noFill/>
+          </a:ln>
+        </p:spPr>
+        <p:txBody>
+          <a:bodyPr lIns="90000" rIns="90000" tIns="45000" bIns="45000" anchor="b"/>
           <a:p>
             <a:pPr algn="r">
               <a:lnSpc>
                 <a:spcPct val="100000"/>
               </a:lnSpc>
             </a:pPr>
-            <a:fld id="{83F4C3B4-9847-44AE-93E8-9A4D20C23A36}" type="slidenum">
+            <a:fld id="{9C74FE89-6386-4116-A0BC-7B071AE0AD8A}" type="slidenum">
               <a:rPr lang="en-US" sz="1200">
                 <a:solidFill>
                   <a:srgbClr val="000000"/>
@@ -327,7 +331,7 @@
       </p:grpSpPr>
       <p:sp>
         <p:nvSpPr>
-          <p:cNvPr id="172" name="PlaceHolder 1"/>
+          <p:cNvPr id="168" name="PlaceHolder 1"/>
           <p:cNvSpPr>
             <a:spLocks noGrp="1"/>
           </p:cNvSpPr>
@@ -338,43 +342,47 @@
         <p:spPr>
           <a:xfrm>
             <a:off x="685800" y="4400640"/>
-            <a:ext cx="5486040" cy="3600000"/>
-          </a:xfrm>
-          <a:prstGeom prst="rect">
-            <a:avLst/>
-          </a:prstGeom>
-        </p:spPr>
-        <p:txBody>
-          <a:bodyPr/>
-          <a:p>
-            <a:endParaRPr/>
-          </a:p>
-        </p:txBody>
-      </p:sp>
-      <p:sp>
-        <p:nvSpPr>
-          <p:cNvPr id="173" name="TextShape 2"/>
-          <p:cNvSpPr txBox="1"/>
+            <a:ext cx="5485680" cy="3599640"/>
+          </a:xfrm>
+          <a:prstGeom prst="rect">
+            <a:avLst/>
+          </a:prstGeom>
+        </p:spPr>
+        <p:txBody>
+          <a:bodyPr lIns="0" rIns="0" tIns="0" bIns="0"/>
+          <a:p>
+            <a:endParaRPr/>
+          </a:p>
+        </p:txBody>
+      </p:sp>
+      <p:sp>
+        <p:nvSpPr>
+          <p:cNvPr id="169" name="CustomShape 2"/>
+          <p:cNvSpPr/>
           <p:nvPr/>
         </p:nvSpPr>
         <p:spPr>
           <a:xfrm>
             <a:off x="3884760" y="8685360"/>
-            <a:ext cx="2971440" cy="458280"/>
-          </a:xfrm>
-          <a:prstGeom prst="rect">
-            <a:avLst/>
-          </a:prstGeom>
-        </p:spPr>
-        <p:txBody>
-          <a:bodyPr anchor="b"/>
+            <a:ext cx="2971080" cy="457920"/>
+          </a:xfrm>
+          <a:prstGeom prst="rect">
+            <a:avLst/>
+          </a:prstGeom>
+          <a:noFill/>
+          <a:ln>
+            <a:noFill/>
+          </a:ln>
+        </p:spPr>
+        <p:txBody>
+          <a:bodyPr lIns="90000" rIns="90000" tIns="45000" bIns="45000" anchor="b"/>
           <a:p>
             <a:pPr algn="r">
               <a:lnSpc>
                 <a:spcPct val="100000"/>
               </a:lnSpc>
             </a:pPr>
-            <a:fld id="{DE322198-8F0E-4025-BB63-D2A7122DBD25}" type="slidenum">
+            <a:fld id="{A85D0973-60F4-4D14-94DB-730D0B6B4666}" type="slidenum">
               <a:rPr lang="en-US" sz="1200">
                 <a:solidFill>
                   <a:srgbClr val="000000"/>
@@ -412,7 +420,7 @@
       </p:grpSpPr>
       <p:sp>
         <p:nvSpPr>
-          <p:cNvPr id="174" name="PlaceHolder 1"/>
+          <p:cNvPr id="170" name="PlaceHolder 1"/>
           <p:cNvSpPr>
             <a:spLocks noGrp="1"/>
           </p:cNvSpPr>
@@ -423,43 +431,47 @@
         <p:spPr>
           <a:xfrm>
             <a:off x="685800" y="4400640"/>
-            <a:ext cx="5486040" cy="3600000"/>
-          </a:xfrm>
-          <a:prstGeom prst="rect">
-            <a:avLst/>
-          </a:prstGeom>
-        </p:spPr>
-        <p:txBody>
-          <a:bodyPr/>
-          <a:p>
-            <a:endParaRPr/>
-          </a:p>
-        </p:txBody>
-      </p:sp>
-      <p:sp>
-        <p:nvSpPr>
-          <p:cNvPr id="175" name="TextShape 2"/>
-          <p:cNvSpPr txBox="1"/>
+            <a:ext cx="5485680" cy="3599640"/>
+          </a:xfrm>
+          <a:prstGeom prst="rect">
+            <a:avLst/>
+          </a:prstGeom>
+        </p:spPr>
+        <p:txBody>
+          <a:bodyPr lIns="0" rIns="0" tIns="0" bIns="0"/>
+          <a:p>
+            <a:endParaRPr/>
+          </a:p>
+        </p:txBody>
+      </p:sp>
+      <p:sp>
+        <p:nvSpPr>
+          <p:cNvPr id="171" name="CustomShape 2"/>
+          <p:cNvSpPr/>
           <p:nvPr/>
         </p:nvSpPr>
         <p:spPr>
           <a:xfrm>
             <a:off x="3884760" y="8685360"/>
-            <a:ext cx="2971440" cy="458280"/>
-          </a:xfrm>
-          <a:prstGeom prst="rect">
-            <a:avLst/>
-          </a:prstGeom>
-        </p:spPr>
-        <p:txBody>
-          <a:bodyPr anchor="b"/>
+            <a:ext cx="2971080" cy="457920"/>
+          </a:xfrm>
+          <a:prstGeom prst="rect">
+            <a:avLst/>
+          </a:prstGeom>
+          <a:noFill/>
+          <a:ln>
+            <a:noFill/>
+          </a:ln>
+        </p:spPr>
+        <p:txBody>
+          <a:bodyPr lIns="90000" rIns="90000" tIns="45000" bIns="45000" anchor="b"/>
           <a:p>
             <a:pPr algn="r">
               <a:lnSpc>
                 <a:spcPct val="100000"/>
               </a:lnSpc>
             </a:pPr>
-            <a:fld id="{929C0B0B-4948-4CED-9075-845B4062C9E7}" type="slidenum">
+            <a:fld id="{0ECAC7F0-5DE2-4868-A078-AFB51D1CA744}" type="slidenum">
               <a:rPr lang="en-US" sz="1200">
                 <a:solidFill>
                   <a:srgbClr val="000000"/>
@@ -497,7 +509,7 @@
       </p:grpSpPr>
       <p:sp>
         <p:nvSpPr>
-          <p:cNvPr id="176" name="PlaceHolder 1"/>
+          <p:cNvPr id="172" name="PlaceHolder 1"/>
           <p:cNvSpPr>
             <a:spLocks noGrp="1"/>
           </p:cNvSpPr>
@@ -508,43 +520,47 @@
         <p:spPr>
           <a:xfrm>
             <a:off x="685800" y="4400640"/>
-            <a:ext cx="5486040" cy="3600000"/>
-          </a:xfrm>
-          <a:prstGeom prst="rect">
-            <a:avLst/>
-          </a:prstGeom>
-        </p:spPr>
-        <p:txBody>
-          <a:bodyPr/>
-          <a:p>
-            <a:endParaRPr/>
-          </a:p>
-        </p:txBody>
-      </p:sp>
-      <p:sp>
-        <p:nvSpPr>
-          <p:cNvPr id="177" name="TextShape 2"/>
-          <p:cNvSpPr txBox="1"/>
+            <a:ext cx="5485680" cy="3599640"/>
+          </a:xfrm>
+          <a:prstGeom prst="rect">
+            <a:avLst/>
+          </a:prstGeom>
+        </p:spPr>
+        <p:txBody>
+          <a:bodyPr lIns="0" rIns="0" tIns="0" bIns="0"/>
+          <a:p>
+            <a:endParaRPr/>
+          </a:p>
+        </p:txBody>
+      </p:sp>
+      <p:sp>
+        <p:nvSpPr>
+          <p:cNvPr id="173" name="CustomShape 2"/>
+          <p:cNvSpPr/>
           <p:nvPr/>
         </p:nvSpPr>
         <p:spPr>
           <a:xfrm>
             <a:off x="3884760" y="8685360"/>
-            <a:ext cx="2971440" cy="458280"/>
-          </a:xfrm>
-          <a:prstGeom prst="rect">
-            <a:avLst/>
-          </a:prstGeom>
-        </p:spPr>
-        <p:txBody>
-          <a:bodyPr anchor="b"/>
+            <a:ext cx="2971080" cy="457920"/>
+          </a:xfrm>
+          <a:prstGeom prst="rect">
+            <a:avLst/>
+          </a:prstGeom>
+          <a:noFill/>
+          <a:ln>
+            <a:noFill/>
+          </a:ln>
+        </p:spPr>
+        <p:txBody>
+          <a:bodyPr lIns="90000" rIns="90000" tIns="45000" bIns="45000" anchor="b"/>
           <a:p>
             <a:pPr algn="r">
               <a:lnSpc>
                 <a:spcPct val="100000"/>
               </a:lnSpc>
             </a:pPr>
-            <a:fld id="{FB715B53-428F-4658-9787-1BC01BDF9FB7}" type="slidenum">
+            <a:fld id="{3573C6BA-1C24-4A01-BE97-C5F4A0192CDC}" type="slidenum">
               <a:rPr lang="en-US" sz="1200">
                 <a:solidFill>
                   <a:srgbClr val="000000"/>
@@ -582,7 +598,7 @@
       </p:grpSpPr>
       <p:sp>
         <p:nvSpPr>
-          <p:cNvPr id="178" name="PlaceHolder 1"/>
+          <p:cNvPr id="174" name="PlaceHolder 1"/>
           <p:cNvSpPr>
             <a:spLocks noGrp="1"/>
           </p:cNvSpPr>
@@ -593,43 +609,47 @@
         <p:spPr>
           <a:xfrm>
             <a:off x="685800" y="4400640"/>
-            <a:ext cx="5486040" cy="3600000"/>
-          </a:xfrm>
-          <a:prstGeom prst="rect">
-            <a:avLst/>
-          </a:prstGeom>
-        </p:spPr>
-        <p:txBody>
-          <a:bodyPr/>
-          <a:p>
-            <a:endParaRPr/>
-          </a:p>
-        </p:txBody>
-      </p:sp>
-      <p:sp>
-        <p:nvSpPr>
-          <p:cNvPr id="179" name="TextShape 2"/>
-          <p:cNvSpPr txBox="1"/>
+            <a:ext cx="5485680" cy="3599640"/>
+          </a:xfrm>
+          <a:prstGeom prst="rect">
+            <a:avLst/>
+          </a:prstGeom>
+        </p:spPr>
+        <p:txBody>
+          <a:bodyPr lIns="0" rIns="0" tIns="0" bIns="0"/>
+          <a:p>
+            <a:endParaRPr/>
+          </a:p>
+        </p:txBody>
+      </p:sp>
+      <p:sp>
+        <p:nvSpPr>
+          <p:cNvPr id="175" name="CustomShape 2"/>
+          <p:cNvSpPr/>
           <p:nvPr/>
         </p:nvSpPr>
         <p:spPr>
           <a:xfrm>
             <a:off x="3884760" y="8685360"/>
-            <a:ext cx="2971440" cy="458280"/>
-          </a:xfrm>
-          <a:prstGeom prst="rect">
-            <a:avLst/>
-          </a:prstGeom>
-        </p:spPr>
-        <p:txBody>
-          <a:bodyPr anchor="b"/>
+            <a:ext cx="2971080" cy="457920"/>
+          </a:xfrm>
+          <a:prstGeom prst="rect">
+            <a:avLst/>
+          </a:prstGeom>
+          <a:noFill/>
+          <a:ln>
+            <a:noFill/>
+          </a:ln>
+        </p:spPr>
+        <p:txBody>
+          <a:bodyPr lIns="90000" rIns="90000" tIns="45000" bIns="45000" anchor="b"/>
           <a:p>
             <a:pPr algn="r">
               <a:lnSpc>
                 <a:spcPct val="100000"/>
               </a:lnSpc>
             </a:pPr>
-            <a:fld id="{3C64854A-8B09-4320-B7D6-15DD1DD539BD}" type="slidenum">
+            <a:fld id="{37E72E6B-12BB-4689-A157-01AEA244CBB5}" type="slidenum">
               <a:rPr lang="en-US" sz="1200">
                 <a:solidFill>
                   <a:srgbClr val="000000"/>
@@ -667,7 +687,7 @@
       </p:grpSpPr>
       <p:sp>
         <p:nvSpPr>
-          <p:cNvPr id="180" name="PlaceHolder 1"/>
+          <p:cNvPr id="176" name="PlaceHolder 1"/>
           <p:cNvSpPr>
             <a:spLocks noGrp="1"/>
           </p:cNvSpPr>
@@ -678,43 +698,47 @@
         <p:spPr>
           <a:xfrm>
             <a:off x="685800" y="4400640"/>
-            <a:ext cx="5486040" cy="3600000"/>
-          </a:xfrm>
-          <a:prstGeom prst="rect">
-            <a:avLst/>
-          </a:prstGeom>
-        </p:spPr>
-        <p:txBody>
-          <a:bodyPr/>
-          <a:p>
-            <a:endParaRPr/>
-          </a:p>
-        </p:txBody>
-      </p:sp>
-      <p:sp>
-        <p:nvSpPr>
-          <p:cNvPr id="181" name="TextShape 2"/>
-          <p:cNvSpPr txBox="1"/>
+            <a:ext cx="5485680" cy="3599640"/>
+          </a:xfrm>
+          <a:prstGeom prst="rect">
+            <a:avLst/>
+          </a:prstGeom>
+        </p:spPr>
+        <p:txBody>
+          <a:bodyPr lIns="0" rIns="0" tIns="0" bIns="0"/>
+          <a:p>
+            <a:endParaRPr/>
+          </a:p>
+        </p:txBody>
+      </p:sp>
+      <p:sp>
+        <p:nvSpPr>
+          <p:cNvPr id="177" name="CustomShape 2"/>
+          <p:cNvSpPr/>
           <p:nvPr/>
         </p:nvSpPr>
         <p:spPr>
           <a:xfrm>
             <a:off x="3884760" y="8685360"/>
-            <a:ext cx="2971440" cy="458280"/>
-          </a:xfrm>
-          <a:prstGeom prst="rect">
-            <a:avLst/>
-          </a:prstGeom>
-        </p:spPr>
-        <p:txBody>
-          <a:bodyPr anchor="b"/>
+            <a:ext cx="2971080" cy="457920"/>
+          </a:xfrm>
+          <a:prstGeom prst="rect">
+            <a:avLst/>
+          </a:prstGeom>
+          <a:noFill/>
+          <a:ln>
+            <a:noFill/>
+          </a:ln>
+        </p:spPr>
+        <p:txBody>
+          <a:bodyPr lIns="90000" rIns="90000" tIns="45000" bIns="45000" anchor="b"/>
           <a:p>
             <a:pPr algn="r">
               <a:lnSpc>
                 <a:spcPct val="100000"/>
               </a:lnSpc>
             </a:pPr>
-            <a:fld id="{847B50E8-67DB-46A0-A418-48DB78078040}" type="slidenum">
+            <a:fld id="{A1D63249-FB4F-4D2C-BE76-65C664341A27}" type="slidenum">
               <a:rPr lang="en-US" sz="1200">
                 <a:solidFill>
                   <a:srgbClr val="000000"/>
@@ -752,7 +776,7 @@
       </p:grpSpPr>
       <p:sp>
         <p:nvSpPr>
-          <p:cNvPr id="182" name="PlaceHolder 1"/>
+          <p:cNvPr id="178" name="PlaceHolder 1"/>
           <p:cNvSpPr>
             <a:spLocks noGrp="1"/>
           </p:cNvSpPr>
@@ -763,43 +787,47 @@
         <p:spPr>
           <a:xfrm>
             <a:off x="685800" y="4400640"/>
-            <a:ext cx="5486040" cy="3600000"/>
-          </a:xfrm>
-          <a:prstGeom prst="rect">
-            <a:avLst/>
-          </a:prstGeom>
-        </p:spPr>
-        <p:txBody>
-          <a:bodyPr/>
-          <a:p>
-            <a:endParaRPr/>
-          </a:p>
-        </p:txBody>
-      </p:sp>
-      <p:sp>
-        <p:nvSpPr>
-          <p:cNvPr id="183" name="TextShape 2"/>
-          <p:cNvSpPr txBox="1"/>
+            <a:ext cx="5485680" cy="3599640"/>
+          </a:xfrm>
+          <a:prstGeom prst="rect">
+            <a:avLst/>
+          </a:prstGeom>
+        </p:spPr>
+        <p:txBody>
+          <a:bodyPr lIns="0" rIns="0" tIns="0" bIns="0"/>
+          <a:p>
+            <a:endParaRPr/>
+          </a:p>
+        </p:txBody>
+      </p:sp>
+      <p:sp>
+        <p:nvSpPr>
+          <p:cNvPr id="179" name="CustomShape 2"/>
+          <p:cNvSpPr/>
           <p:nvPr/>
         </p:nvSpPr>
         <p:spPr>
           <a:xfrm>
             <a:off x="3884760" y="8685360"/>
-            <a:ext cx="2971440" cy="458280"/>
-          </a:xfrm>
-          <a:prstGeom prst="rect">
-            <a:avLst/>
-          </a:prstGeom>
-        </p:spPr>
-        <p:txBody>
-          <a:bodyPr anchor="b"/>
+            <a:ext cx="2971080" cy="457920"/>
+          </a:xfrm>
+          <a:prstGeom prst="rect">
+            <a:avLst/>
+          </a:prstGeom>
+          <a:noFill/>
+          <a:ln>
+            <a:noFill/>
+          </a:ln>
+        </p:spPr>
+        <p:txBody>
+          <a:bodyPr lIns="90000" rIns="90000" tIns="45000" bIns="45000" anchor="b"/>
           <a:p>
             <a:pPr algn="r">
               <a:lnSpc>
                 <a:spcPct val="100000"/>
               </a:lnSpc>
             </a:pPr>
-            <a:fld id="{38EE6D24-35BA-4D5D-9679-986CA88F2FB7}" type="slidenum">
+            <a:fld id="{C2C18B26-96BF-42FF-8CB4-EE659F461EA1}" type="slidenum">
               <a:rPr lang="en-US" sz="1200">
                 <a:solidFill>
                   <a:srgbClr val="000000"/>
@@ -837,7 +865,7 @@
       </p:grpSpPr>
       <p:sp>
         <p:nvSpPr>
-          <p:cNvPr id="184" name="PlaceHolder 1"/>
+          <p:cNvPr id="180" name="PlaceHolder 1"/>
           <p:cNvSpPr>
             <a:spLocks noGrp="1"/>
           </p:cNvSpPr>
@@ -848,43 +876,47 @@
         <p:spPr>
           <a:xfrm>
             <a:off x="685800" y="4400640"/>
-            <a:ext cx="5486040" cy="3600000"/>
-          </a:xfrm>
-          <a:prstGeom prst="rect">
-            <a:avLst/>
-          </a:prstGeom>
-        </p:spPr>
-        <p:txBody>
-          <a:bodyPr/>
-          <a:p>
-            <a:endParaRPr/>
-          </a:p>
-        </p:txBody>
-      </p:sp>
-      <p:sp>
-        <p:nvSpPr>
-          <p:cNvPr id="185" name="TextShape 2"/>
-          <p:cNvSpPr txBox="1"/>
+            <a:ext cx="5485680" cy="3599640"/>
+          </a:xfrm>
+          <a:prstGeom prst="rect">
+            <a:avLst/>
+          </a:prstGeom>
+        </p:spPr>
+        <p:txBody>
+          <a:bodyPr lIns="0" rIns="0" tIns="0" bIns="0"/>
+          <a:p>
+            <a:endParaRPr/>
+          </a:p>
+        </p:txBody>
+      </p:sp>
+      <p:sp>
+        <p:nvSpPr>
+          <p:cNvPr id="181" name="CustomShape 2"/>
+          <p:cNvSpPr/>
           <p:nvPr/>
         </p:nvSpPr>
         <p:spPr>
           <a:xfrm>
             <a:off x="3884760" y="8685360"/>
-            <a:ext cx="2971440" cy="458280"/>
-          </a:xfrm>
-          <a:prstGeom prst="rect">
-            <a:avLst/>
-          </a:prstGeom>
-        </p:spPr>
-        <p:txBody>
-          <a:bodyPr anchor="b"/>
+            <a:ext cx="2971080" cy="457920"/>
+          </a:xfrm>
+          <a:prstGeom prst="rect">
+            <a:avLst/>
+          </a:prstGeom>
+          <a:noFill/>
+          <a:ln>
+            <a:noFill/>
+          </a:ln>
+        </p:spPr>
+        <p:txBody>
+          <a:bodyPr lIns="90000" rIns="90000" tIns="45000" bIns="45000" anchor="b"/>
           <a:p>
             <a:pPr algn="r">
               <a:lnSpc>
                 <a:spcPct val="100000"/>
               </a:lnSpc>
             </a:pPr>
-            <a:fld id="{CAFF4ED8-0BE8-4CA1-BAFA-DA109635CAED}" type="slidenum">
+            <a:fld id="{2C30345F-7EEA-4225-A6EE-25323D18A94A}" type="slidenum">
               <a:rPr lang="en-US" sz="1200">
                 <a:solidFill>
                   <a:srgbClr val="000000"/>
@@ -922,7 +954,7 @@
       </p:grpSpPr>
       <p:sp>
         <p:nvSpPr>
-          <p:cNvPr id="186" name="PlaceHolder 1"/>
+          <p:cNvPr id="182" name="PlaceHolder 1"/>
           <p:cNvSpPr>
             <a:spLocks noGrp="1"/>
           </p:cNvSpPr>
@@ -933,43 +965,47 @@
         <p:spPr>
           <a:xfrm>
             <a:off x="685800" y="4400640"/>
-            <a:ext cx="5486040" cy="3600000"/>
-          </a:xfrm>
-          <a:prstGeom prst="rect">
-            <a:avLst/>
-          </a:prstGeom>
-        </p:spPr>
-        <p:txBody>
-          <a:bodyPr/>
-          <a:p>
-            <a:endParaRPr/>
-          </a:p>
-        </p:txBody>
-      </p:sp>
-      <p:sp>
-        <p:nvSpPr>
-          <p:cNvPr id="187" name="TextShape 2"/>
-          <p:cNvSpPr txBox="1"/>
+            <a:ext cx="5485680" cy="3599640"/>
+          </a:xfrm>
+          <a:prstGeom prst="rect">
+            <a:avLst/>
+          </a:prstGeom>
+        </p:spPr>
+        <p:txBody>
+          <a:bodyPr lIns="0" rIns="0" tIns="0" bIns="0"/>
+          <a:p>
+            <a:endParaRPr/>
+          </a:p>
+        </p:txBody>
+      </p:sp>
+      <p:sp>
+        <p:nvSpPr>
+          <p:cNvPr id="183" name="CustomShape 2"/>
+          <p:cNvSpPr/>
           <p:nvPr/>
         </p:nvSpPr>
         <p:spPr>
           <a:xfrm>
             <a:off x="3884760" y="8685360"/>
-            <a:ext cx="2971440" cy="458280"/>
-          </a:xfrm>
-          <a:prstGeom prst="rect">
-            <a:avLst/>
-          </a:prstGeom>
-        </p:spPr>
-        <p:txBody>
-          <a:bodyPr anchor="b"/>
+            <a:ext cx="2971080" cy="457920"/>
+          </a:xfrm>
+          <a:prstGeom prst="rect">
+            <a:avLst/>
+          </a:prstGeom>
+          <a:noFill/>
+          <a:ln>
+            <a:noFill/>
+          </a:ln>
+        </p:spPr>
+        <p:txBody>
+          <a:bodyPr lIns="90000" rIns="90000" tIns="45000" bIns="45000" anchor="b"/>
           <a:p>
             <a:pPr algn="r">
               <a:lnSpc>
                 <a:spcPct val="100000"/>
               </a:lnSpc>
             </a:pPr>
-            <a:fld id="{1E332A86-A216-4986-A43A-5C9E8D887CB5}" type="slidenum">
+            <a:fld id="{4C548BE4-3B30-4BFE-9EF8-015F9D57AA18}" type="slidenum">
               <a:rPr lang="en-US" sz="1200">
                 <a:solidFill>
                   <a:srgbClr val="000000"/>
@@ -1007,7 +1043,7 @@
       </p:grpSpPr>
       <p:sp>
         <p:nvSpPr>
-          <p:cNvPr id="188" name="PlaceHolder 1"/>
+          <p:cNvPr id="184" name="PlaceHolder 1"/>
           <p:cNvSpPr>
             <a:spLocks noGrp="1"/>
           </p:cNvSpPr>
@@ -1018,43 +1054,47 @@
         <p:spPr>
           <a:xfrm>
             <a:off x="685800" y="4400640"/>
-            <a:ext cx="5486040" cy="3600000"/>
-          </a:xfrm>
-          <a:prstGeom prst="rect">
-            <a:avLst/>
-          </a:prstGeom>
-        </p:spPr>
-        <p:txBody>
-          <a:bodyPr/>
-          <a:p>
-            <a:endParaRPr/>
-          </a:p>
-        </p:txBody>
-      </p:sp>
-      <p:sp>
-        <p:nvSpPr>
-          <p:cNvPr id="189" name="TextShape 2"/>
-          <p:cNvSpPr txBox="1"/>
+            <a:ext cx="5485680" cy="3599640"/>
+          </a:xfrm>
+          <a:prstGeom prst="rect">
+            <a:avLst/>
+          </a:prstGeom>
+        </p:spPr>
+        <p:txBody>
+          <a:bodyPr lIns="0" rIns="0" tIns="0" bIns="0"/>
+          <a:p>
+            <a:endParaRPr/>
+          </a:p>
+        </p:txBody>
+      </p:sp>
+      <p:sp>
+        <p:nvSpPr>
+          <p:cNvPr id="185" name="CustomShape 2"/>
+          <p:cNvSpPr/>
           <p:nvPr/>
         </p:nvSpPr>
         <p:spPr>
           <a:xfrm>
             <a:off x="3884760" y="8685360"/>
-            <a:ext cx="2971440" cy="458280"/>
-          </a:xfrm>
-          <a:prstGeom prst="rect">
-            <a:avLst/>
-          </a:prstGeom>
-        </p:spPr>
-        <p:txBody>
-          <a:bodyPr anchor="b"/>
+            <a:ext cx="2971080" cy="457920"/>
+          </a:xfrm>
+          <a:prstGeom prst="rect">
+            <a:avLst/>
+          </a:prstGeom>
+          <a:noFill/>
+          <a:ln>
+            <a:noFill/>
+          </a:ln>
+        </p:spPr>
+        <p:txBody>
+          <a:bodyPr lIns="90000" rIns="90000" tIns="45000" bIns="45000" anchor="b"/>
           <a:p>
             <a:pPr algn="r">
               <a:lnSpc>
                 <a:spcPct val="100000"/>
               </a:lnSpc>
             </a:pPr>
-            <a:fld id="{7E3BBFA8-1812-47EB-B151-6BF8F7485F8C}" type="slidenum">
+            <a:fld id="{83487770-C9F6-4A37-89A9-94968CFE7018}" type="slidenum">
               <a:rPr lang="en-US" sz="1200">
                 <a:solidFill>
                   <a:srgbClr val="000000"/>
@@ -1092,7 +1132,7 @@
       </p:grpSpPr>
       <p:sp>
         <p:nvSpPr>
-          <p:cNvPr id="190" name="PlaceHolder 1"/>
+          <p:cNvPr id="186" name="PlaceHolder 1"/>
           <p:cNvSpPr>
             <a:spLocks noGrp="1"/>
           </p:cNvSpPr>
@@ -1103,43 +1143,47 @@
         <p:spPr>
           <a:xfrm>
             <a:off x="685800" y="4400640"/>
-            <a:ext cx="5486040" cy="3600000"/>
-          </a:xfrm>
-          <a:prstGeom prst="rect">
-            <a:avLst/>
-          </a:prstGeom>
-        </p:spPr>
-        <p:txBody>
-          <a:bodyPr/>
-          <a:p>
-            <a:endParaRPr/>
-          </a:p>
-        </p:txBody>
-      </p:sp>
-      <p:sp>
-        <p:nvSpPr>
-          <p:cNvPr id="191" name="TextShape 2"/>
-          <p:cNvSpPr txBox="1"/>
+            <a:ext cx="5485680" cy="3599640"/>
+          </a:xfrm>
+          <a:prstGeom prst="rect">
+            <a:avLst/>
+          </a:prstGeom>
+        </p:spPr>
+        <p:txBody>
+          <a:bodyPr lIns="0" rIns="0" tIns="0" bIns="0"/>
+          <a:p>
+            <a:endParaRPr/>
+          </a:p>
+        </p:txBody>
+      </p:sp>
+      <p:sp>
+        <p:nvSpPr>
+          <p:cNvPr id="187" name="CustomShape 2"/>
+          <p:cNvSpPr/>
           <p:nvPr/>
         </p:nvSpPr>
         <p:spPr>
           <a:xfrm>
             <a:off x="3884760" y="8685360"/>
-            <a:ext cx="2971440" cy="458280"/>
-          </a:xfrm>
-          <a:prstGeom prst="rect">
-            <a:avLst/>
-          </a:prstGeom>
-        </p:spPr>
-        <p:txBody>
-          <a:bodyPr anchor="b"/>
+            <a:ext cx="2971080" cy="457920"/>
+          </a:xfrm>
+          <a:prstGeom prst="rect">
+            <a:avLst/>
+          </a:prstGeom>
+          <a:noFill/>
+          <a:ln>
+            <a:noFill/>
+          </a:ln>
+        </p:spPr>
+        <p:txBody>
+          <a:bodyPr lIns="90000" rIns="90000" tIns="45000" bIns="45000" anchor="b"/>
           <a:p>
             <a:pPr algn="r">
               <a:lnSpc>
                 <a:spcPct val="100000"/>
               </a:lnSpc>
             </a:pPr>
-            <a:fld id="{9457BC04-AEDB-48F8-9D13-A44C34448D3A}" type="slidenum">
+            <a:fld id="{BD45E741-6586-4A79-B0EE-5789B8FFD042}" type="slidenum">
               <a:rPr lang="en-US" sz="1200">
                 <a:solidFill>
                   <a:srgbClr val="000000"/>
@@ -1177,7 +1221,7 @@
       </p:grpSpPr>
       <p:sp>
         <p:nvSpPr>
-          <p:cNvPr id="156" name="PlaceHolder 1"/>
+          <p:cNvPr id="152" name="PlaceHolder 1"/>
           <p:cNvSpPr>
             <a:spLocks noGrp="1"/>
           </p:cNvSpPr>
@@ -1188,43 +1232,47 @@
         <p:spPr>
           <a:xfrm>
             <a:off x="685800" y="4400640"/>
-            <a:ext cx="5486040" cy="3600000"/>
-          </a:xfrm>
-          <a:prstGeom prst="rect">
-            <a:avLst/>
-          </a:prstGeom>
-        </p:spPr>
-        <p:txBody>
-          <a:bodyPr/>
-          <a:p>
-            <a:endParaRPr/>
-          </a:p>
-        </p:txBody>
-      </p:sp>
-      <p:sp>
-        <p:nvSpPr>
-          <p:cNvPr id="157" name="TextShape 2"/>
-          <p:cNvSpPr txBox="1"/>
+            <a:ext cx="5485680" cy="3599640"/>
+          </a:xfrm>
+          <a:prstGeom prst="rect">
+            <a:avLst/>
+          </a:prstGeom>
+        </p:spPr>
+        <p:txBody>
+          <a:bodyPr lIns="0" rIns="0" tIns="0" bIns="0"/>
+          <a:p>
+            <a:endParaRPr/>
+          </a:p>
+        </p:txBody>
+      </p:sp>
+      <p:sp>
+        <p:nvSpPr>
+          <p:cNvPr id="153" name="CustomShape 2"/>
+          <p:cNvSpPr/>
           <p:nvPr/>
         </p:nvSpPr>
         <p:spPr>
           <a:xfrm>
             <a:off x="3884760" y="8685360"/>
-            <a:ext cx="2971440" cy="458280"/>
-          </a:xfrm>
-          <a:prstGeom prst="rect">
-            <a:avLst/>
-          </a:prstGeom>
-        </p:spPr>
-        <p:txBody>
-          <a:bodyPr anchor="b"/>
+            <a:ext cx="2971080" cy="457920"/>
+          </a:xfrm>
+          <a:prstGeom prst="rect">
+            <a:avLst/>
+          </a:prstGeom>
+          <a:noFill/>
+          <a:ln>
+            <a:noFill/>
+          </a:ln>
+        </p:spPr>
+        <p:txBody>
+          <a:bodyPr lIns="90000" rIns="90000" tIns="45000" bIns="45000" anchor="b"/>
           <a:p>
             <a:pPr algn="r">
               <a:lnSpc>
                 <a:spcPct val="100000"/>
               </a:lnSpc>
             </a:pPr>
-            <a:fld id="{5DCFCCED-E80E-4FD5-8B91-106A31B703F2}" type="slidenum">
+            <a:fld id="{928EFCB2-DA20-4BB8-AE92-1C211A8C1A03}" type="slidenum">
               <a:rPr lang="en-US" sz="1200">
                 <a:solidFill>
                   <a:srgbClr val="000000"/>
@@ -1262,7 +1310,7 @@
       </p:grpSpPr>
       <p:sp>
         <p:nvSpPr>
-          <p:cNvPr id="192" name="PlaceHolder 1"/>
+          <p:cNvPr id="188" name="PlaceHolder 1"/>
           <p:cNvSpPr>
             <a:spLocks noGrp="1"/>
           </p:cNvSpPr>
@@ -1273,43 +1321,47 @@
         <p:spPr>
           <a:xfrm>
             <a:off x="685800" y="4400640"/>
-            <a:ext cx="5486040" cy="3600000"/>
-          </a:xfrm>
-          <a:prstGeom prst="rect">
-            <a:avLst/>
-          </a:prstGeom>
-        </p:spPr>
-        <p:txBody>
-          <a:bodyPr/>
-          <a:p>
-            <a:endParaRPr/>
-          </a:p>
-        </p:txBody>
-      </p:sp>
-      <p:sp>
-        <p:nvSpPr>
-          <p:cNvPr id="193" name="TextShape 2"/>
-          <p:cNvSpPr txBox="1"/>
+            <a:ext cx="5485680" cy="3599640"/>
+          </a:xfrm>
+          <a:prstGeom prst="rect">
+            <a:avLst/>
+          </a:prstGeom>
+        </p:spPr>
+        <p:txBody>
+          <a:bodyPr lIns="0" rIns="0" tIns="0" bIns="0"/>
+          <a:p>
+            <a:endParaRPr/>
+          </a:p>
+        </p:txBody>
+      </p:sp>
+      <p:sp>
+        <p:nvSpPr>
+          <p:cNvPr id="189" name="CustomShape 2"/>
+          <p:cNvSpPr/>
           <p:nvPr/>
         </p:nvSpPr>
         <p:spPr>
           <a:xfrm>
             <a:off x="3884760" y="8685360"/>
-            <a:ext cx="2971440" cy="458280"/>
-          </a:xfrm>
-          <a:prstGeom prst="rect">
-            <a:avLst/>
-          </a:prstGeom>
-        </p:spPr>
-        <p:txBody>
-          <a:bodyPr anchor="b"/>
+            <a:ext cx="2971080" cy="457920"/>
+          </a:xfrm>
+          <a:prstGeom prst="rect">
+            <a:avLst/>
+          </a:prstGeom>
+          <a:noFill/>
+          <a:ln>
+            <a:noFill/>
+          </a:ln>
+        </p:spPr>
+        <p:txBody>
+          <a:bodyPr lIns="90000" rIns="90000" tIns="45000" bIns="45000" anchor="b"/>
           <a:p>
             <a:pPr algn="r">
               <a:lnSpc>
                 <a:spcPct val="100000"/>
               </a:lnSpc>
             </a:pPr>
-            <a:fld id="{E38A6CF4-A0E7-4442-BDA6-9FF9607F74D8}" type="slidenum">
+            <a:fld id="{79C86ACF-F491-49D8-872C-545663681BFF}" type="slidenum">
               <a:rPr lang="en-US" sz="1200">
                 <a:solidFill>
                   <a:srgbClr val="000000"/>
@@ -1347,7 +1399,7 @@
       </p:grpSpPr>
       <p:sp>
         <p:nvSpPr>
-          <p:cNvPr id="194" name="PlaceHolder 1"/>
+          <p:cNvPr id="190" name="PlaceHolder 1"/>
           <p:cNvSpPr>
             <a:spLocks noGrp="1"/>
           </p:cNvSpPr>
@@ -1358,43 +1410,47 @@
         <p:spPr>
           <a:xfrm>
             <a:off x="685800" y="4400640"/>
-            <a:ext cx="5486040" cy="3600000"/>
-          </a:xfrm>
-          <a:prstGeom prst="rect">
-            <a:avLst/>
-          </a:prstGeom>
-        </p:spPr>
-        <p:txBody>
-          <a:bodyPr/>
-          <a:p>
-            <a:endParaRPr/>
-          </a:p>
-        </p:txBody>
-      </p:sp>
-      <p:sp>
-        <p:nvSpPr>
-          <p:cNvPr id="195" name="TextShape 2"/>
-          <p:cNvSpPr txBox="1"/>
+            <a:ext cx="5485680" cy="3599640"/>
+          </a:xfrm>
+          <a:prstGeom prst="rect">
+            <a:avLst/>
+          </a:prstGeom>
+        </p:spPr>
+        <p:txBody>
+          <a:bodyPr lIns="0" rIns="0" tIns="0" bIns="0"/>
+          <a:p>
+            <a:endParaRPr/>
+          </a:p>
+        </p:txBody>
+      </p:sp>
+      <p:sp>
+        <p:nvSpPr>
+          <p:cNvPr id="191" name="CustomShape 2"/>
+          <p:cNvSpPr/>
           <p:nvPr/>
         </p:nvSpPr>
         <p:spPr>
           <a:xfrm>
             <a:off x="3884760" y="8685360"/>
-            <a:ext cx="2971440" cy="458280"/>
-          </a:xfrm>
-          <a:prstGeom prst="rect">
-            <a:avLst/>
-          </a:prstGeom>
-        </p:spPr>
-        <p:txBody>
-          <a:bodyPr anchor="b"/>
+            <a:ext cx="2971080" cy="457920"/>
+          </a:xfrm>
+          <a:prstGeom prst="rect">
+            <a:avLst/>
+          </a:prstGeom>
+          <a:noFill/>
+          <a:ln>
+            <a:noFill/>
+          </a:ln>
+        </p:spPr>
+        <p:txBody>
+          <a:bodyPr lIns="90000" rIns="90000" tIns="45000" bIns="45000" anchor="b"/>
           <a:p>
             <a:pPr algn="r">
               <a:lnSpc>
                 <a:spcPct val="100000"/>
               </a:lnSpc>
             </a:pPr>
-            <a:fld id="{F744C283-BBB3-4617-896B-BDACA83B1043}" type="slidenum">
+            <a:fld id="{6984BE8A-A178-4D23-8823-EB9990AF1656}" type="slidenum">
               <a:rPr lang="en-US" sz="1200">
                 <a:solidFill>
                   <a:srgbClr val="000000"/>
@@ -1432,7 +1488,7 @@
       </p:grpSpPr>
       <p:sp>
         <p:nvSpPr>
-          <p:cNvPr id="196" name="PlaceHolder 1"/>
+          <p:cNvPr id="192" name="PlaceHolder 1"/>
           <p:cNvSpPr>
             <a:spLocks noGrp="1"/>
           </p:cNvSpPr>
@@ -1443,43 +1499,47 @@
         <p:spPr>
           <a:xfrm>
             <a:off x="685800" y="4400640"/>
-            <a:ext cx="5486040" cy="3600000"/>
-          </a:xfrm>
-          <a:prstGeom prst="rect">
-            <a:avLst/>
-          </a:prstGeom>
-        </p:spPr>
-        <p:txBody>
-          <a:bodyPr/>
-          <a:p>
-            <a:endParaRPr/>
-          </a:p>
-        </p:txBody>
-      </p:sp>
-      <p:sp>
-        <p:nvSpPr>
-          <p:cNvPr id="197" name="TextShape 2"/>
-          <p:cNvSpPr txBox="1"/>
+            <a:ext cx="5485680" cy="3599640"/>
+          </a:xfrm>
+          <a:prstGeom prst="rect">
+            <a:avLst/>
+          </a:prstGeom>
+        </p:spPr>
+        <p:txBody>
+          <a:bodyPr lIns="0" rIns="0" tIns="0" bIns="0"/>
+          <a:p>
+            <a:endParaRPr/>
+          </a:p>
+        </p:txBody>
+      </p:sp>
+      <p:sp>
+        <p:nvSpPr>
+          <p:cNvPr id="193" name="CustomShape 2"/>
+          <p:cNvSpPr/>
           <p:nvPr/>
         </p:nvSpPr>
         <p:spPr>
           <a:xfrm>
             <a:off x="3884760" y="8685360"/>
-            <a:ext cx="2971440" cy="458280"/>
-          </a:xfrm>
-          <a:prstGeom prst="rect">
-            <a:avLst/>
-          </a:prstGeom>
-        </p:spPr>
-        <p:txBody>
-          <a:bodyPr anchor="b"/>
+            <a:ext cx="2971080" cy="457920"/>
+          </a:xfrm>
+          <a:prstGeom prst="rect">
+            <a:avLst/>
+          </a:prstGeom>
+          <a:noFill/>
+          <a:ln>
+            <a:noFill/>
+          </a:ln>
+        </p:spPr>
+        <p:txBody>
+          <a:bodyPr lIns="90000" rIns="90000" tIns="45000" bIns="45000" anchor="b"/>
           <a:p>
             <a:pPr algn="r">
               <a:lnSpc>
                 <a:spcPct val="100000"/>
               </a:lnSpc>
             </a:pPr>
-            <a:fld id="{7A7F4B18-18B5-401D-8F54-378FC7D4C66A}" type="slidenum">
+            <a:fld id="{5A6C24D7-85B4-4268-94AD-350AC8508BF4}" type="slidenum">
               <a:rPr lang="en-US" sz="1200">
                 <a:solidFill>
                   <a:srgbClr val="000000"/>
@@ -1517,7 +1577,7 @@
       </p:grpSpPr>
       <p:sp>
         <p:nvSpPr>
-          <p:cNvPr id="158" name="PlaceHolder 1"/>
+          <p:cNvPr id="154" name="PlaceHolder 1"/>
           <p:cNvSpPr>
             <a:spLocks noGrp="1"/>
           </p:cNvSpPr>
@@ -1528,43 +1588,47 @@
         <p:spPr>
           <a:xfrm>
             <a:off x="685800" y="4400640"/>
-            <a:ext cx="5486040" cy="3600000"/>
-          </a:xfrm>
-          <a:prstGeom prst="rect">
-            <a:avLst/>
-          </a:prstGeom>
-        </p:spPr>
-        <p:txBody>
-          <a:bodyPr/>
-          <a:p>
-            <a:endParaRPr/>
-          </a:p>
-        </p:txBody>
-      </p:sp>
-      <p:sp>
-        <p:nvSpPr>
-          <p:cNvPr id="159" name="TextShape 2"/>
-          <p:cNvSpPr txBox="1"/>
+            <a:ext cx="5485680" cy="3599640"/>
+          </a:xfrm>
+          <a:prstGeom prst="rect">
+            <a:avLst/>
+          </a:prstGeom>
+        </p:spPr>
+        <p:txBody>
+          <a:bodyPr lIns="0" rIns="0" tIns="0" bIns="0"/>
+          <a:p>
+            <a:endParaRPr/>
+          </a:p>
+        </p:txBody>
+      </p:sp>
+      <p:sp>
+        <p:nvSpPr>
+          <p:cNvPr id="155" name="CustomShape 2"/>
+          <p:cNvSpPr/>
           <p:nvPr/>
         </p:nvSpPr>
         <p:spPr>
           <a:xfrm>
             <a:off x="3884760" y="8685360"/>
-            <a:ext cx="2971440" cy="458280"/>
-          </a:xfrm>
-          <a:prstGeom prst="rect">
-            <a:avLst/>
-          </a:prstGeom>
-        </p:spPr>
-        <p:txBody>
-          <a:bodyPr anchor="b"/>
+            <a:ext cx="2971080" cy="457920"/>
+          </a:xfrm>
+          <a:prstGeom prst="rect">
+            <a:avLst/>
+          </a:prstGeom>
+          <a:noFill/>
+          <a:ln>
+            <a:noFill/>
+          </a:ln>
+        </p:spPr>
+        <p:txBody>
+          <a:bodyPr lIns="90000" rIns="90000" tIns="45000" bIns="45000" anchor="b"/>
           <a:p>
             <a:pPr algn="r">
               <a:lnSpc>
                 <a:spcPct val="100000"/>
               </a:lnSpc>
             </a:pPr>
-            <a:fld id="{3FD82C98-9655-414A-B492-95424AC1A37D}" type="slidenum">
+            <a:fld id="{5484F004-9B16-44B8-8B8C-91854E23B969}" type="slidenum">
               <a:rPr lang="en-US" sz="1200">
                 <a:solidFill>
                   <a:srgbClr val="000000"/>
@@ -1602,7 +1666,7 @@
       </p:grpSpPr>
       <p:sp>
         <p:nvSpPr>
-          <p:cNvPr id="160" name="PlaceHolder 1"/>
+          <p:cNvPr id="156" name="PlaceHolder 1"/>
           <p:cNvSpPr>
             <a:spLocks noGrp="1"/>
           </p:cNvSpPr>
@@ -1613,43 +1677,47 @@
         <p:spPr>
           <a:xfrm>
             <a:off x="685800" y="4400640"/>
-            <a:ext cx="5486040" cy="3600000"/>
-          </a:xfrm>
-          <a:prstGeom prst="rect">
-            <a:avLst/>
-          </a:prstGeom>
-        </p:spPr>
-        <p:txBody>
-          <a:bodyPr/>
-          <a:p>
-            <a:endParaRPr/>
-          </a:p>
-        </p:txBody>
-      </p:sp>
-      <p:sp>
-        <p:nvSpPr>
-          <p:cNvPr id="161" name="TextShape 2"/>
-          <p:cNvSpPr txBox="1"/>
+            <a:ext cx="5485680" cy="3599640"/>
+          </a:xfrm>
+          <a:prstGeom prst="rect">
+            <a:avLst/>
+          </a:prstGeom>
+        </p:spPr>
+        <p:txBody>
+          <a:bodyPr lIns="0" rIns="0" tIns="0" bIns="0"/>
+          <a:p>
+            <a:endParaRPr/>
+          </a:p>
+        </p:txBody>
+      </p:sp>
+      <p:sp>
+        <p:nvSpPr>
+          <p:cNvPr id="157" name="CustomShape 2"/>
+          <p:cNvSpPr/>
           <p:nvPr/>
         </p:nvSpPr>
         <p:spPr>
           <a:xfrm>
             <a:off x="3884760" y="8685360"/>
-            <a:ext cx="2971440" cy="458280"/>
-          </a:xfrm>
-          <a:prstGeom prst="rect">
-            <a:avLst/>
-          </a:prstGeom>
-        </p:spPr>
-        <p:txBody>
-          <a:bodyPr anchor="b"/>
+            <a:ext cx="2971080" cy="457920"/>
+          </a:xfrm>
+          <a:prstGeom prst="rect">
+            <a:avLst/>
+          </a:prstGeom>
+          <a:noFill/>
+          <a:ln>
+            <a:noFill/>
+          </a:ln>
+        </p:spPr>
+        <p:txBody>
+          <a:bodyPr lIns="90000" rIns="90000" tIns="45000" bIns="45000" anchor="b"/>
           <a:p>
             <a:pPr algn="r">
               <a:lnSpc>
                 <a:spcPct val="100000"/>
               </a:lnSpc>
             </a:pPr>
-            <a:fld id="{B37B323A-1BA3-4190-A3CD-79644B99A02D}" type="slidenum">
+            <a:fld id="{864F856A-0232-4CCC-A296-DB8FF92C7E4F}" type="slidenum">
               <a:rPr lang="en-US" sz="1200">
                 <a:solidFill>
                   <a:srgbClr val="000000"/>
@@ -1687,7 +1755,7 @@
       </p:grpSpPr>
       <p:sp>
         <p:nvSpPr>
-          <p:cNvPr id="162" name="PlaceHolder 1"/>
+          <p:cNvPr id="158" name="PlaceHolder 1"/>
           <p:cNvSpPr>
             <a:spLocks noGrp="1"/>
           </p:cNvSpPr>
@@ -1698,43 +1766,47 @@
         <p:spPr>
           <a:xfrm>
             <a:off x="685800" y="4400640"/>
-            <a:ext cx="5486040" cy="3600000"/>
-          </a:xfrm>
-          <a:prstGeom prst="rect">
-            <a:avLst/>
-          </a:prstGeom>
-        </p:spPr>
-        <p:txBody>
-          <a:bodyPr/>
-          <a:p>
-            <a:endParaRPr/>
-          </a:p>
-        </p:txBody>
-      </p:sp>
-      <p:sp>
-        <p:nvSpPr>
-          <p:cNvPr id="163" name="TextShape 2"/>
-          <p:cNvSpPr txBox="1"/>
+            <a:ext cx="5485680" cy="3599640"/>
+          </a:xfrm>
+          <a:prstGeom prst="rect">
+            <a:avLst/>
+          </a:prstGeom>
+        </p:spPr>
+        <p:txBody>
+          <a:bodyPr lIns="0" rIns="0" tIns="0" bIns="0"/>
+          <a:p>
+            <a:endParaRPr/>
+          </a:p>
+        </p:txBody>
+      </p:sp>
+      <p:sp>
+        <p:nvSpPr>
+          <p:cNvPr id="159" name="CustomShape 2"/>
+          <p:cNvSpPr/>
           <p:nvPr/>
         </p:nvSpPr>
         <p:spPr>
           <a:xfrm>
             <a:off x="3884760" y="8685360"/>
-            <a:ext cx="2971440" cy="458280"/>
-          </a:xfrm>
-          <a:prstGeom prst="rect">
-            <a:avLst/>
-          </a:prstGeom>
-        </p:spPr>
-        <p:txBody>
-          <a:bodyPr anchor="b"/>
+            <a:ext cx="2971080" cy="457920"/>
+          </a:xfrm>
+          <a:prstGeom prst="rect">
+            <a:avLst/>
+          </a:prstGeom>
+          <a:noFill/>
+          <a:ln>
+            <a:noFill/>
+          </a:ln>
+        </p:spPr>
+        <p:txBody>
+          <a:bodyPr lIns="90000" rIns="90000" tIns="45000" bIns="45000" anchor="b"/>
           <a:p>
             <a:pPr algn="r">
               <a:lnSpc>
                 <a:spcPct val="100000"/>
               </a:lnSpc>
             </a:pPr>
-            <a:fld id="{487C3141-723D-4A6B-80E3-F898BF7E0056}" type="slidenum">
+            <a:fld id="{D476F7C6-8EF4-4DB8-897F-95C778576802}" type="slidenum">
               <a:rPr lang="en-US" sz="1200">
                 <a:solidFill>
                   <a:srgbClr val="000000"/>
@@ -1772,7 +1844,7 @@
       </p:grpSpPr>
       <p:sp>
         <p:nvSpPr>
-          <p:cNvPr id="164" name="PlaceHolder 1"/>
+          <p:cNvPr id="160" name="PlaceHolder 1"/>
           <p:cNvSpPr>
             <a:spLocks noGrp="1"/>
           </p:cNvSpPr>
@@ -1783,43 +1855,47 @@
         <p:spPr>
           <a:xfrm>
             <a:off x="685800" y="4400640"/>
-            <a:ext cx="5486040" cy="3600000"/>
-          </a:xfrm>
-          <a:prstGeom prst="rect">
-            <a:avLst/>
-          </a:prstGeom>
-        </p:spPr>
-        <p:txBody>
-          <a:bodyPr/>
-          <a:p>
-            <a:endParaRPr/>
-          </a:p>
-        </p:txBody>
-      </p:sp>
-      <p:sp>
-        <p:nvSpPr>
-          <p:cNvPr id="165" name="TextShape 2"/>
-          <p:cNvSpPr txBox="1"/>
+            <a:ext cx="5485680" cy="3599640"/>
+          </a:xfrm>
+          <a:prstGeom prst="rect">
+            <a:avLst/>
+          </a:prstGeom>
+        </p:spPr>
+        <p:txBody>
+          <a:bodyPr lIns="0" rIns="0" tIns="0" bIns="0"/>
+          <a:p>
+            <a:endParaRPr/>
+          </a:p>
+        </p:txBody>
+      </p:sp>
+      <p:sp>
+        <p:nvSpPr>
+          <p:cNvPr id="161" name="CustomShape 2"/>
+          <p:cNvSpPr/>
           <p:nvPr/>
         </p:nvSpPr>
         <p:spPr>
           <a:xfrm>
             <a:off x="3884760" y="8685360"/>
-            <a:ext cx="2971440" cy="458280"/>
-          </a:xfrm>
-          <a:prstGeom prst="rect">
-            <a:avLst/>
-          </a:prstGeom>
-        </p:spPr>
-        <p:txBody>
-          <a:bodyPr anchor="b"/>
+            <a:ext cx="2971080" cy="457920"/>
+          </a:xfrm>
+          <a:prstGeom prst="rect">
+            <a:avLst/>
+          </a:prstGeom>
+          <a:noFill/>
+          <a:ln>
+            <a:noFill/>
+          </a:ln>
+        </p:spPr>
+        <p:txBody>
+          <a:bodyPr lIns="90000" rIns="90000" tIns="45000" bIns="45000" anchor="b"/>
           <a:p>
             <a:pPr algn="r">
               <a:lnSpc>
                 <a:spcPct val="100000"/>
               </a:lnSpc>
             </a:pPr>
-            <a:fld id="{35734EF1-99C3-4582-B02D-206AD1C9ECB1}" type="slidenum">
+            <a:fld id="{4744A284-EA3D-4965-82E4-394B146A5E6B}" type="slidenum">
               <a:rPr lang="en-US" sz="1200">
                 <a:solidFill>
                   <a:srgbClr val="000000"/>
@@ -1857,7 +1933,7 @@
       </p:grpSpPr>
       <p:sp>
         <p:nvSpPr>
-          <p:cNvPr id="166" name="PlaceHolder 1"/>
+          <p:cNvPr id="162" name="PlaceHolder 1"/>
           <p:cNvSpPr>
             <a:spLocks noGrp="1"/>
           </p:cNvSpPr>
@@ -1868,43 +1944,47 @@
         <p:spPr>
           <a:xfrm>
             <a:off x="685800" y="4400640"/>
-            <a:ext cx="5486040" cy="3600000"/>
-          </a:xfrm>
-          <a:prstGeom prst="rect">
-            <a:avLst/>
-          </a:prstGeom>
-        </p:spPr>
-        <p:txBody>
-          <a:bodyPr/>
-          <a:p>
-            <a:endParaRPr/>
-          </a:p>
-        </p:txBody>
-      </p:sp>
-      <p:sp>
-        <p:nvSpPr>
-          <p:cNvPr id="167" name="TextShape 2"/>
-          <p:cNvSpPr txBox="1"/>
+            <a:ext cx="5485680" cy="3599640"/>
+          </a:xfrm>
+          <a:prstGeom prst="rect">
+            <a:avLst/>
+          </a:prstGeom>
+        </p:spPr>
+        <p:txBody>
+          <a:bodyPr lIns="0" rIns="0" tIns="0" bIns="0"/>
+          <a:p>
+            <a:endParaRPr/>
+          </a:p>
+        </p:txBody>
+      </p:sp>
+      <p:sp>
+        <p:nvSpPr>
+          <p:cNvPr id="163" name="CustomShape 2"/>
+          <p:cNvSpPr/>
           <p:nvPr/>
         </p:nvSpPr>
         <p:spPr>
           <a:xfrm>
             <a:off x="3884760" y="8685360"/>
-            <a:ext cx="2971440" cy="458280"/>
-          </a:xfrm>
-          <a:prstGeom prst="rect">
-            <a:avLst/>
-          </a:prstGeom>
-        </p:spPr>
-        <p:txBody>
-          <a:bodyPr anchor="b"/>
+            <a:ext cx="2971080" cy="457920"/>
+          </a:xfrm>
+          <a:prstGeom prst="rect">
+            <a:avLst/>
+          </a:prstGeom>
+          <a:noFill/>
+          <a:ln>
+            <a:noFill/>
+          </a:ln>
+        </p:spPr>
+        <p:txBody>
+          <a:bodyPr lIns="90000" rIns="90000" tIns="45000" bIns="45000" anchor="b"/>
           <a:p>
             <a:pPr algn="r">
               <a:lnSpc>
                 <a:spcPct val="100000"/>
               </a:lnSpc>
             </a:pPr>
-            <a:fld id="{DEABD6FD-E180-4323-A472-4B0E56FBE6CB}" type="slidenum">
+            <a:fld id="{B6F159B6-8B50-428C-BD2C-C83D6A76C263}" type="slidenum">
               <a:rPr lang="en-US" sz="1200">
                 <a:solidFill>
                   <a:srgbClr val="000000"/>
@@ -1942,7 +2022,7 @@
       </p:grpSpPr>
       <p:sp>
         <p:nvSpPr>
-          <p:cNvPr id="168" name="PlaceHolder 1"/>
+          <p:cNvPr id="164" name="PlaceHolder 1"/>
           <p:cNvSpPr>
             <a:spLocks noGrp="1"/>
           </p:cNvSpPr>
@@ -1953,43 +2033,47 @@
         <p:spPr>
           <a:xfrm>
             <a:off x="685800" y="4400640"/>
-            <a:ext cx="5486040" cy="3600000"/>
-          </a:xfrm>
-          <a:prstGeom prst="rect">
-            <a:avLst/>
-          </a:prstGeom>
-        </p:spPr>
-        <p:txBody>
-          <a:bodyPr/>
-          <a:p>
-            <a:endParaRPr/>
-          </a:p>
-        </p:txBody>
-      </p:sp>
-      <p:sp>
-        <p:nvSpPr>
-          <p:cNvPr id="169" name="TextShape 2"/>
-          <p:cNvSpPr txBox="1"/>
+            <a:ext cx="5485680" cy="3599640"/>
+          </a:xfrm>
+          <a:prstGeom prst="rect">
+            <a:avLst/>
+          </a:prstGeom>
+        </p:spPr>
+        <p:txBody>
+          <a:bodyPr lIns="0" rIns="0" tIns="0" bIns="0"/>
+          <a:p>
+            <a:endParaRPr/>
+          </a:p>
+        </p:txBody>
+      </p:sp>
+      <p:sp>
+        <p:nvSpPr>
+          <p:cNvPr id="165" name="CustomShape 2"/>
+          <p:cNvSpPr/>
           <p:nvPr/>
         </p:nvSpPr>
         <p:spPr>
           <a:xfrm>
             <a:off x="3884760" y="8685360"/>
-            <a:ext cx="2971440" cy="458280"/>
-          </a:xfrm>
-          <a:prstGeom prst="rect">
-            <a:avLst/>
-          </a:prstGeom>
-        </p:spPr>
-        <p:txBody>
-          <a:bodyPr anchor="b"/>
+            <a:ext cx="2971080" cy="457920"/>
+          </a:xfrm>
+          <a:prstGeom prst="rect">
+            <a:avLst/>
+          </a:prstGeom>
+          <a:noFill/>
+          <a:ln>
+            <a:noFill/>
+          </a:ln>
+        </p:spPr>
+        <p:txBody>
+          <a:bodyPr lIns="90000" rIns="90000" tIns="45000" bIns="45000" anchor="b"/>
           <a:p>
             <a:pPr algn="r">
               <a:lnSpc>
                 <a:spcPct val="100000"/>
               </a:lnSpc>
             </a:pPr>
-            <a:fld id="{92F349AD-A8B3-4ECF-9C31-6C4B8D85B617}" type="slidenum">
+            <a:fld id="{444A7D1E-F675-4A52-90E1-88309B62B16F}" type="slidenum">
               <a:rPr lang="en-US" sz="1200">
                 <a:solidFill>
                   <a:srgbClr val="000000"/>
@@ -2027,7 +2111,7 @@
       </p:grpSpPr>
       <p:sp>
         <p:nvSpPr>
-          <p:cNvPr id="170" name="PlaceHolder 1"/>
+          <p:cNvPr id="166" name="PlaceHolder 1"/>
           <p:cNvSpPr>
             <a:spLocks noGrp="1"/>
           </p:cNvSpPr>
@@ -2038,43 +2122,47 @@
         <p:spPr>
           <a:xfrm>
             <a:off x="685800" y="4400640"/>
-            <a:ext cx="5486040" cy="3600000"/>
-          </a:xfrm>
-          <a:prstGeom prst="rect">
-            <a:avLst/>
-          </a:prstGeom>
-        </p:spPr>
-        <p:txBody>
-          <a:bodyPr/>
-          <a:p>
-            <a:endParaRPr/>
-          </a:p>
-        </p:txBody>
-      </p:sp>
-      <p:sp>
-        <p:nvSpPr>
-          <p:cNvPr id="171" name="TextShape 2"/>
-          <p:cNvSpPr txBox="1"/>
+            <a:ext cx="5485680" cy="3599640"/>
+          </a:xfrm>
+          <a:prstGeom prst="rect">
+            <a:avLst/>
+          </a:prstGeom>
+        </p:spPr>
+        <p:txBody>
+          <a:bodyPr lIns="0" rIns="0" tIns="0" bIns="0"/>
+          <a:p>
+            <a:endParaRPr/>
+          </a:p>
+        </p:txBody>
+      </p:sp>
+      <p:sp>
+        <p:nvSpPr>
+          <p:cNvPr id="167" name="CustomShape 2"/>
+          <p:cNvSpPr/>
           <p:nvPr/>
         </p:nvSpPr>
         <p:spPr>
           <a:xfrm>
             <a:off x="3884760" y="8685360"/>
-            <a:ext cx="2971440" cy="458280"/>
-          </a:xfrm>
-          <a:prstGeom prst="rect">
-            <a:avLst/>
-          </a:prstGeom>
-        </p:spPr>
-        <p:txBody>
-          <a:bodyPr anchor="b"/>
+            <a:ext cx="2971080" cy="457920"/>
+          </a:xfrm>
+          <a:prstGeom prst="rect">
+            <a:avLst/>
+          </a:prstGeom>
+          <a:noFill/>
+          <a:ln>
+            <a:noFill/>
+          </a:ln>
+        </p:spPr>
+        <p:txBody>
+          <a:bodyPr lIns="90000" rIns="90000" tIns="45000" bIns="45000" anchor="b"/>
           <a:p>
             <a:pPr algn="r">
               <a:lnSpc>
                 <a:spcPct val="100000"/>
               </a:lnSpc>
             </a:pPr>
-            <a:fld id="{B0D8BF00-3ED3-4319-84A4-CBB23DBB5E48}" type="slidenum">
+            <a:fld id="{67C702B2-EEAF-4B1D-8950-6F3E97634A0E}" type="slidenum">
               <a:rPr lang="en-US" sz="1200">
                 <a:solidFill>
                   <a:srgbClr val="000000"/>
@@ -2134,7 +2222,7 @@
       </p:grpSpPr>
       <p:sp>
         <p:nvSpPr>
-          <p:cNvPr id="27" name="PlaceHolder 1"/>
+          <p:cNvPr id="24" name="PlaceHolder 1"/>
           <p:cNvSpPr>
             <a:spLocks noGrp="1"/>
           </p:cNvSpPr>
@@ -2144,8 +2232,8 @@
         </p:nvSpPr>
         <p:spPr>
           <a:xfrm>
-            <a:off x="657360" y="499680"/>
-            <a:ext cx="10772280" cy="1658160"/>
+            <a:off x="609480" y="273600"/>
+            <a:ext cx="10972440" cy="1145160"/>
           </a:xfrm>
           <a:prstGeom prst="rect">
             <a:avLst/>
@@ -2154,13 +2242,14 @@
         <p:txBody>
           <a:bodyPr lIns="0" rIns="0" tIns="0" bIns="0" anchor="ctr"/>
           <a:p>
-            <a:endParaRPr/>
-          </a:p>
-        </p:txBody>
-      </p:sp>
-      <p:sp>
-        <p:nvSpPr>
-          <p:cNvPr id="28" name="PlaceHolder 2"/>
+            <a:pPr algn="ctr"/>
+            <a:endParaRPr/>
+          </a:p>
+        </p:txBody>
+      </p:sp>
+      <p:sp>
+        <p:nvSpPr>
+          <p:cNvPr id="25" name="PlaceHolder 2"/>
           <p:cNvSpPr>
             <a:spLocks noGrp="1"/>
           </p:cNvSpPr>
@@ -2170,8 +2259,8 @@
         </p:nvSpPr>
         <p:spPr>
           <a:xfrm>
-            <a:off x="676800" y="2011680"/>
-            <a:ext cx="10753200" cy="1796040"/>
+            <a:off x="609480" y="1604520"/>
+            <a:ext cx="10972440" cy="1896840"/>
           </a:xfrm>
           <a:prstGeom prst="rect">
             <a:avLst/>
@@ -2186,7 +2275,7 @@
       </p:sp>
       <p:sp>
         <p:nvSpPr>
-          <p:cNvPr id="29" name="PlaceHolder 3"/>
+          <p:cNvPr id="26" name="PlaceHolder 3"/>
           <p:cNvSpPr>
             <a:spLocks noGrp="1"/>
           </p:cNvSpPr>
@@ -2196,8 +2285,8 @@
         </p:nvSpPr>
         <p:spPr>
           <a:xfrm>
-            <a:off x="676800" y="3978720"/>
-            <a:ext cx="10753200" cy="1796040"/>
+            <a:off x="609480" y="3682080"/>
+            <a:ext cx="10972440" cy="1896840"/>
           </a:xfrm>
           <a:prstGeom prst="rect">
             <a:avLst/>
@@ -2234,7 +2323,7 @@
       </p:grpSpPr>
       <p:sp>
         <p:nvSpPr>
-          <p:cNvPr id="30" name="PlaceHolder 1"/>
+          <p:cNvPr id="27" name="PlaceHolder 1"/>
           <p:cNvSpPr>
             <a:spLocks noGrp="1"/>
           </p:cNvSpPr>
@@ -2244,8 +2333,8 @@
         </p:nvSpPr>
         <p:spPr>
           <a:xfrm>
-            <a:off x="657360" y="499680"/>
-            <a:ext cx="10772280" cy="1658160"/>
+            <a:off x="609480" y="273600"/>
+            <a:ext cx="10972440" cy="1145160"/>
           </a:xfrm>
           <a:prstGeom prst="rect">
             <a:avLst/>
@@ -2254,13 +2343,14 @@
         <p:txBody>
           <a:bodyPr lIns="0" rIns="0" tIns="0" bIns="0" anchor="ctr"/>
           <a:p>
-            <a:endParaRPr/>
-          </a:p>
-        </p:txBody>
-      </p:sp>
-      <p:sp>
-        <p:nvSpPr>
-          <p:cNvPr id="31" name="PlaceHolder 2"/>
+            <a:pPr algn="ctr"/>
+            <a:endParaRPr/>
+          </a:p>
+        </p:txBody>
+      </p:sp>
+      <p:sp>
+        <p:nvSpPr>
+          <p:cNvPr id="28" name="PlaceHolder 2"/>
           <p:cNvSpPr>
             <a:spLocks noGrp="1"/>
           </p:cNvSpPr>
@@ -2270,8 +2360,8 @@
         </p:nvSpPr>
         <p:spPr>
           <a:xfrm>
-            <a:off x="676800" y="2011680"/>
-            <a:ext cx="5247360" cy="1796040"/>
+            <a:off x="609480" y="1604520"/>
+            <a:ext cx="5354280" cy="1896840"/>
           </a:xfrm>
           <a:prstGeom prst="rect">
             <a:avLst/>
@@ -2286,7 +2376,7 @@
       </p:sp>
       <p:sp>
         <p:nvSpPr>
-          <p:cNvPr id="32" name="PlaceHolder 3"/>
+          <p:cNvPr id="29" name="PlaceHolder 3"/>
           <p:cNvSpPr>
             <a:spLocks noGrp="1"/>
           </p:cNvSpPr>
@@ -2296,8 +2386,8 @@
         </p:nvSpPr>
         <p:spPr>
           <a:xfrm>
-            <a:off x="6186960" y="2011680"/>
-            <a:ext cx="5247360" cy="1796040"/>
+            <a:off x="6231960" y="1604520"/>
+            <a:ext cx="5354280" cy="1896840"/>
           </a:xfrm>
           <a:prstGeom prst="rect">
             <a:avLst/>
@@ -2312,7 +2402,7 @@
       </p:sp>
       <p:sp>
         <p:nvSpPr>
-          <p:cNvPr id="33" name="PlaceHolder 4"/>
+          <p:cNvPr id="30" name="PlaceHolder 4"/>
           <p:cNvSpPr>
             <a:spLocks noGrp="1"/>
           </p:cNvSpPr>
@@ -2322,8 +2412,8 @@
         </p:nvSpPr>
         <p:spPr>
           <a:xfrm>
-            <a:off x="6186960" y="3978720"/>
-            <a:ext cx="5247360" cy="1796040"/>
+            <a:off x="6231960" y="3682080"/>
+            <a:ext cx="5354280" cy="1896840"/>
           </a:xfrm>
           <a:prstGeom prst="rect">
             <a:avLst/>
@@ -2338,7 +2428,7 @@
       </p:sp>
       <p:sp>
         <p:nvSpPr>
-          <p:cNvPr id="34" name="PlaceHolder 5"/>
+          <p:cNvPr id="31" name="PlaceHolder 5"/>
           <p:cNvSpPr>
             <a:spLocks noGrp="1"/>
           </p:cNvSpPr>
@@ -2348,8 +2438,8 @@
         </p:nvSpPr>
         <p:spPr>
           <a:xfrm>
-            <a:off x="676800" y="3978720"/>
-            <a:ext cx="5247360" cy="1796040"/>
+            <a:off x="609480" y="3682080"/>
+            <a:ext cx="5354280" cy="1896840"/>
           </a:xfrm>
           <a:prstGeom prst="rect">
             <a:avLst/>
@@ -2386,7 +2476,7 @@
       </p:grpSpPr>
       <p:sp>
         <p:nvSpPr>
-          <p:cNvPr id="35" name="PlaceHolder 1"/>
+          <p:cNvPr id="32" name="PlaceHolder 1"/>
           <p:cNvSpPr>
             <a:spLocks noGrp="1"/>
           </p:cNvSpPr>
@@ -2396,8 +2486,8 @@
         </p:nvSpPr>
         <p:spPr>
           <a:xfrm>
-            <a:off x="657360" y="499680"/>
-            <a:ext cx="10772280" cy="1658160"/>
+            <a:off x="609480" y="273600"/>
+            <a:ext cx="10972440" cy="1145160"/>
           </a:xfrm>
           <a:prstGeom prst="rect">
             <a:avLst/>
@@ -2406,13 +2496,14 @@
         <p:txBody>
           <a:bodyPr lIns="0" rIns="0" tIns="0" bIns="0" anchor="ctr"/>
           <a:p>
-            <a:endParaRPr/>
-          </a:p>
-        </p:txBody>
-      </p:sp>
-      <p:sp>
-        <p:nvSpPr>
-          <p:cNvPr id="36" name="PlaceHolder 2"/>
+            <a:pPr algn="ctr"/>
+            <a:endParaRPr/>
+          </a:p>
+        </p:txBody>
+      </p:sp>
+      <p:sp>
+        <p:nvSpPr>
+          <p:cNvPr id="33" name="PlaceHolder 2"/>
           <p:cNvSpPr>
             <a:spLocks noGrp="1"/>
           </p:cNvSpPr>
@@ -2422,8 +2513,8 @@
         </p:nvSpPr>
         <p:spPr>
           <a:xfrm>
-            <a:off x="676800" y="2011680"/>
-            <a:ext cx="10753200" cy="3765960"/>
+            <a:off x="609480" y="1604520"/>
+            <a:ext cx="10972440" cy="3977280"/>
           </a:xfrm>
           <a:prstGeom prst="rect">
             <a:avLst/>
@@ -2438,7 +2529,7 @@
       </p:sp>
       <p:sp>
         <p:nvSpPr>
-          <p:cNvPr id="37" name="PlaceHolder 3"/>
+          <p:cNvPr id="34" name="PlaceHolder 3"/>
           <p:cNvSpPr>
             <a:spLocks noGrp="1"/>
           </p:cNvSpPr>
@@ -2448,8 +2539,8 @@
         </p:nvSpPr>
         <p:spPr>
           <a:xfrm>
-            <a:off x="676800" y="2011680"/>
-            <a:ext cx="10753200" cy="3765960"/>
+            <a:off x="609480" y="1604520"/>
+            <a:ext cx="10972440" cy="3977280"/>
           </a:xfrm>
           <a:prstGeom prst="rect">
             <a:avLst/>
@@ -2464,7 +2555,7 @@
       </p:sp>
       <p:pic>
         <p:nvPicPr>
-          <p:cNvPr id="38" name="" descr=""/>
+          <p:cNvPr id="35" name="" descr=""/>
           <p:cNvPicPr/>
           <p:nvPr/>
         </p:nvPicPr>
@@ -2476,8 +2567,8 @@
         </p:blipFill>
         <p:spPr>
           <a:xfrm>
-            <a:off x="3693240" y="2011320"/>
-            <a:ext cx="4719960" cy="3765960"/>
+            <a:off x="3602880" y="1604520"/>
+            <a:ext cx="4984920" cy="3977280"/>
           </a:xfrm>
           <a:prstGeom prst="rect">
             <a:avLst/>
@@ -2489,7 +2580,7 @@
       </p:pic>
       <p:pic>
         <p:nvPicPr>
-          <p:cNvPr id="39" name="" descr=""/>
+          <p:cNvPr id="36" name="" descr=""/>
           <p:cNvPicPr/>
           <p:nvPr/>
         </p:nvPicPr>
@@ -2501,8 +2592,8 @@
         </p:blipFill>
         <p:spPr>
           <a:xfrm>
-            <a:off x="3693240" y="2011320"/>
-            <a:ext cx="4719960" cy="3765960"/>
+            <a:off x="3602880" y="1604520"/>
+            <a:ext cx="4984920" cy="3977280"/>
           </a:xfrm>
           <a:prstGeom prst="rect">
             <a:avLst/>
@@ -2558,7 +2649,7 @@
       </p:grpSpPr>
       <p:sp>
         <p:nvSpPr>
-          <p:cNvPr id="45" name="PlaceHolder 1"/>
+          <p:cNvPr id="39" name="PlaceHolder 1"/>
           <p:cNvSpPr>
             <a:spLocks noGrp="1"/>
           </p:cNvSpPr>
@@ -2568,8 +2659,8 @@
         </p:nvSpPr>
         <p:spPr>
           <a:xfrm>
-            <a:off x="657360" y="499680"/>
-            <a:ext cx="10772280" cy="1658160"/>
+            <a:off x="609480" y="273600"/>
+            <a:ext cx="10972440" cy="1145160"/>
           </a:xfrm>
           <a:prstGeom prst="rect">
             <a:avLst/>
@@ -2578,13 +2669,14 @@
         <p:txBody>
           <a:bodyPr lIns="0" rIns="0" tIns="0" bIns="0" anchor="ctr"/>
           <a:p>
-            <a:endParaRPr/>
-          </a:p>
-        </p:txBody>
-      </p:sp>
-      <p:sp>
-        <p:nvSpPr>
-          <p:cNvPr id="46" name="PlaceHolder 2"/>
+            <a:pPr algn="ctr"/>
+            <a:endParaRPr/>
+          </a:p>
+        </p:txBody>
+      </p:sp>
+      <p:sp>
+        <p:nvSpPr>
+          <p:cNvPr id="40" name="PlaceHolder 2"/>
           <p:cNvSpPr>
             <a:spLocks noGrp="1"/>
           </p:cNvSpPr>
@@ -2594,8 +2686,8 @@
         </p:nvSpPr>
         <p:spPr>
           <a:xfrm>
-            <a:off x="676800" y="2011680"/>
-            <a:ext cx="10753200" cy="3766320"/>
+            <a:off x="609480" y="1604520"/>
+            <a:ext cx="10972440" cy="3977640"/>
           </a:xfrm>
           <a:prstGeom prst="rect">
             <a:avLst/>
@@ -2633,7 +2725,7 @@
       </p:grpSpPr>
       <p:sp>
         <p:nvSpPr>
-          <p:cNvPr id="47" name="PlaceHolder 1"/>
+          <p:cNvPr id="41" name="PlaceHolder 1"/>
           <p:cNvSpPr>
             <a:spLocks noGrp="1"/>
           </p:cNvSpPr>
@@ -2643,8 +2735,8 @@
         </p:nvSpPr>
         <p:spPr>
           <a:xfrm>
-            <a:off x="657360" y="499680"/>
-            <a:ext cx="10772280" cy="1658160"/>
+            <a:off x="609480" y="273600"/>
+            <a:ext cx="10972440" cy="1145160"/>
           </a:xfrm>
           <a:prstGeom prst="rect">
             <a:avLst/>
@@ -2653,13 +2745,14 @@
         <p:txBody>
           <a:bodyPr lIns="0" rIns="0" tIns="0" bIns="0" anchor="ctr"/>
           <a:p>
-            <a:endParaRPr/>
-          </a:p>
-        </p:txBody>
-      </p:sp>
-      <p:sp>
-        <p:nvSpPr>
-          <p:cNvPr id="48" name="PlaceHolder 2"/>
+            <a:pPr algn="ctr"/>
+            <a:endParaRPr/>
+          </a:p>
+        </p:txBody>
+      </p:sp>
+      <p:sp>
+        <p:nvSpPr>
+          <p:cNvPr id="42" name="PlaceHolder 2"/>
           <p:cNvSpPr>
             <a:spLocks noGrp="1"/>
           </p:cNvSpPr>
@@ -2669,8 +2762,8 @@
         </p:nvSpPr>
         <p:spPr>
           <a:xfrm>
-            <a:off x="676800" y="2011680"/>
-            <a:ext cx="10753200" cy="3765960"/>
+            <a:off x="609480" y="1604520"/>
+            <a:ext cx="10972440" cy="3977280"/>
           </a:xfrm>
           <a:prstGeom prst="rect">
             <a:avLst/>
@@ -2707,7 +2800,7 @@
       </p:grpSpPr>
       <p:sp>
         <p:nvSpPr>
-          <p:cNvPr id="49" name="PlaceHolder 1"/>
+          <p:cNvPr id="43" name="PlaceHolder 1"/>
           <p:cNvSpPr>
             <a:spLocks noGrp="1"/>
           </p:cNvSpPr>
@@ -2717,8 +2810,8 @@
         </p:nvSpPr>
         <p:spPr>
           <a:xfrm>
-            <a:off x="657360" y="499680"/>
-            <a:ext cx="10772280" cy="1658160"/>
+            <a:off x="609480" y="273600"/>
+            <a:ext cx="10972440" cy="1145160"/>
           </a:xfrm>
           <a:prstGeom prst="rect">
             <a:avLst/>
@@ -2727,13 +2820,14 @@
         <p:txBody>
           <a:bodyPr lIns="0" rIns="0" tIns="0" bIns="0" anchor="ctr"/>
           <a:p>
-            <a:endParaRPr/>
-          </a:p>
-        </p:txBody>
-      </p:sp>
-      <p:sp>
-        <p:nvSpPr>
-          <p:cNvPr id="50" name="PlaceHolder 2"/>
+            <a:pPr algn="ctr"/>
+            <a:endParaRPr/>
+          </a:p>
+        </p:txBody>
+      </p:sp>
+      <p:sp>
+        <p:nvSpPr>
+          <p:cNvPr id="44" name="PlaceHolder 2"/>
           <p:cNvSpPr>
             <a:spLocks noGrp="1"/>
           </p:cNvSpPr>
@@ -2743,8 +2837,8 @@
         </p:nvSpPr>
         <p:spPr>
           <a:xfrm>
-            <a:off x="676800" y="2011680"/>
-            <a:ext cx="5247360" cy="3765960"/>
+            <a:off x="609480" y="1604520"/>
+            <a:ext cx="5354280" cy="3977280"/>
           </a:xfrm>
           <a:prstGeom prst="rect">
             <a:avLst/>
@@ -2759,7 +2853,7 @@
       </p:sp>
       <p:sp>
         <p:nvSpPr>
-          <p:cNvPr id="51" name="PlaceHolder 3"/>
+          <p:cNvPr id="45" name="PlaceHolder 3"/>
           <p:cNvSpPr>
             <a:spLocks noGrp="1"/>
           </p:cNvSpPr>
@@ -2769,8 +2863,8 @@
         </p:nvSpPr>
         <p:spPr>
           <a:xfrm>
-            <a:off x="6186960" y="2011680"/>
-            <a:ext cx="5247360" cy="3765960"/>
+            <a:off x="6231960" y="1604520"/>
+            <a:ext cx="5354280" cy="3977280"/>
           </a:xfrm>
           <a:prstGeom prst="rect">
             <a:avLst/>
@@ -2807,7 +2901,7 @@
       </p:grpSpPr>
       <p:sp>
         <p:nvSpPr>
-          <p:cNvPr id="52" name="PlaceHolder 1"/>
+          <p:cNvPr id="46" name="PlaceHolder 1"/>
           <p:cNvSpPr>
             <a:spLocks noGrp="1"/>
           </p:cNvSpPr>
@@ -2817,8 +2911,8 @@
         </p:nvSpPr>
         <p:spPr>
           <a:xfrm>
-            <a:off x="657360" y="499680"/>
-            <a:ext cx="10772280" cy="1658160"/>
+            <a:off x="609480" y="273600"/>
+            <a:ext cx="10972440" cy="1145160"/>
           </a:xfrm>
           <a:prstGeom prst="rect">
             <a:avLst/>
@@ -2827,6 +2921,7 @@
         <p:txBody>
           <a:bodyPr lIns="0" rIns="0" tIns="0" bIns="0" anchor="ctr"/>
           <a:p>
+            <a:pPr algn="ctr"/>
             <a:endParaRPr/>
           </a:p>
         </p:txBody>
@@ -2855,7 +2950,7 @@
       </p:grpSpPr>
       <p:sp>
         <p:nvSpPr>
-          <p:cNvPr id="53" name="PlaceHolder 1"/>
+          <p:cNvPr id="47" name="PlaceHolder 1"/>
           <p:cNvSpPr>
             <a:spLocks noGrp="1"/>
           </p:cNvSpPr>
@@ -2865,8 +2960,8 @@
         </p:nvSpPr>
         <p:spPr>
           <a:xfrm>
-            <a:off x="657360" y="499680"/>
-            <a:ext cx="10772280" cy="7686360"/>
+            <a:off x="609480" y="273600"/>
+            <a:ext cx="10972440" cy="5308200"/>
           </a:xfrm>
           <a:prstGeom prst="rect">
             <a:avLst/>
@@ -2904,7 +2999,7 @@
       </p:grpSpPr>
       <p:sp>
         <p:nvSpPr>
-          <p:cNvPr id="54" name="PlaceHolder 1"/>
+          <p:cNvPr id="48" name="PlaceHolder 1"/>
           <p:cNvSpPr>
             <a:spLocks noGrp="1"/>
           </p:cNvSpPr>
@@ -2914,8 +3009,8 @@
         </p:nvSpPr>
         <p:spPr>
           <a:xfrm>
-            <a:off x="657360" y="499680"/>
-            <a:ext cx="10772280" cy="1658160"/>
+            <a:off x="609480" y="273600"/>
+            <a:ext cx="10972440" cy="1145160"/>
           </a:xfrm>
           <a:prstGeom prst="rect">
             <a:avLst/>
@@ -2924,13 +3019,14 @@
         <p:txBody>
           <a:bodyPr lIns="0" rIns="0" tIns="0" bIns="0" anchor="ctr"/>
           <a:p>
-            <a:endParaRPr/>
-          </a:p>
-        </p:txBody>
-      </p:sp>
-      <p:sp>
-        <p:nvSpPr>
-          <p:cNvPr id="55" name="PlaceHolder 2"/>
+            <a:pPr algn="ctr"/>
+            <a:endParaRPr/>
+          </a:p>
+        </p:txBody>
+      </p:sp>
+      <p:sp>
+        <p:nvSpPr>
+          <p:cNvPr id="49" name="PlaceHolder 2"/>
           <p:cNvSpPr>
             <a:spLocks noGrp="1"/>
           </p:cNvSpPr>
@@ -2940,8 +3036,8 @@
         </p:nvSpPr>
         <p:spPr>
           <a:xfrm>
-            <a:off x="676800" y="2011680"/>
-            <a:ext cx="5247360" cy="1796040"/>
+            <a:off x="609480" y="1604520"/>
+            <a:ext cx="5354280" cy="1896840"/>
           </a:xfrm>
           <a:prstGeom prst="rect">
             <a:avLst/>
@@ -2956,7 +3052,7 @@
       </p:sp>
       <p:sp>
         <p:nvSpPr>
-          <p:cNvPr id="56" name="PlaceHolder 3"/>
+          <p:cNvPr id="50" name="PlaceHolder 3"/>
           <p:cNvSpPr>
             <a:spLocks noGrp="1"/>
           </p:cNvSpPr>
@@ -2966,8 +3062,8 @@
         </p:nvSpPr>
         <p:spPr>
           <a:xfrm>
-            <a:off x="676800" y="3978720"/>
-            <a:ext cx="5247360" cy="1796040"/>
+            <a:off x="609480" y="3682080"/>
+            <a:ext cx="5354280" cy="1896840"/>
           </a:xfrm>
           <a:prstGeom prst="rect">
             <a:avLst/>
@@ -2982,7 +3078,7 @@
       </p:sp>
       <p:sp>
         <p:nvSpPr>
-          <p:cNvPr id="57" name="PlaceHolder 4"/>
+          <p:cNvPr id="51" name="PlaceHolder 4"/>
           <p:cNvSpPr>
             <a:spLocks noGrp="1"/>
           </p:cNvSpPr>
@@ -2992,8 +3088,8 @@
         </p:nvSpPr>
         <p:spPr>
           <a:xfrm>
-            <a:off x="6186960" y="2011680"/>
-            <a:ext cx="5247360" cy="3765960"/>
+            <a:off x="6231960" y="1604520"/>
+            <a:ext cx="5354280" cy="3977280"/>
           </a:xfrm>
           <a:prstGeom prst="rect">
             <a:avLst/>
@@ -3030,7 +3126,7 @@
       </p:grpSpPr>
       <p:sp>
         <p:nvSpPr>
-          <p:cNvPr id="6" name="PlaceHolder 1"/>
+          <p:cNvPr id="3" name="PlaceHolder 1"/>
           <p:cNvSpPr>
             <a:spLocks noGrp="1"/>
           </p:cNvSpPr>
@@ -3040,8 +3136,8 @@
         </p:nvSpPr>
         <p:spPr>
           <a:xfrm>
-            <a:off x="657360" y="499680"/>
-            <a:ext cx="10772280" cy="1658160"/>
+            <a:off x="609480" y="273600"/>
+            <a:ext cx="10972440" cy="1145160"/>
           </a:xfrm>
           <a:prstGeom prst="rect">
             <a:avLst/>
@@ -3050,13 +3146,14 @@
         <p:txBody>
           <a:bodyPr lIns="0" rIns="0" tIns="0" bIns="0" anchor="ctr"/>
           <a:p>
-            <a:endParaRPr/>
-          </a:p>
-        </p:txBody>
-      </p:sp>
-      <p:sp>
-        <p:nvSpPr>
-          <p:cNvPr id="7" name="PlaceHolder 2"/>
+            <a:pPr algn="ctr"/>
+            <a:endParaRPr/>
+          </a:p>
+        </p:txBody>
+      </p:sp>
+      <p:sp>
+        <p:nvSpPr>
+          <p:cNvPr id="4" name="PlaceHolder 2"/>
           <p:cNvSpPr>
             <a:spLocks noGrp="1"/>
           </p:cNvSpPr>
@@ -3066,8 +3163,8 @@
         </p:nvSpPr>
         <p:spPr>
           <a:xfrm>
-            <a:off x="676800" y="2011680"/>
-            <a:ext cx="10753200" cy="3766320"/>
+            <a:off x="609480" y="1604520"/>
+            <a:ext cx="10972440" cy="3977640"/>
           </a:xfrm>
           <a:prstGeom prst="rect">
             <a:avLst/>
@@ -3105,7 +3202,7 @@
       </p:grpSpPr>
       <p:sp>
         <p:nvSpPr>
-          <p:cNvPr id="58" name="PlaceHolder 1"/>
+          <p:cNvPr id="52" name="PlaceHolder 1"/>
           <p:cNvSpPr>
             <a:spLocks noGrp="1"/>
           </p:cNvSpPr>
@@ -3115,8 +3212,8 @@
         </p:nvSpPr>
         <p:spPr>
           <a:xfrm>
-            <a:off x="657360" y="499680"/>
-            <a:ext cx="10772280" cy="1658160"/>
+            <a:off x="609480" y="273600"/>
+            <a:ext cx="10972440" cy="1145160"/>
           </a:xfrm>
           <a:prstGeom prst="rect">
             <a:avLst/>
@@ -3125,13 +3222,14 @@
         <p:txBody>
           <a:bodyPr lIns="0" rIns="0" tIns="0" bIns="0" anchor="ctr"/>
           <a:p>
-            <a:endParaRPr/>
-          </a:p>
-        </p:txBody>
-      </p:sp>
-      <p:sp>
-        <p:nvSpPr>
-          <p:cNvPr id="59" name="PlaceHolder 2"/>
+            <a:pPr algn="ctr"/>
+            <a:endParaRPr/>
+          </a:p>
+        </p:txBody>
+      </p:sp>
+      <p:sp>
+        <p:nvSpPr>
+          <p:cNvPr id="53" name="PlaceHolder 2"/>
           <p:cNvSpPr>
             <a:spLocks noGrp="1"/>
           </p:cNvSpPr>
@@ -3141,8 +3239,8 @@
         </p:nvSpPr>
         <p:spPr>
           <a:xfrm>
-            <a:off x="676800" y="2011680"/>
-            <a:ext cx="5247360" cy="3765960"/>
+            <a:off x="609480" y="1604520"/>
+            <a:ext cx="5354280" cy="3977280"/>
           </a:xfrm>
           <a:prstGeom prst="rect">
             <a:avLst/>
@@ -3157,7 +3255,7 @@
       </p:sp>
       <p:sp>
         <p:nvSpPr>
-          <p:cNvPr id="60" name="PlaceHolder 3"/>
+          <p:cNvPr id="54" name="PlaceHolder 3"/>
           <p:cNvSpPr>
             <a:spLocks noGrp="1"/>
           </p:cNvSpPr>
@@ -3167,8 +3265,8 @@
         </p:nvSpPr>
         <p:spPr>
           <a:xfrm>
-            <a:off x="6186960" y="2011680"/>
-            <a:ext cx="5247360" cy="1796040"/>
+            <a:off x="6231960" y="1604520"/>
+            <a:ext cx="5354280" cy="1896840"/>
           </a:xfrm>
           <a:prstGeom prst="rect">
             <a:avLst/>
@@ -3183,7 +3281,7 @@
       </p:sp>
       <p:sp>
         <p:nvSpPr>
-          <p:cNvPr id="61" name="PlaceHolder 4"/>
+          <p:cNvPr id="55" name="PlaceHolder 4"/>
           <p:cNvSpPr>
             <a:spLocks noGrp="1"/>
           </p:cNvSpPr>
@@ -3193,8 +3291,8 @@
         </p:nvSpPr>
         <p:spPr>
           <a:xfrm>
-            <a:off x="6186960" y="3978720"/>
-            <a:ext cx="5247360" cy="1796040"/>
+            <a:off x="6231960" y="3682080"/>
+            <a:ext cx="5354280" cy="1896840"/>
           </a:xfrm>
           <a:prstGeom prst="rect">
             <a:avLst/>
@@ -3231,7 +3329,7 @@
       </p:grpSpPr>
       <p:sp>
         <p:nvSpPr>
-          <p:cNvPr id="62" name="PlaceHolder 1"/>
+          <p:cNvPr id="56" name="PlaceHolder 1"/>
           <p:cNvSpPr>
             <a:spLocks noGrp="1"/>
           </p:cNvSpPr>
@@ -3241,8 +3339,8 @@
         </p:nvSpPr>
         <p:spPr>
           <a:xfrm>
-            <a:off x="657360" y="499680"/>
-            <a:ext cx="10772280" cy="1658160"/>
+            <a:off x="609480" y="273600"/>
+            <a:ext cx="10972440" cy="1145160"/>
           </a:xfrm>
           <a:prstGeom prst="rect">
             <a:avLst/>
@@ -3251,13 +3349,14 @@
         <p:txBody>
           <a:bodyPr lIns="0" rIns="0" tIns="0" bIns="0" anchor="ctr"/>
           <a:p>
-            <a:endParaRPr/>
-          </a:p>
-        </p:txBody>
-      </p:sp>
-      <p:sp>
-        <p:nvSpPr>
-          <p:cNvPr id="63" name="PlaceHolder 2"/>
+            <a:pPr algn="ctr"/>
+            <a:endParaRPr/>
+          </a:p>
+        </p:txBody>
+      </p:sp>
+      <p:sp>
+        <p:nvSpPr>
+          <p:cNvPr id="57" name="PlaceHolder 2"/>
           <p:cNvSpPr>
             <a:spLocks noGrp="1"/>
           </p:cNvSpPr>
@@ -3267,8 +3366,8 @@
         </p:nvSpPr>
         <p:spPr>
           <a:xfrm>
-            <a:off x="676800" y="2011680"/>
-            <a:ext cx="5247360" cy="1796040"/>
+            <a:off x="609480" y="1604520"/>
+            <a:ext cx="5354280" cy="1896840"/>
           </a:xfrm>
           <a:prstGeom prst="rect">
             <a:avLst/>
@@ -3283,7 +3382,7 @@
       </p:sp>
       <p:sp>
         <p:nvSpPr>
-          <p:cNvPr id="64" name="PlaceHolder 3"/>
+          <p:cNvPr id="58" name="PlaceHolder 3"/>
           <p:cNvSpPr>
             <a:spLocks noGrp="1"/>
           </p:cNvSpPr>
@@ -3293,8 +3392,8 @@
         </p:nvSpPr>
         <p:spPr>
           <a:xfrm>
-            <a:off x="6186960" y="2011680"/>
-            <a:ext cx="5247360" cy="1796040"/>
+            <a:off x="6231960" y="1604520"/>
+            <a:ext cx="5354280" cy="1896840"/>
           </a:xfrm>
           <a:prstGeom prst="rect">
             <a:avLst/>
@@ -3309,7 +3408,7 @@
       </p:sp>
       <p:sp>
         <p:nvSpPr>
-          <p:cNvPr id="65" name="PlaceHolder 4"/>
+          <p:cNvPr id="59" name="PlaceHolder 4"/>
           <p:cNvSpPr>
             <a:spLocks noGrp="1"/>
           </p:cNvSpPr>
@@ -3319,8 +3418,8 @@
         </p:nvSpPr>
         <p:spPr>
           <a:xfrm>
-            <a:off x="676800" y="3978720"/>
-            <a:ext cx="10753200" cy="1796040"/>
+            <a:off x="609480" y="3682080"/>
+            <a:ext cx="10972440" cy="1896840"/>
           </a:xfrm>
           <a:prstGeom prst="rect">
             <a:avLst/>
@@ -3357,7 +3456,7 @@
       </p:grpSpPr>
       <p:sp>
         <p:nvSpPr>
-          <p:cNvPr id="66" name="PlaceHolder 1"/>
+          <p:cNvPr id="60" name="PlaceHolder 1"/>
           <p:cNvSpPr>
             <a:spLocks noGrp="1"/>
           </p:cNvSpPr>
@@ -3367,8 +3466,8 @@
         </p:nvSpPr>
         <p:spPr>
           <a:xfrm>
-            <a:off x="657360" y="499680"/>
-            <a:ext cx="10772280" cy="1658160"/>
+            <a:off x="609480" y="273600"/>
+            <a:ext cx="10972440" cy="1145160"/>
           </a:xfrm>
           <a:prstGeom prst="rect">
             <a:avLst/>
@@ -3377,13 +3476,14 @@
         <p:txBody>
           <a:bodyPr lIns="0" rIns="0" tIns="0" bIns="0" anchor="ctr"/>
           <a:p>
-            <a:endParaRPr/>
-          </a:p>
-        </p:txBody>
-      </p:sp>
-      <p:sp>
-        <p:nvSpPr>
-          <p:cNvPr id="67" name="PlaceHolder 2"/>
+            <a:pPr algn="ctr"/>
+            <a:endParaRPr/>
+          </a:p>
+        </p:txBody>
+      </p:sp>
+      <p:sp>
+        <p:nvSpPr>
+          <p:cNvPr id="61" name="PlaceHolder 2"/>
           <p:cNvSpPr>
             <a:spLocks noGrp="1"/>
           </p:cNvSpPr>
@@ -3393,8 +3493,8 @@
         </p:nvSpPr>
         <p:spPr>
           <a:xfrm>
-            <a:off x="676800" y="2011680"/>
-            <a:ext cx="10753200" cy="1796040"/>
+            <a:off x="609480" y="1604520"/>
+            <a:ext cx="10972440" cy="1896840"/>
           </a:xfrm>
           <a:prstGeom prst="rect">
             <a:avLst/>
@@ -3409,7 +3509,7 @@
       </p:sp>
       <p:sp>
         <p:nvSpPr>
-          <p:cNvPr id="68" name="PlaceHolder 3"/>
+          <p:cNvPr id="62" name="PlaceHolder 3"/>
           <p:cNvSpPr>
             <a:spLocks noGrp="1"/>
           </p:cNvSpPr>
@@ -3419,8 +3519,8 @@
         </p:nvSpPr>
         <p:spPr>
           <a:xfrm>
-            <a:off x="676800" y="3978720"/>
-            <a:ext cx="10753200" cy="1796040"/>
+            <a:off x="609480" y="3682080"/>
+            <a:ext cx="10972440" cy="1896840"/>
           </a:xfrm>
           <a:prstGeom prst="rect">
             <a:avLst/>
@@ -3457,7 +3557,7 @@
       </p:grpSpPr>
       <p:sp>
         <p:nvSpPr>
-          <p:cNvPr id="69" name="PlaceHolder 1"/>
+          <p:cNvPr id="63" name="PlaceHolder 1"/>
           <p:cNvSpPr>
             <a:spLocks noGrp="1"/>
           </p:cNvSpPr>
@@ -3467,8 +3567,8 @@
         </p:nvSpPr>
         <p:spPr>
           <a:xfrm>
-            <a:off x="657360" y="499680"/>
-            <a:ext cx="10772280" cy="1658160"/>
+            <a:off x="609480" y="273600"/>
+            <a:ext cx="10972440" cy="1145160"/>
           </a:xfrm>
           <a:prstGeom prst="rect">
             <a:avLst/>
@@ -3477,13 +3577,14 @@
         <p:txBody>
           <a:bodyPr lIns="0" rIns="0" tIns="0" bIns="0" anchor="ctr"/>
           <a:p>
-            <a:endParaRPr/>
-          </a:p>
-        </p:txBody>
-      </p:sp>
-      <p:sp>
-        <p:nvSpPr>
-          <p:cNvPr id="70" name="PlaceHolder 2"/>
+            <a:pPr algn="ctr"/>
+            <a:endParaRPr/>
+          </a:p>
+        </p:txBody>
+      </p:sp>
+      <p:sp>
+        <p:nvSpPr>
+          <p:cNvPr id="64" name="PlaceHolder 2"/>
           <p:cNvSpPr>
             <a:spLocks noGrp="1"/>
           </p:cNvSpPr>
@@ -3493,8 +3594,8 @@
         </p:nvSpPr>
         <p:spPr>
           <a:xfrm>
-            <a:off x="676800" y="2011680"/>
-            <a:ext cx="5247360" cy="1796040"/>
+            <a:off x="609480" y="1604520"/>
+            <a:ext cx="5354280" cy="1896840"/>
           </a:xfrm>
           <a:prstGeom prst="rect">
             <a:avLst/>
@@ -3509,7 +3610,7 @@
       </p:sp>
       <p:sp>
         <p:nvSpPr>
-          <p:cNvPr id="71" name="PlaceHolder 3"/>
+          <p:cNvPr id="65" name="PlaceHolder 3"/>
           <p:cNvSpPr>
             <a:spLocks noGrp="1"/>
           </p:cNvSpPr>
@@ -3519,8 +3620,8 @@
         </p:nvSpPr>
         <p:spPr>
           <a:xfrm>
-            <a:off x="6186960" y="2011680"/>
-            <a:ext cx="5247360" cy="1796040"/>
+            <a:off x="6231960" y="1604520"/>
+            <a:ext cx="5354280" cy="1896840"/>
           </a:xfrm>
           <a:prstGeom prst="rect">
             <a:avLst/>
@@ -3535,7 +3636,7 @@
       </p:sp>
       <p:sp>
         <p:nvSpPr>
-          <p:cNvPr id="72" name="PlaceHolder 4"/>
+          <p:cNvPr id="66" name="PlaceHolder 4"/>
           <p:cNvSpPr>
             <a:spLocks noGrp="1"/>
           </p:cNvSpPr>
@@ -3545,8 +3646,8 @@
         </p:nvSpPr>
         <p:spPr>
           <a:xfrm>
-            <a:off x="6186960" y="3978720"/>
-            <a:ext cx="5247360" cy="1796040"/>
+            <a:off x="6231960" y="3682080"/>
+            <a:ext cx="5354280" cy="1896840"/>
           </a:xfrm>
           <a:prstGeom prst="rect">
             <a:avLst/>
@@ -3561,7 +3662,7 @@
       </p:sp>
       <p:sp>
         <p:nvSpPr>
-          <p:cNvPr id="73" name="PlaceHolder 5"/>
+          <p:cNvPr id="67" name="PlaceHolder 5"/>
           <p:cNvSpPr>
             <a:spLocks noGrp="1"/>
           </p:cNvSpPr>
@@ -3571,8 +3672,8 @@
         </p:nvSpPr>
         <p:spPr>
           <a:xfrm>
-            <a:off x="676800" y="3978720"/>
-            <a:ext cx="5247360" cy="1796040"/>
+            <a:off x="609480" y="3682080"/>
+            <a:ext cx="5354280" cy="1896840"/>
           </a:xfrm>
           <a:prstGeom prst="rect">
             <a:avLst/>
@@ -3609,7 +3710,7 @@
       </p:grpSpPr>
       <p:sp>
         <p:nvSpPr>
-          <p:cNvPr id="74" name="PlaceHolder 1"/>
+          <p:cNvPr id="68" name="PlaceHolder 1"/>
           <p:cNvSpPr>
             <a:spLocks noGrp="1"/>
           </p:cNvSpPr>
@@ -3619,8 +3720,8 @@
         </p:nvSpPr>
         <p:spPr>
           <a:xfrm>
-            <a:off x="657360" y="499680"/>
-            <a:ext cx="10772280" cy="1658160"/>
+            <a:off x="609480" y="273600"/>
+            <a:ext cx="10972440" cy="1145160"/>
           </a:xfrm>
           <a:prstGeom prst="rect">
             <a:avLst/>
@@ -3629,13 +3730,14 @@
         <p:txBody>
           <a:bodyPr lIns="0" rIns="0" tIns="0" bIns="0" anchor="ctr"/>
           <a:p>
-            <a:endParaRPr/>
-          </a:p>
-        </p:txBody>
-      </p:sp>
-      <p:sp>
-        <p:nvSpPr>
-          <p:cNvPr id="75" name="PlaceHolder 2"/>
+            <a:pPr algn="ctr"/>
+            <a:endParaRPr/>
+          </a:p>
+        </p:txBody>
+      </p:sp>
+      <p:sp>
+        <p:nvSpPr>
+          <p:cNvPr id="69" name="PlaceHolder 2"/>
           <p:cNvSpPr>
             <a:spLocks noGrp="1"/>
           </p:cNvSpPr>
@@ -3645,8 +3747,8 @@
         </p:nvSpPr>
         <p:spPr>
           <a:xfrm>
-            <a:off x="676800" y="2011680"/>
-            <a:ext cx="10753200" cy="3765960"/>
+            <a:off x="609480" y="1604520"/>
+            <a:ext cx="10972440" cy="3977280"/>
           </a:xfrm>
           <a:prstGeom prst="rect">
             <a:avLst/>
@@ -3661,7 +3763,7 @@
       </p:sp>
       <p:sp>
         <p:nvSpPr>
-          <p:cNvPr id="76" name="PlaceHolder 3"/>
+          <p:cNvPr id="70" name="PlaceHolder 3"/>
           <p:cNvSpPr>
             <a:spLocks noGrp="1"/>
           </p:cNvSpPr>
@@ -3671,8 +3773,8 @@
         </p:nvSpPr>
         <p:spPr>
           <a:xfrm>
-            <a:off x="676800" y="2011680"/>
-            <a:ext cx="10753200" cy="3765960"/>
+            <a:off x="609480" y="1604520"/>
+            <a:ext cx="10972440" cy="3977280"/>
           </a:xfrm>
           <a:prstGeom prst="rect">
             <a:avLst/>
@@ -3687,7 +3789,7 @@
       </p:sp>
       <p:pic>
         <p:nvPicPr>
-          <p:cNvPr id="77" name="" descr=""/>
+          <p:cNvPr id="71" name="" descr=""/>
           <p:cNvPicPr/>
           <p:nvPr/>
         </p:nvPicPr>
@@ -3699,8 +3801,8 @@
         </p:blipFill>
         <p:spPr>
           <a:xfrm>
-            <a:off x="3693240" y="2011320"/>
-            <a:ext cx="4719960" cy="3765960"/>
+            <a:off x="3602880" y="1604520"/>
+            <a:ext cx="4984920" cy="3977280"/>
           </a:xfrm>
           <a:prstGeom prst="rect">
             <a:avLst/>
@@ -3712,7 +3814,7 @@
       </p:pic>
       <p:pic>
         <p:nvPicPr>
-          <p:cNvPr id="78" name="" descr=""/>
+          <p:cNvPr id="72" name="" descr=""/>
           <p:cNvPicPr/>
           <p:nvPr/>
         </p:nvPicPr>
@@ -3724,8 +3826,8 @@
         </p:blipFill>
         <p:spPr>
           <a:xfrm>
-            <a:off x="3693240" y="2011320"/>
-            <a:ext cx="4719960" cy="3765960"/>
+            <a:off x="3602880" y="1604520"/>
+            <a:ext cx="4984920" cy="3977280"/>
           </a:xfrm>
           <a:prstGeom prst="rect">
             <a:avLst/>
@@ -3759,7 +3861,7 @@
       </p:grpSpPr>
       <p:sp>
         <p:nvSpPr>
-          <p:cNvPr id="8" name="PlaceHolder 1"/>
+          <p:cNvPr id="5" name="PlaceHolder 1"/>
           <p:cNvSpPr>
             <a:spLocks noGrp="1"/>
           </p:cNvSpPr>
@@ -3769,8 +3871,8 @@
         </p:nvSpPr>
         <p:spPr>
           <a:xfrm>
-            <a:off x="657360" y="499680"/>
-            <a:ext cx="10772280" cy="1658160"/>
+            <a:off x="609480" y="273600"/>
+            <a:ext cx="10972440" cy="1145160"/>
           </a:xfrm>
           <a:prstGeom prst="rect">
             <a:avLst/>
@@ -3779,13 +3881,14 @@
         <p:txBody>
           <a:bodyPr lIns="0" rIns="0" tIns="0" bIns="0" anchor="ctr"/>
           <a:p>
-            <a:endParaRPr/>
-          </a:p>
-        </p:txBody>
-      </p:sp>
-      <p:sp>
-        <p:nvSpPr>
-          <p:cNvPr id="9" name="PlaceHolder 2"/>
+            <a:pPr algn="ctr"/>
+            <a:endParaRPr/>
+          </a:p>
+        </p:txBody>
+      </p:sp>
+      <p:sp>
+        <p:nvSpPr>
+          <p:cNvPr id="6" name="PlaceHolder 2"/>
           <p:cNvSpPr>
             <a:spLocks noGrp="1"/>
           </p:cNvSpPr>
@@ -3795,8 +3898,8 @@
         </p:nvSpPr>
         <p:spPr>
           <a:xfrm>
-            <a:off x="676800" y="2011680"/>
-            <a:ext cx="10753200" cy="3765960"/>
+            <a:off x="609480" y="1604520"/>
+            <a:ext cx="10972440" cy="3977280"/>
           </a:xfrm>
           <a:prstGeom prst="rect">
             <a:avLst/>
@@ -3833,7 +3936,7 @@
       </p:grpSpPr>
       <p:sp>
         <p:nvSpPr>
-          <p:cNvPr id="10" name="PlaceHolder 1"/>
+          <p:cNvPr id="7" name="PlaceHolder 1"/>
           <p:cNvSpPr>
             <a:spLocks noGrp="1"/>
           </p:cNvSpPr>
@@ -3843,8 +3946,8 @@
         </p:nvSpPr>
         <p:spPr>
           <a:xfrm>
-            <a:off x="657360" y="499680"/>
-            <a:ext cx="10772280" cy="1658160"/>
+            <a:off x="609480" y="273600"/>
+            <a:ext cx="10972440" cy="1145160"/>
           </a:xfrm>
           <a:prstGeom prst="rect">
             <a:avLst/>
@@ -3853,13 +3956,14 @@
         <p:txBody>
           <a:bodyPr lIns="0" rIns="0" tIns="0" bIns="0" anchor="ctr"/>
           <a:p>
-            <a:endParaRPr/>
-          </a:p>
-        </p:txBody>
-      </p:sp>
-      <p:sp>
-        <p:nvSpPr>
-          <p:cNvPr id="11" name="PlaceHolder 2"/>
+            <a:pPr algn="ctr"/>
+            <a:endParaRPr/>
+          </a:p>
+        </p:txBody>
+      </p:sp>
+      <p:sp>
+        <p:nvSpPr>
+          <p:cNvPr id="8" name="PlaceHolder 2"/>
           <p:cNvSpPr>
             <a:spLocks noGrp="1"/>
           </p:cNvSpPr>
@@ -3869,8 +3973,8 @@
         </p:nvSpPr>
         <p:spPr>
           <a:xfrm>
-            <a:off x="676800" y="2011680"/>
-            <a:ext cx="5247360" cy="3765960"/>
+            <a:off x="609480" y="1604520"/>
+            <a:ext cx="5354280" cy="3977280"/>
           </a:xfrm>
           <a:prstGeom prst="rect">
             <a:avLst/>
@@ -3885,7 +3989,7 @@
       </p:sp>
       <p:sp>
         <p:nvSpPr>
-          <p:cNvPr id="12" name="PlaceHolder 3"/>
+          <p:cNvPr id="9" name="PlaceHolder 3"/>
           <p:cNvSpPr>
             <a:spLocks noGrp="1"/>
           </p:cNvSpPr>
@@ -3895,8 +3999,8 @@
         </p:nvSpPr>
         <p:spPr>
           <a:xfrm>
-            <a:off x="6186960" y="2011680"/>
-            <a:ext cx="5247360" cy="3765960"/>
+            <a:off x="6231960" y="1604520"/>
+            <a:ext cx="5354280" cy="3977280"/>
           </a:xfrm>
           <a:prstGeom prst="rect">
             <a:avLst/>
@@ -3933,7 +4037,7 @@
       </p:grpSpPr>
       <p:sp>
         <p:nvSpPr>
-          <p:cNvPr id="13" name="PlaceHolder 1"/>
+          <p:cNvPr id="10" name="PlaceHolder 1"/>
           <p:cNvSpPr>
             <a:spLocks noGrp="1"/>
           </p:cNvSpPr>
@@ -3943,8 +4047,8 @@
         </p:nvSpPr>
         <p:spPr>
           <a:xfrm>
-            <a:off x="657360" y="499680"/>
-            <a:ext cx="10772280" cy="1658160"/>
+            <a:off x="609480" y="273600"/>
+            <a:ext cx="10972440" cy="1145160"/>
           </a:xfrm>
           <a:prstGeom prst="rect">
             <a:avLst/>
@@ -3953,6 +4057,7 @@
         <p:txBody>
           <a:bodyPr lIns="0" rIns="0" tIns="0" bIns="0" anchor="ctr"/>
           <a:p>
+            <a:pPr algn="ctr"/>
             <a:endParaRPr/>
           </a:p>
         </p:txBody>
@@ -3981,7 +4086,7 @@
       </p:grpSpPr>
       <p:sp>
         <p:nvSpPr>
-          <p:cNvPr id="14" name="PlaceHolder 1"/>
+          <p:cNvPr id="11" name="PlaceHolder 1"/>
           <p:cNvSpPr>
             <a:spLocks noGrp="1"/>
           </p:cNvSpPr>
@@ -3991,8 +4096,8 @@
         </p:nvSpPr>
         <p:spPr>
           <a:xfrm>
-            <a:off x="657360" y="499680"/>
-            <a:ext cx="10772280" cy="7686360"/>
+            <a:off x="609480" y="273600"/>
+            <a:ext cx="10972440" cy="5308200"/>
           </a:xfrm>
           <a:prstGeom prst="rect">
             <a:avLst/>
@@ -4030,7 +4135,7 @@
       </p:grpSpPr>
       <p:sp>
         <p:nvSpPr>
-          <p:cNvPr id="15" name="PlaceHolder 1"/>
+          <p:cNvPr id="12" name="PlaceHolder 1"/>
           <p:cNvSpPr>
             <a:spLocks noGrp="1"/>
           </p:cNvSpPr>
@@ -4040,8 +4145,8 @@
         </p:nvSpPr>
         <p:spPr>
           <a:xfrm>
-            <a:off x="657360" y="499680"/>
-            <a:ext cx="10772280" cy="1658160"/>
+            <a:off x="609480" y="273600"/>
+            <a:ext cx="10972440" cy="1145160"/>
           </a:xfrm>
           <a:prstGeom prst="rect">
             <a:avLst/>
@@ -4050,13 +4155,14 @@
         <p:txBody>
           <a:bodyPr lIns="0" rIns="0" tIns="0" bIns="0" anchor="ctr"/>
           <a:p>
-            <a:endParaRPr/>
-          </a:p>
-        </p:txBody>
-      </p:sp>
-      <p:sp>
-        <p:nvSpPr>
-          <p:cNvPr id="16" name="PlaceHolder 2"/>
+            <a:pPr algn="ctr"/>
+            <a:endParaRPr/>
+          </a:p>
+        </p:txBody>
+      </p:sp>
+      <p:sp>
+        <p:nvSpPr>
+          <p:cNvPr id="13" name="PlaceHolder 2"/>
           <p:cNvSpPr>
             <a:spLocks noGrp="1"/>
           </p:cNvSpPr>
@@ -4066,8 +4172,8 @@
         </p:nvSpPr>
         <p:spPr>
           <a:xfrm>
-            <a:off x="676800" y="2011680"/>
-            <a:ext cx="5247360" cy="1796040"/>
+            <a:off x="609480" y="1604520"/>
+            <a:ext cx="5354280" cy="1896840"/>
           </a:xfrm>
           <a:prstGeom prst="rect">
             <a:avLst/>
@@ -4082,7 +4188,7 @@
       </p:sp>
       <p:sp>
         <p:nvSpPr>
-          <p:cNvPr id="17" name="PlaceHolder 3"/>
+          <p:cNvPr id="14" name="PlaceHolder 3"/>
           <p:cNvSpPr>
             <a:spLocks noGrp="1"/>
           </p:cNvSpPr>
@@ -4092,8 +4198,8 @@
         </p:nvSpPr>
         <p:spPr>
           <a:xfrm>
-            <a:off x="676800" y="3978720"/>
-            <a:ext cx="5247360" cy="1796040"/>
+            <a:off x="609480" y="3682080"/>
+            <a:ext cx="5354280" cy="1896840"/>
           </a:xfrm>
           <a:prstGeom prst="rect">
             <a:avLst/>
@@ -4108,7 +4214,7 @@
       </p:sp>
       <p:sp>
         <p:nvSpPr>
-          <p:cNvPr id="18" name="PlaceHolder 4"/>
+          <p:cNvPr id="15" name="PlaceHolder 4"/>
           <p:cNvSpPr>
             <a:spLocks noGrp="1"/>
           </p:cNvSpPr>
@@ -4118,8 +4224,8 @@
         </p:nvSpPr>
         <p:spPr>
           <a:xfrm>
-            <a:off x="6186960" y="2011680"/>
-            <a:ext cx="5247360" cy="3765960"/>
+            <a:off x="6231960" y="1604520"/>
+            <a:ext cx="5354280" cy="3977280"/>
           </a:xfrm>
           <a:prstGeom prst="rect">
             <a:avLst/>
@@ -4156,7 +4262,7 @@
       </p:grpSpPr>
       <p:sp>
         <p:nvSpPr>
-          <p:cNvPr id="19" name="PlaceHolder 1"/>
+          <p:cNvPr id="16" name="PlaceHolder 1"/>
           <p:cNvSpPr>
             <a:spLocks noGrp="1"/>
           </p:cNvSpPr>
@@ -4166,8 +4272,8 @@
         </p:nvSpPr>
         <p:spPr>
           <a:xfrm>
-            <a:off x="657360" y="499680"/>
-            <a:ext cx="10772280" cy="1658160"/>
+            <a:off x="609480" y="273600"/>
+            <a:ext cx="10972440" cy="1145160"/>
           </a:xfrm>
           <a:prstGeom prst="rect">
             <a:avLst/>
@@ -4176,13 +4282,14 @@
         <p:txBody>
           <a:bodyPr lIns="0" rIns="0" tIns="0" bIns="0" anchor="ctr"/>
           <a:p>
-            <a:endParaRPr/>
-          </a:p>
-        </p:txBody>
-      </p:sp>
-      <p:sp>
-        <p:nvSpPr>
-          <p:cNvPr id="20" name="PlaceHolder 2"/>
+            <a:pPr algn="ctr"/>
+            <a:endParaRPr/>
+          </a:p>
+        </p:txBody>
+      </p:sp>
+      <p:sp>
+        <p:nvSpPr>
+          <p:cNvPr id="17" name="PlaceHolder 2"/>
           <p:cNvSpPr>
             <a:spLocks noGrp="1"/>
           </p:cNvSpPr>
@@ -4192,8 +4299,8 @@
         </p:nvSpPr>
         <p:spPr>
           <a:xfrm>
-            <a:off x="676800" y="2011680"/>
-            <a:ext cx="5247360" cy="3765960"/>
+            <a:off x="609480" y="1604520"/>
+            <a:ext cx="5354280" cy="3977280"/>
           </a:xfrm>
           <a:prstGeom prst="rect">
             <a:avLst/>
@@ -4208,7 +4315,7 @@
       </p:sp>
       <p:sp>
         <p:nvSpPr>
-          <p:cNvPr id="21" name="PlaceHolder 3"/>
+          <p:cNvPr id="18" name="PlaceHolder 3"/>
           <p:cNvSpPr>
             <a:spLocks noGrp="1"/>
           </p:cNvSpPr>
@@ -4218,8 +4325,8 @@
         </p:nvSpPr>
         <p:spPr>
           <a:xfrm>
-            <a:off x="6186960" y="2011680"/>
-            <a:ext cx="5247360" cy="1796040"/>
+            <a:off x="6231960" y="1604520"/>
+            <a:ext cx="5354280" cy="1896840"/>
           </a:xfrm>
           <a:prstGeom prst="rect">
             <a:avLst/>
@@ -4234,7 +4341,7 @@
       </p:sp>
       <p:sp>
         <p:nvSpPr>
-          <p:cNvPr id="22" name="PlaceHolder 4"/>
+          <p:cNvPr id="19" name="PlaceHolder 4"/>
           <p:cNvSpPr>
             <a:spLocks noGrp="1"/>
           </p:cNvSpPr>
@@ -4244,8 +4351,8 @@
         </p:nvSpPr>
         <p:spPr>
           <a:xfrm>
-            <a:off x="6186960" y="3978720"/>
-            <a:ext cx="5247360" cy="1796040"/>
+            <a:off x="6231960" y="3682080"/>
+            <a:ext cx="5354280" cy="1896840"/>
           </a:xfrm>
           <a:prstGeom prst="rect">
             <a:avLst/>
@@ -4282,7 +4389,7 @@
       </p:grpSpPr>
       <p:sp>
         <p:nvSpPr>
-          <p:cNvPr id="23" name="PlaceHolder 1"/>
+          <p:cNvPr id="20" name="PlaceHolder 1"/>
           <p:cNvSpPr>
             <a:spLocks noGrp="1"/>
           </p:cNvSpPr>
@@ -4292,8 +4399,8 @@
         </p:nvSpPr>
         <p:spPr>
           <a:xfrm>
-            <a:off x="657360" y="499680"/>
-            <a:ext cx="10772280" cy="1658160"/>
+            <a:off x="609480" y="273600"/>
+            <a:ext cx="10972440" cy="1145160"/>
           </a:xfrm>
           <a:prstGeom prst="rect">
             <a:avLst/>
@@ -4302,13 +4409,14 @@
         <p:txBody>
           <a:bodyPr lIns="0" rIns="0" tIns="0" bIns="0" anchor="ctr"/>
           <a:p>
-            <a:endParaRPr/>
-          </a:p>
-        </p:txBody>
-      </p:sp>
-      <p:sp>
-        <p:nvSpPr>
-          <p:cNvPr id="24" name="PlaceHolder 2"/>
+            <a:pPr algn="ctr"/>
+            <a:endParaRPr/>
+          </a:p>
+        </p:txBody>
+      </p:sp>
+      <p:sp>
+        <p:nvSpPr>
+          <p:cNvPr id="21" name="PlaceHolder 2"/>
           <p:cNvSpPr>
             <a:spLocks noGrp="1"/>
           </p:cNvSpPr>
@@ -4318,8 +4426,8 @@
         </p:nvSpPr>
         <p:spPr>
           <a:xfrm>
-            <a:off x="676800" y="2011680"/>
-            <a:ext cx="5247360" cy="1796040"/>
+            <a:off x="609480" y="1604520"/>
+            <a:ext cx="5354280" cy="1896840"/>
           </a:xfrm>
           <a:prstGeom prst="rect">
             <a:avLst/>
@@ -4334,7 +4442,7 @@
       </p:sp>
       <p:sp>
         <p:nvSpPr>
-          <p:cNvPr id="25" name="PlaceHolder 3"/>
+          <p:cNvPr id="22" name="PlaceHolder 3"/>
           <p:cNvSpPr>
             <a:spLocks noGrp="1"/>
           </p:cNvSpPr>
@@ -4344,8 +4452,8 @@
         </p:nvSpPr>
         <p:spPr>
           <a:xfrm>
-            <a:off x="6186960" y="2011680"/>
-            <a:ext cx="5247360" cy="1796040"/>
+            <a:off x="6231960" y="1604520"/>
+            <a:ext cx="5354280" cy="1896840"/>
           </a:xfrm>
           <a:prstGeom prst="rect">
             <a:avLst/>
@@ -4360,7 +4468,7 @@
       </p:sp>
       <p:sp>
         <p:nvSpPr>
-          <p:cNvPr id="26" name="PlaceHolder 4"/>
+          <p:cNvPr id="23" name="PlaceHolder 4"/>
           <p:cNvSpPr>
             <a:spLocks noGrp="1"/>
           </p:cNvSpPr>
@@ -4370,8 +4478,8 @@
         </p:nvSpPr>
         <p:spPr>
           <a:xfrm>
-            <a:off x="676800" y="3978720"/>
-            <a:ext cx="10753200" cy="1796040"/>
+            <a:off x="609480" y="3682080"/>
+            <a:ext cx="10972440" cy="1896840"/>
           </a:xfrm>
           <a:prstGeom prst="rect">
             <a:avLst/>
@@ -4422,7 +4530,7 @@
         <p:spPr>
           <a:xfrm>
             <a:off x="0" y="0"/>
-            <a:ext cx="12191760" cy="6857640"/>
+            <a:ext cx="12191400" cy="6857280"/>
           </a:xfrm>
           <a:prstGeom prst="rect">
             <a:avLst/>
@@ -4447,29 +4555,21 @@
         </p:nvSpPr>
         <p:spPr>
           <a:xfrm>
-            <a:off x="603360" y="770400"/>
-            <a:ext cx="10782000" cy="3352320"/>
-          </a:xfrm>
-          <a:prstGeom prst="rect">
-            <a:avLst/>
-          </a:prstGeom>
-        </p:spPr>
-        <p:txBody>
-          <a:bodyPr anchor="b"/>
-          <a:p>
-            <a:pPr>
-              <a:lnSpc>
-                <a:spcPct val="80000"/>
-              </a:lnSpc>
-            </a:pPr>
+            <a:off x="657360" y="499680"/>
+            <a:ext cx="10771920" cy="1657800"/>
+          </a:xfrm>
+          <a:prstGeom prst="rect">
+            <a:avLst/>
+          </a:prstGeom>
+        </p:spPr>
+        <p:txBody>
+          <a:bodyPr lIns="0" rIns="0" tIns="0" bIns="0" anchor="ctr"/>
+          <a:p>
             <a:r>
-              <a:rPr lang="en-US" sz="8800">
-                <a:solidFill>
-                  <a:srgbClr val="ffffff"/>
-                </a:solidFill>
-                <a:latin typeface="Calibri Light"/>
+              <a:rPr lang="en-US">
+                <a:latin typeface="Arial"/>
               </a:rPr>
-              <a:t>Click to edit the title text formatClick to edit Master title style</a:t>
+              <a:t>Click to edit the title text format</a:t>
             </a:r>
             <a:endParaRPr/>
           </a:p>
@@ -4478,112 +4578,6 @@
       <p:sp>
         <p:nvSpPr>
           <p:cNvPr id="2" name="PlaceHolder 3"/>
-          <p:cNvSpPr>
-            <a:spLocks noGrp="1"/>
-          </p:cNvSpPr>
-          <p:nvPr>
-            <p:ph type="dt"/>
-          </p:nvPr>
-        </p:nvSpPr>
-        <p:spPr>
-          <a:xfrm>
-            <a:off x="685800" y="6412320"/>
-            <a:ext cx="4114440" cy="228240"/>
-          </a:xfrm>
-          <a:prstGeom prst="rect">
-            <a:avLst/>
-          </a:prstGeom>
-        </p:spPr>
-        <p:txBody>
-          <a:bodyPr anchor="ctr"/>
-          <a:p>
-            <a:pPr>
-              <a:lnSpc>
-                <a:spcPct val="100000"/>
-              </a:lnSpc>
-            </a:pPr>
-            <a:r>
-              <a:rPr lang="en-US" sz="950">
-                <a:solidFill>
-                  <a:srgbClr val="ffffff"/>
-                </a:solidFill>
-                <a:latin typeface="Calibri Light"/>
-              </a:rPr>
-              <a:t>2/21/16</a:t>
-            </a:r>
-            <a:endParaRPr/>
-          </a:p>
-        </p:txBody>
-      </p:sp>
-      <p:sp>
-        <p:nvSpPr>
-          <p:cNvPr id="3" name="PlaceHolder 4"/>
-          <p:cNvSpPr>
-            <a:spLocks noGrp="1"/>
-          </p:cNvSpPr>
-          <p:nvPr>
-            <p:ph type="ftr"/>
-          </p:nvPr>
-        </p:nvSpPr>
-        <p:spPr>
-          <a:xfrm>
-            <a:off x="685800" y="6554520"/>
-            <a:ext cx="5028840" cy="228240"/>
-          </a:xfrm>
-          <a:prstGeom prst="rect">
-            <a:avLst/>
-          </a:prstGeom>
-        </p:spPr>
-        <p:txBody>
-          <a:bodyPr anchor="ctr"/>
-          <a:p>
-            <a:endParaRPr/>
-          </a:p>
-        </p:txBody>
-      </p:sp>
-      <p:sp>
-        <p:nvSpPr>
-          <p:cNvPr id="4" name="PlaceHolder 5"/>
-          <p:cNvSpPr>
-            <a:spLocks noGrp="1"/>
-          </p:cNvSpPr>
-          <p:nvPr>
-            <p:ph type="sldNum"/>
-          </p:nvPr>
-        </p:nvSpPr>
-        <p:spPr>
-          <a:xfrm>
-            <a:off x="8763840" y="5876280"/>
-            <a:ext cx="2925720" cy="1396800"/>
-          </a:xfrm>
-          <a:prstGeom prst="rect">
-            <a:avLst/>
-          </a:prstGeom>
-        </p:spPr>
-        <p:txBody>
-          <a:bodyPr anchor="b"/>
-          <a:p>
-            <a:pPr>
-              <a:lnSpc>
-                <a:spcPct val="100000"/>
-              </a:lnSpc>
-            </a:pPr>
-            <a:fld id="{8F181615-77AF-41EE-9C40-7819B523D957}" type="slidenum">
-              <a:rPr lang="en-US" sz="10300">
-                <a:solidFill>
-                  <a:srgbClr val="ffffff"/>
-                </a:solidFill>
-                <a:latin typeface="Calibri Light"/>
-              </a:rPr>
-              <a:t>&lt;number&gt;</a:t>
-            </a:fld>
-            <a:endParaRPr/>
-          </a:p>
-        </p:txBody>
-      </p:sp>
-      <p:sp>
-        <p:nvSpPr>
-          <p:cNvPr id="5" name="PlaceHolder 6"/>
           <p:cNvSpPr>
             <a:spLocks noGrp="1"/>
           </p:cNvSpPr>
@@ -4609,8 +4603,8 @@
               <a:buChar char=""/>
             </a:pPr>
             <a:r>
-              <a:rPr lang="en-US" sz="2400">
-                <a:latin typeface="Calibri Light"/>
+              <a:rPr lang="en-US" sz="3200">
+                <a:latin typeface="Arial"/>
               </a:rPr>
               <a:t>Click to edit the outline text format</a:t>
             </a:r>
@@ -4623,8 +4617,8 @@
               <a:buChar char=""/>
             </a:pPr>
             <a:r>
-              <a:rPr i="1" lang="en-US" sz="2000">
-                <a:latin typeface="Calibri Light"/>
+              <a:rPr lang="en-US" sz="2800">
+                <a:latin typeface="Arial"/>
               </a:rPr>
               <a:t>Second Outline Level</a:t>
             </a:r>
@@ -4637,8 +4631,8 @@
               <a:buChar char=""/>
             </a:pPr>
             <a:r>
-              <a:rPr lang="en-US">
-                <a:latin typeface="Calibri Light"/>
+              <a:rPr lang="en-US" sz="2400">
+                <a:latin typeface="Arial"/>
               </a:rPr>
               <a:t>Third Outline Level</a:t>
             </a:r>
@@ -4651,8 +4645,8 @@
               <a:buChar char=""/>
             </a:pPr>
             <a:r>
-              <a:rPr lang="en-US">
-                <a:latin typeface="Calibri Light"/>
+              <a:rPr lang="en-US" sz="2000">
+                <a:latin typeface="Arial"/>
               </a:rPr>
               <a:t>Fourth Outline Level</a:t>
             </a:r>
@@ -4666,7 +4660,7 @@
             </a:pPr>
             <a:r>
               <a:rPr lang="en-US" sz="2000">
-                <a:latin typeface="Calibri Light"/>
+                <a:latin typeface="Arial"/>
               </a:rPr>
               <a:t>Fifth Outline Level</a:t>
             </a:r>
@@ -4680,7 +4674,7 @@
             </a:pPr>
             <a:r>
               <a:rPr lang="en-US" sz="2000">
-                <a:latin typeface="Calibri Light"/>
+                <a:latin typeface="Arial"/>
               </a:rPr>
               <a:t>Sixth Outline Level</a:t>
             </a:r>
@@ -4694,7 +4688,7 @@
             </a:pPr>
             <a:r>
               <a:rPr lang="en-US" sz="2000">
-                <a:latin typeface="Calibri Light"/>
+                <a:latin typeface="Arial"/>
               </a:rPr>
               <a:t>Seventh Outline Level</a:t>
             </a:r>
@@ -4748,7 +4742,7 @@
       </p:grpSpPr>
       <p:sp>
         <p:nvSpPr>
-          <p:cNvPr id="40" name="PlaceHolder 1"/>
+          <p:cNvPr id="37" name="PlaceHolder 1"/>
           <p:cNvSpPr>
             <a:spLocks noGrp="1"/>
           </p:cNvSpPr>
@@ -4758,29 +4752,22 @@
         </p:nvSpPr>
         <p:spPr>
           <a:xfrm>
-            <a:off x="657360" y="499680"/>
-            <a:ext cx="10772280" cy="1657800"/>
-          </a:xfrm>
-          <a:prstGeom prst="rect">
-            <a:avLst/>
-          </a:prstGeom>
-        </p:spPr>
-        <p:txBody>
-          <a:bodyPr anchor="ctr"/>
-          <a:p>
-            <a:pPr>
-              <a:lnSpc>
-                <a:spcPct val="85000"/>
-              </a:lnSpc>
-            </a:pPr>
+            <a:off x="609480" y="273600"/>
+            <a:ext cx="10972440" cy="1144800"/>
+          </a:xfrm>
+          <a:prstGeom prst="rect">
+            <a:avLst/>
+          </a:prstGeom>
+        </p:spPr>
+        <p:txBody>
+          <a:bodyPr lIns="0" rIns="0" tIns="0" bIns="0" anchor="ctr"/>
+          <a:p>
+            <a:pPr algn="ctr"/>
             <a:r>
-              <a:rPr lang="en-US" sz="5400">
-                <a:solidFill>
-                  <a:srgbClr val="50b4c8"/>
-                </a:solidFill>
-                <a:latin typeface="Calibri Light"/>
+              <a:rPr lang="en-US" sz="4400">
+                <a:latin typeface="Arial"/>
               </a:rPr>
-              <a:t>Click to edit the title text formatClick to edit Master title style</a:t>
+              <a:t>Click to edit the title text format</a:t>
             </a:r>
             <a:endParaRPr/>
           </a:p>
@@ -4788,7 +4775,7 @@
       </p:sp>
       <p:sp>
         <p:nvSpPr>
-          <p:cNvPr id="41" name="PlaceHolder 2"/>
+          <p:cNvPr id="38" name="PlaceHolder 2"/>
           <p:cNvSpPr>
             <a:spLocks noGrp="1"/>
           </p:cNvSpPr>
@@ -4798,15 +4785,15 @@
         </p:nvSpPr>
         <p:spPr>
           <a:xfrm>
-            <a:off x="676800" y="2011680"/>
-            <a:ext cx="10753200" cy="3765960"/>
-          </a:xfrm>
-          <a:prstGeom prst="rect">
-            <a:avLst/>
-          </a:prstGeom>
-        </p:spPr>
-        <p:txBody>
-          <a:bodyPr/>
+            <a:off x="609480" y="1604520"/>
+            <a:ext cx="10972440" cy="3977280"/>
+          </a:xfrm>
+          <a:prstGeom prst="rect">
+            <a:avLst/>
+          </a:prstGeom>
+        </p:spPr>
+        <p:txBody>
+          <a:bodyPr lIns="0" rIns="0" tIns="0" bIns="0"/>
           <a:p>
             <a:pPr>
               <a:buSzPct val="45000"/>
@@ -4814,11 +4801,8 @@
               <a:buChar char=""/>
             </a:pPr>
             <a:r>
-              <a:rPr lang="en-US" sz="2400">
-                <a:solidFill>
-                  <a:srgbClr val="262626"/>
-                </a:solidFill>
-                <a:latin typeface="Calibri Light"/>
+              <a:rPr lang="en-US" sz="3200">
+                <a:latin typeface="Arial"/>
               </a:rPr>
               <a:t>Click to edit the outline text format</a:t>
             </a:r>
@@ -4831,11 +4815,8 @@
               <a:buChar char=""/>
             </a:pPr>
             <a:r>
-              <a:rPr lang="en-US" sz="2400">
-                <a:solidFill>
-                  <a:srgbClr val="262626"/>
-                </a:solidFill>
-                <a:latin typeface="Calibri Light"/>
+              <a:rPr lang="en-US" sz="2800">
+                <a:latin typeface="Arial"/>
               </a:rPr>
               <a:t>Second Outline Level</a:t>
             </a:r>
@@ -4849,10 +4830,7 @@
             </a:pPr>
             <a:r>
               <a:rPr lang="en-US" sz="2400">
-                <a:solidFill>
-                  <a:srgbClr val="262626"/>
-                </a:solidFill>
-                <a:latin typeface="Calibri Light"/>
+                <a:latin typeface="Arial"/>
               </a:rPr>
               <a:t>Third Outline Level</a:t>
             </a:r>
@@ -4865,11 +4843,8 @@
               <a:buChar char=""/>
             </a:pPr>
             <a:r>
-              <a:rPr lang="en-US" sz="2400">
-                <a:solidFill>
-                  <a:srgbClr val="262626"/>
-                </a:solidFill>
-                <a:latin typeface="Calibri Light"/>
+              <a:rPr lang="en-US" sz="2000">
+                <a:latin typeface="Arial"/>
               </a:rPr>
               <a:t>Fourth Outline Level</a:t>
             </a:r>
@@ -4882,11 +4857,8 @@
               <a:buChar char=""/>
             </a:pPr>
             <a:r>
-              <a:rPr lang="en-US" sz="2400">
-                <a:solidFill>
-                  <a:srgbClr val="262626"/>
-                </a:solidFill>
-                <a:latin typeface="Calibri Light"/>
+              <a:rPr lang="en-US" sz="2000">
+                <a:latin typeface="Arial"/>
               </a:rPr>
               <a:t>Fifth Outline Level</a:t>
             </a:r>
@@ -4899,215 +4871,25 @@
               <a:buChar char=""/>
             </a:pPr>
             <a:r>
-              <a:rPr lang="en-US" sz="2400">
-                <a:solidFill>
-                  <a:srgbClr val="262626"/>
-                </a:solidFill>
-                <a:latin typeface="Calibri Light"/>
+              <a:rPr lang="en-US" sz="2000">
+                <a:latin typeface="Arial"/>
               </a:rPr>
               <a:t>Sixth Outline Level</a:t>
             </a:r>
             <a:endParaRPr/>
           </a:p>
           <a:p>
-            <a:pPr>
-              <a:lnSpc>
-                <a:spcPct val="100000"/>
-              </a:lnSpc>
-              <a:buFont typeface="Arial"/>
-              <a:buChar char=" "/>
+            <a:pPr lvl="6">
+              <a:buSzPct val="45000"/>
+              <a:buFont typeface="StarSymbol"/>
+              <a:buChar char=""/>
             </a:pPr>
             <a:r>
-              <a:rPr lang="en-US" sz="2400">
-                <a:solidFill>
-                  <a:srgbClr val="262626"/>
-                </a:solidFill>
-                <a:latin typeface="Calibri Light"/>
+              <a:rPr lang="en-US" sz="2000">
+                <a:latin typeface="Arial"/>
               </a:rPr>
-              <a:t>Seventh Outline LevelClick to edit Master text styles</a:t>
+              <a:t>Seventh Outline Level</a:t>
             </a:r>
-            <a:endParaRPr/>
-          </a:p>
-          <a:p>
-            <a:pPr lvl="1">
-              <a:lnSpc>
-                <a:spcPct val="100000"/>
-              </a:lnSpc>
-              <a:buFont typeface="Arial"/>
-              <a:buChar char=" "/>
-            </a:pPr>
-            <a:r>
-              <a:rPr lang="en-US" sz="2400">
-                <a:solidFill>
-                  <a:srgbClr val="262626"/>
-                </a:solidFill>
-                <a:latin typeface="Calibri Light"/>
-              </a:rPr>
-              <a:t>Second level</a:t>
-            </a:r>
-            <a:endParaRPr/>
-          </a:p>
-          <a:p>
-            <a:pPr lvl="2">
-              <a:lnSpc>
-                <a:spcPct val="100000"/>
-              </a:lnSpc>
-              <a:buFont typeface="Arial"/>
-              <a:buChar char=" "/>
-            </a:pPr>
-            <a:r>
-              <a:rPr i="1" lang="en-US" sz="2000">
-                <a:solidFill>
-                  <a:srgbClr val="262626"/>
-                </a:solidFill>
-                <a:latin typeface="Calibri Light"/>
-              </a:rPr>
-              <a:t>Third level</a:t>
-            </a:r>
-            <a:endParaRPr/>
-          </a:p>
-          <a:p>
-            <a:pPr lvl="3">
-              <a:lnSpc>
-                <a:spcPct val="100000"/>
-              </a:lnSpc>
-              <a:buFont typeface="Arial"/>
-              <a:buChar char=" "/>
-            </a:pPr>
-            <a:r>
-              <a:rPr lang="en-US">
-                <a:solidFill>
-                  <a:srgbClr val="262626"/>
-                </a:solidFill>
-                <a:latin typeface="Calibri Light"/>
-              </a:rPr>
-              <a:t>Fourth level</a:t>
-            </a:r>
-            <a:endParaRPr/>
-          </a:p>
-          <a:p>
-            <a:pPr lvl="4">
-              <a:lnSpc>
-                <a:spcPct val="100000"/>
-              </a:lnSpc>
-              <a:buFont typeface="Arial"/>
-              <a:buChar char=" "/>
-            </a:pPr>
-            <a:r>
-              <a:rPr lang="en-US">
-                <a:solidFill>
-                  <a:srgbClr val="262626"/>
-                </a:solidFill>
-                <a:latin typeface="Calibri Light"/>
-              </a:rPr>
-              <a:t>Fifth level</a:t>
-            </a:r>
-            <a:endParaRPr/>
-          </a:p>
-        </p:txBody>
-      </p:sp>
-      <p:sp>
-        <p:nvSpPr>
-          <p:cNvPr id="42" name="PlaceHolder 3"/>
-          <p:cNvSpPr>
-            <a:spLocks noGrp="1"/>
-          </p:cNvSpPr>
-          <p:nvPr>
-            <p:ph type="dt"/>
-          </p:nvPr>
-        </p:nvSpPr>
-        <p:spPr>
-          <a:xfrm>
-            <a:off x="685800" y="6412320"/>
-            <a:ext cx="4114440" cy="228240"/>
-          </a:xfrm>
-          <a:prstGeom prst="rect">
-            <a:avLst/>
-          </a:prstGeom>
-        </p:spPr>
-        <p:txBody>
-          <a:bodyPr anchor="ctr"/>
-          <a:p>
-            <a:pPr>
-              <a:lnSpc>
-                <a:spcPct val="100000"/>
-              </a:lnSpc>
-            </a:pPr>
-            <a:r>
-              <a:rPr lang="en-US" sz="950">
-                <a:solidFill>
-                  <a:srgbClr val="000000"/>
-                </a:solidFill>
-                <a:latin typeface="Calibri Light"/>
-              </a:rPr>
-              <a:t>2/21/16</a:t>
-            </a:r>
-            <a:endParaRPr/>
-          </a:p>
-        </p:txBody>
-      </p:sp>
-      <p:sp>
-        <p:nvSpPr>
-          <p:cNvPr id="43" name="PlaceHolder 4"/>
-          <p:cNvSpPr>
-            <a:spLocks noGrp="1"/>
-          </p:cNvSpPr>
-          <p:nvPr>
-            <p:ph type="ftr"/>
-          </p:nvPr>
-        </p:nvSpPr>
-        <p:spPr>
-          <a:xfrm>
-            <a:off x="685800" y="6554520"/>
-            <a:ext cx="5028840" cy="228240"/>
-          </a:xfrm>
-          <a:prstGeom prst="rect">
-            <a:avLst/>
-          </a:prstGeom>
-        </p:spPr>
-        <p:txBody>
-          <a:bodyPr anchor="ctr"/>
-          <a:p>
-            <a:endParaRPr/>
-          </a:p>
-        </p:txBody>
-      </p:sp>
-      <p:sp>
-        <p:nvSpPr>
-          <p:cNvPr id="44" name="PlaceHolder 5"/>
-          <p:cNvSpPr>
-            <a:spLocks noGrp="1"/>
-          </p:cNvSpPr>
-          <p:nvPr>
-            <p:ph type="sldNum"/>
-          </p:nvPr>
-        </p:nvSpPr>
-        <p:spPr>
-          <a:xfrm>
-            <a:off x="8763840" y="5876280"/>
-            <a:ext cx="2925720" cy="1396800"/>
-          </a:xfrm>
-          <a:prstGeom prst="rect">
-            <a:avLst/>
-          </a:prstGeom>
-        </p:spPr>
-        <p:txBody>
-          <a:bodyPr anchor="b"/>
-          <a:p>
-            <a:pPr algn="r">
-              <a:lnSpc>
-                <a:spcPct val="100000"/>
-              </a:lnSpc>
-            </a:pPr>
-            <a:fld id="{34D952A5-FB4C-4C74-87E3-02C47EED9704}" type="slidenum">
-              <a:rPr lang="en-US" sz="10300">
-                <a:solidFill>
-                  <a:srgbClr val="50b4c8"/>
-                </a:solidFill>
-                <a:latin typeface="Calibri Light"/>
-              </a:rPr>
-              <a:t>&lt;number&gt;</a:t>
-            </a:fld>
             <a:endParaRPr/>
           </a:p>
         </p:txBody>
@@ -5151,21 +4933,25 @@
       </p:grpSpPr>
       <p:sp>
         <p:nvSpPr>
-          <p:cNvPr id="84" name="TextShape 1"/>
-          <p:cNvSpPr txBox="1"/>
+          <p:cNvPr id="78" name="CustomShape 1"/>
+          <p:cNvSpPr/>
           <p:nvPr/>
         </p:nvSpPr>
         <p:spPr>
           <a:xfrm>
             <a:off x="603360" y="770400"/>
-            <a:ext cx="10782000" cy="3352320"/>
-          </a:xfrm>
-          <a:prstGeom prst="rect">
-            <a:avLst/>
-          </a:prstGeom>
-        </p:spPr>
-        <p:txBody>
-          <a:bodyPr anchor="b"/>
+            <a:ext cx="10781640" cy="3351960"/>
+          </a:xfrm>
+          <a:prstGeom prst="rect">
+            <a:avLst/>
+          </a:prstGeom>
+          <a:noFill/>
+          <a:ln>
+            <a:noFill/>
+          </a:ln>
+        </p:spPr>
+        <p:txBody>
+          <a:bodyPr lIns="90000" rIns="90000" tIns="45000" bIns="45000" anchor="b"/>
           <a:p>
             <a:pPr>
               <a:lnSpc>
@@ -5187,21 +4973,25 @@
       </p:sp>
       <p:sp>
         <p:nvSpPr>
-          <p:cNvPr id="85" name="TextShape 2"/>
-          <p:cNvSpPr txBox="1"/>
+          <p:cNvPr id="79" name="CustomShape 2"/>
+          <p:cNvSpPr/>
           <p:nvPr/>
         </p:nvSpPr>
         <p:spPr>
           <a:xfrm>
             <a:off x="667440" y="4206960"/>
-            <a:ext cx="9227880" cy="1645560"/>
-          </a:xfrm>
-          <a:prstGeom prst="rect">
-            <a:avLst/>
-          </a:prstGeom>
-        </p:spPr>
-        <p:txBody>
-          <a:bodyPr/>
+            <a:ext cx="9227520" cy="1645200"/>
+          </a:xfrm>
+          <a:prstGeom prst="rect">
+            <a:avLst/>
+          </a:prstGeom>
+          <a:noFill/>
+          <a:ln>
+            <a:noFill/>
+          </a:ln>
+        </p:spPr>
+        <p:txBody>
+          <a:bodyPr lIns="90000" rIns="90000" tIns="45000" bIns="45000"/>
           <a:p>
             <a:pPr>
               <a:lnSpc>
@@ -5280,21 +5070,25 @@
       </p:grpSpPr>
       <p:sp>
         <p:nvSpPr>
-          <p:cNvPr id="108" name="TextShape 1"/>
-          <p:cNvSpPr txBox="1"/>
+          <p:cNvPr id="104" name="CustomShape 1"/>
+          <p:cNvSpPr/>
           <p:nvPr/>
         </p:nvSpPr>
         <p:spPr>
           <a:xfrm>
             <a:off x="657360" y="499680"/>
-            <a:ext cx="10772280" cy="1657800"/>
-          </a:xfrm>
-          <a:prstGeom prst="rect">
-            <a:avLst/>
-          </a:prstGeom>
-        </p:spPr>
-        <p:txBody>
-          <a:bodyPr anchor="ctr"/>
+            <a:ext cx="10771920" cy="1657440"/>
+          </a:xfrm>
+          <a:prstGeom prst="rect">
+            <a:avLst/>
+          </a:prstGeom>
+          <a:noFill/>
+          <a:ln>
+            <a:noFill/>
+          </a:ln>
+        </p:spPr>
+        <p:txBody>
+          <a:bodyPr lIns="90000" rIns="90000" tIns="45000" bIns="45000" anchor="ctr"/>
           <a:p>
             <a:pPr>
               <a:lnSpc>
@@ -5316,21 +5110,25 @@
       </p:sp>
       <p:sp>
         <p:nvSpPr>
-          <p:cNvPr id="109" name="TextShape 2"/>
-          <p:cNvSpPr txBox="1"/>
+          <p:cNvPr id="105" name="CustomShape 2"/>
+          <p:cNvSpPr/>
           <p:nvPr/>
         </p:nvSpPr>
         <p:spPr>
           <a:xfrm>
             <a:off x="676800" y="2011680"/>
-            <a:ext cx="10753200" cy="3765960"/>
-          </a:xfrm>
-          <a:prstGeom prst="rect">
-            <a:avLst/>
-          </a:prstGeom>
-        </p:spPr>
-        <p:txBody>
-          <a:bodyPr/>
+            <a:ext cx="10752840" cy="3765600"/>
+          </a:xfrm>
+          <a:prstGeom prst="rect">
+            <a:avLst/>
+          </a:prstGeom>
+          <a:noFill/>
+          <a:ln>
+            <a:noFill/>
+          </a:ln>
+        </p:spPr>
+        <p:txBody>
+          <a:bodyPr lIns="90000" rIns="90000" tIns="45000" bIns="45000"/>
           <a:p>
             <a:pPr>
               <a:lnSpc>
@@ -5351,7 +5149,7 @@
       </p:sp>
       <p:pic>
         <p:nvPicPr>
-          <p:cNvPr id="110" name="Picture 2" descr=""/>
+          <p:cNvPr id="106" name="Picture 2" descr=""/>
           <p:cNvPicPr/>
           <p:nvPr/>
         </p:nvPicPr>
@@ -5364,7 +5162,7 @@
         <p:spPr>
           <a:xfrm>
             <a:off x="676800" y="1989360"/>
-            <a:ext cx="9990720" cy="4182480"/>
+            <a:ext cx="9990360" cy="4182120"/>
           </a:xfrm>
           <a:prstGeom prst="rect">
             <a:avLst/>
@@ -5376,14 +5174,14 @@
       </p:pic>
       <p:sp>
         <p:nvSpPr>
-          <p:cNvPr id="111" name="CustomShape 3"/>
+          <p:cNvPr id="107" name="CustomShape 3"/>
           <p:cNvSpPr/>
           <p:nvPr/>
         </p:nvSpPr>
         <p:spPr>
           <a:xfrm>
             <a:off x="990720" y="5384880"/>
-            <a:ext cx="3377880" cy="596520"/>
+            <a:ext cx="3377520" cy="596160"/>
           </a:xfrm>
           <a:prstGeom prst="rect">
             <a:avLst/>
@@ -5448,21 +5246,25 @@
       </p:grpSpPr>
       <p:sp>
         <p:nvSpPr>
-          <p:cNvPr id="112" name="TextShape 1"/>
-          <p:cNvSpPr txBox="1"/>
+          <p:cNvPr id="108" name="CustomShape 1"/>
+          <p:cNvSpPr/>
           <p:nvPr/>
         </p:nvSpPr>
         <p:spPr>
           <a:xfrm>
             <a:off x="657360" y="499680"/>
-            <a:ext cx="10772280" cy="1657800"/>
-          </a:xfrm>
-          <a:prstGeom prst="rect">
-            <a:avLst/>
-          </a:prstGeom>
-        </p:spPr>
-        <p:txBody>
-          <a:bodyPr anchor="ctr"/>
+            <a:ext cx="10771920" cy="1657440"/>
+          </a:xfrm>
+          <a:prstGeom prst="rect">
+            <a:avLst/>
+          </a:prstGeom>
+          <a:noFill/>
+          <a:ln>
+            <a:noFill/>
+          </a:ln>
+        </p:spPr>
+        <p:txBody>
+          <a:bodyPr lIns="90000" rIns="90000" tIns="45000" bIns="45000" anchor="ctr"/>
           <a:p>
             <a:pPr>
               <a:lnSpc>
@@ -5484,21 +5286,25 @@
       </p:sp>
       <p:sp>
         <p:nvSpPr>
-          <p:cNvPr id="113" name="TextShape 2"/>
-          <p:cNvSpPr txBox="1"/>
+          <p:cNvPr id="109" name="CustomShape 2"/>
+          <p:cNvSpPr/>
           <p:nvPr/>
         </p:nvSpPr>
         <p:spPr>
           <a:xfrm>
             <a:off x="676800" y="2011680"/>
-            <a:ext cx="10753200" cy="3765960"/>
-          </a:xfrm>
-          <a:prstGeom prst="rect">
-            <a:avLst/>
-          </a:prstGeom>
-        </p:spPr>
-        <p:txBody>
-          <a:bodyPr/>
+            <a:ext cx="10752840" cy="3765600"/>
+          </a:xfrm>
+          <a:prstGeom prst="rect">
+            <a:avLst/>
+          </a:prstGeom>
+          <a:noFill/>
+          <a:ln>
+            <a:noFill/>
+          </a:ln>
+        </p:spPr>
+        <p:txBody>
+          <a:bodyPr lIns="90000" rIns="90000" tIns="45000" bIns="45000"/>
           <a:p>
             <a:pPr>
               <a:lnSpc>
@@ -5519,7 +5325,7 @@
       </p:sp>
       <p:pic>
         <p:nvPicPr>
-          <p:cNvPr id="114" name="Picture 4" descr=""/>
+          <p:cNvPr id="110" name="Picture 4" descr=""/>
           <p:cNvPicPr/>
           <p:nvPr/>
         </p:nvPicPr>
@@ -5532,7 +5338,7 @@
         <p:spPr>
           <a:xfrm>
             <a:off x="420480" y="2157840"/>
-            <a:ext cx="11265840" cy="3400920"/>
+            <a:ext cx="11265480" cy="3400560"/>
           </a:xfrm>
           <a:prstGeom prst="rect">
             <a:avLst/>
@@ -5593,21 +5399,25 @@
       </p:grpSpPr>
       <p:sp>
         <p:nvSpPr>
-          <p:cNvPr id="115" name="TextShape 1"/>
-          <p:cNvSpPr txBox="1"/>
+          <p:cNvPr id="111" name="CustomShape 1"/>
+          <p:cNvSpPr/>
           <p:nvPr/>
         </p:nvSpPr>
         <p:spPr>
           <a:xfrm>
             <a:off x="657360" y="499680"/>
-            <a:ext cx="10772280" cy="1657800"/>
-          </a:xfrm>
-          <a:prstGeom prst="rect">
-            <a:avLst/>
-          </a:prstGeom>
-        </p:spPr>
-        <p:txBody>
-          <a:bodyPr anchor="ctr"/>
+            <a:ext cx="10771920" cy="1657440"/>
+          </a:xfrm>
+          <a:prstGeom prst="rect">
+            <a:avLst/>
+          </a:prstGeom>
+          <a:noFill/>
+          <a:ln>
+            <a:noFill/>
+          </a:ln>
+        </p:spPr>
+        <p:txBody>
+          <a:bodyPr lIns="90000" rIns="90000" tIns="45000" bIns="45000" anchor="ctr"/>
           <a:p>
             <a:pPr>
               <a:lnSpc>
@@ -5629,21 +5439,25 @@
       </p:sp>
       <p:sp>
         <p:nvSpPr>
-          <p:cNvPr id="116" name="TextShape 2"/>
-          <p:cNvSpPr txBox="1"/>
+          <p:cNvPr id="112" name="CustomShape 2"/>
+          <p:cNvSpPr/>
           <p:nvPr/>
         </p:nvSpPr>
         <p:spPr>
           <a:xfrm>
             <a:off x="676800" y="2011680"/>
-            <a:ext cx="10753200" cy="3765960"/>
-          </a:xfrm>
-          <a:prstGeom prst="rect">
-            <a:avLst/>
-          </a:prstGeom>
-        </p:spPr>
-        <p:txBody>
-          <a:bodyPr/>
+            <a:ext cx="10752840" cy="3765600"/>
+          </a:xfrm>
+          <a:prstGeom prst="rect">
+            <a:avLst/>
+          </a:prstGeom>
+          <a:noFill/>
+          <a:ln>
+            <a:noFill/>
+          </a:ln>
+        </p:spPr>
+        <p:txBody>
+          <a:bodyPr lIns="90000" rIns="90000" tIns="45000" bIns="45000"/>
           <a:p>
             <a:pPr>
               <a:lnSpc>
@@ -5664,7 +5478,7 @@
       </p:sp>
       <p:pic>
         <p:nvPicPr>
-          <p:cNvPr id="117" name="Picture 4" descr=""/>
+          <p:cNvPr id="113" name="Picture 4" descr=""/>
           <p:cNvPicPr/>
           <p:nvPr/>
         </p:nvPicPr>
@@ -5677,7 +5491,7 @@
         <p:spPr>
           <a:xfrm>
             <a:off x="420480" y="2157840"/>
-            <a:ext cx="11265840" cy="3400920"/>
+            <a:ext cx="11265480" cy="3400560"/>
           </a:xfrm>
           <a:prstGeom prst="rect">
             <a:avLst/>
@@ -5689,14 +5503,14 @@
       </p:pic>
       <p:sp>
         <p:nvSpPr>
-          <p:cNvPr id="118" name="CustomShape 3"/>
+          <p:cNvPr id="114" name="CustomShape 3"/>
           <p:cNvSpPr/>
           <p:nvPr/>
         </p:nvSpPr>
         <p:spPr>
           <a:xfrm>
             <a:off x="860040" y="4339800"/>
-            <a:ext cx="4704480" cy="596520"/>
+            <a:ext cx="4704120" cy="596160"/>
           </a:xfrm>
           <a:prstGeom prst="rect">
             <a:avLst/>
@@ -5761,21 +5575,25 @@
       </p:grpSpPr>
       <p:sp>
         <p:nvSpPr>
-          <p:cNvPr id="119" name="TextShape 1"/>
-          <p:cNvSpPr txBox="1"/>
+          <p:cNvPr id="115" name="CustomShape 1"/>
+          <p:cNvSpPr/>
           <p:nvPr/>
         </p:nvSpPr>
         <p:spPr>
           <a:xfrm>
             <a:off x="657360" y="499680"/>
-            <a:ext cx="10772280" cy="1657800"/>
-          </a:xfrm>
-          <a:prstGeom prst="rect">
-            <a:avLst/>
-          </a:prstGeom>
-        </p:spPr>
-        <p:txBody>
-          <a:bodyPr anchor="ctr"/>
+            <a:ext cx="10771920" cy="1657440"/>
+          </a:xfrm>
+          <a:prstGeom prst="rect">
+            <a:avLst/>
+          </a:prstGeom>
+          <a:noFill/>
+          <a:ln>
+            <a:noFill/>
+          </a:ln>
+        </p:spPr>
+        <p:txBody>
+          <a:bodyPr lIns="90000" rIns="90000" tIns="45000" bIns="45000" anchor="ctr"/>
           <a:p>
             <a:pPr>
               <a:lnSpc>
@@ -5797,21 +5615,25 @@
       </p:sp>
       <p:sp>
         <p:nvSpPr>
-          <p:cNvPr id="120" name="TextShape 2"/>
-          <p:cNvSpPr txBox="1"/>
+          <p:cNvPr id="116" name="CustomShape 2"/>
+          <p:cNvSpPr/>
           <p:nvPr/>
         </p:nvSpPr>
         <p:spPr>
           <a:xfrm>
             <a:off x="676800" y="2011680"/>
-            <a:ext cx="10753200" cy="3765960"/>
-          </a:xfrm>
-          <a:prstGeom prst="rect">
-            <a:avLst/>
-          </a:prstGeom>
-        </p:spPr>
-        <p:txBody>
-          <a:bodyPr/>
+            <a:ext cx="10752840" cy="3765600"/>
+          </a:xfrm>
+          <a:prstGeom prst="rect">
+            <a:avLst/>
+          </a:prstGeom>
+          <a:noFill/>
+          <a:ln>
+            <a:noFill/>
+          </a:ln>
+        </p:spPr>
+        <p:txBody>
+          <a:bodyPr lIns="90000" rIns="90000" tIns="45000" bIns="45000"/>
           <a:p>
             <a:pPr>
               <a:lnSpc>
@@ -5832,7 +5654,7 @@
       </p:sp>
       <p:pic>
         <p:nvPicPr>
-          <p:cNvPr id="121" name="Picture 2" descr=""/>
+          <p:cNvPr id="117" name="Picture 2" descr=""/>
           <p:cNvPicPr/>
           <p:nvPr/>
         </p:nvPicPr>
@@ -5845,7 +5667,7 @@
         <p:spPr>
           <a:xfrm>
             <a:off x="657000" y="1899360"/>
-            <a:ext cx="9439920" cy="2981880"/>
+            <a:ext cx="9439560" cy="2981520"/>
           </a:xfrm>
           <a:prstGeom prst="rect">
             <a:avLst/>
@@ -5906,21 +5728,25 @@
       </p:grpSpPr>
       <p:sp>
         <p:nvSpPr>
-          <p:cNvPr id="122" name="TextShape 1"/>
-          <p:cNvSpPr txBox="1"/>
+          <p:cNvPr id="118" name="CustomShape 1"/>
+          <p:cNvSpPr/>
           <p:nvPr/>
         </p:nvSpPr>
         <p:spPr>
           <a:xfrm>
             <a:off x="657360" y="499680"/>
-            <a:ext cx="10772280" cy="1657800"/>
-          </a:xfrm>
-          <a:prstGeom prst="rect">
-            <a:avLst/>
-          </a:prstGeom>
-        </p:spPr>
-        <p:txBody>
-          <a:bodyPr anchor="ctr"/>
+            <a:ext cx="10771920" cy="1657440"/>
+          </a:xfrm>
+          <a:prstGeom prst="rect">
+            <a:avLst/>
+          </a:prstGeom>
+          <a:noFill/>
+          <a:ln>
+            <a:noFill/>
+          </a:ln>
+        </p:spPr>
+        <p:txBody>
+          <a:bodyPr lIns="90000" rIns="90000" tIns="45000" bIns="45000" anchor="ctr"/>
           <a:p>
             <a:pPr>
               <a:lnSpc>
@@ -5942,21 +5768,25 @@
       </p:sp>
       <p:sp>
         <p:nvSpPr>
-          <p:cNvPr id="123" name="TextShape 2"/>
-          <p:cNvSpPr txBox="1"/>
+          <p:cNvPr id="119" name="CustomShape 2"/>
+          <p:cNvSpPr/>
           <p:nvPr/>
         </p:nvSpPr>
         <p:spPr>
           <a:xfrm>
             <a:off x="676800" y="2011680"/>
-            <a:ext cx="10753200" cy="3765960"/>
-          </a:xfrm>
-          <a:prstGeom prst="rect">
-            <a:avLst/>
-          </a:prstGeom>
-        </p:spPr>
-        <p:txBody>
-          <a:bodyPr/>
+            <a:ext cx="10752840" cy="3765600"/>
+          </a:xfrm>
+          <a:prstGeom prst="rect">
+            <a:avLst/>
+          </a:prstGeom>
+          <a:noFill/>
+          <a:ln>
+            <a:noFill/>
+          </a:ln>
+        </p:spPr>
+        <p:txBody>
+          <a:bodyPr lIns="90000" rIns="90000" tIns="45000" bIns="45000"/>
           <a:p>
             <a:pPr>
               <a:lnSpc>
@@ -5977,7 +5807,7 @@
       </p:sp>
       <p:pic>
         <p:nvPicPr>
-          <p:cNvPr id="124" name="Picture 2" descr=""/>
+          <p:cNvPr id="120" name="Picture 2" descr=""/>
           <p:cNvPicPr/>
           <p:nvPr/>
         </p:nvPicPr>
@@ -5990,7 +5820,7 @@
         <p:spPr>
           <a:xfrm>
             <a:off x="657000" y="1899360"/>
-            <a:ext cx="9439920" cy="2981880"/>
+            <a:ext cx="9439560" cy="2981520"/>
           </a:xfrm>
           <a:prstGeom prst="rect">
             <a:avLst/>
@@ -6002,14 +5832,14 @@
       </p:pic>
       <p:sp>
         <p:nvSpPr>
-          <p:cNvPr id="125" name="CustomShape 3"/>
+          <p:cNvPr id="121" name="CustomShape 3"/>
           <p:cNvSpPr/>
           <p:nvPr/>
         </p:nvSpPr>
         <p:spPr>
           <a:xfrm>
             <a:off x="1202760" y="3221280"/>
-            <a:ext cx="4704480" cy="596520"/>
+            <a:ext cx="4704120" cy="596160"/>
           </a:xfrm>
           <a:prstGeom prst="rect">
             <a:avLst/>
@@ -6074,21 +5904,25 @@
       </p:grpSpPr>
       <p:sp>
         <p:nvSpPr>
-          <p:cNvPr id="126" name="TextShape 1"/>
-          <p:cNvSpPr txBox="1"/>
+          <p:cNvPr id="122" name="CustomShape 1"/>
+          <p:cNvSpPr/>
           <p:nvPr/>
         </p:nvSpPr>
         <p:spPr>
           <a:xfrm>
             <a:off x="657360" y="499680"/>
-            <a:ext cx="10772280" cy="1657800"/>
-          </a:xfrm>
-          <a:prstGeom prst="rect">
-            <a:avLst/>
-          </a:prstGeom>
-        </p:spPr>
-        <p:txBody>
-          <a:bodyPr anchor="ctr"/>
+            <a:ext cx="10771920" cy="1657440"/>
+          </a:xfrm>
+          <a:prstGeom prst="rect">
+            <a:avLst/>
+          </a:prstGeom>
+          <a:noFill/>
+          <a:ln>
+            <a:noFill/>
+          </a:ln>
+        </p:spPr>
+        <p:txBody>
+          <a:bodyPr lIns="90000" rIns="90000" tIns="45000" bIns="45000" anchor="ctr"/>
           <a:p>
             <a:pPr>
               <a:lnSpc>
@@ -6110,21 +5944,25 @@
       </p:sp>
       <p:sp>
         <p:nvSpPr>
-          <p:cNvPr id="127" name="TextShape 2"/>
-          <p:cNvSpPr txBox="1"/>
+          <p:cNvPr id="123" name="CustomShape 2"/>
+          <p:cNvSpPr/>
           <p:nvPr/>
         </p:nvSpPr>
         <p:spPr>
           <a:xfrm>
             <a:off x="676800" y="2011680"/>
-            <a:ext cx="10753200" cy="3765960"/>
-          </a:xfrm>
-          <a:prstGeom prst="rect">
-            <a:avLst/>
-          </a:prstGeom>
-        </p:spPr>
-        <p:txBody>
-          <a:bodyPr/>
+            <a:ext cx="10752840" cy="3765600"/>
+          </a:xfrm>
+          <a:prstGeom prst="rect">
+            <a:avLst/>
+          </a:prstGeom>
+          <a:noFill/>
+          <a:ln>
+            <a:noFill/>
+          </a:ln>
+        </p:spPr>
+        <p:txBody>
+          <a:bodyPr lIns="90000" rIns="90000" tIns="45000" bIns="45000"/>
           <a:p>
             <a:pPr>
               <a:lnSpc>
@@ -6145,14 +5983,14 @@
       </p:sp>
       <p:sp>
         <p:nvSpPr>
-          <p:cNvPr id="128" name="CustomShape 3"/>
+          <p:cNvPr id="124" name="CustomShape 3"/>
           <p:cNvSpPr/>
           <p:nvPr/>
         </p:nvSpPr>
         <p:spPr>
           <a:xfrm>
             <a:off x="375480" y="2400480"/>
-            <a:ext cx="9909000" cy="364680"/>
+            <a:ext cx="9908640" cy="364320"/>
           </a:xfrm>
           <a:prstGeom prst="rect">
             <a:avLst/>
@@ -6234,21 +6072,25 @@
       </p:grpSpPr>
       <p:sp>
         <p:nvSpPr>
-          <p:cNvPr id="129" name="TextShape 1"/>
-          <p:cNvSpPr txBox="1"/>
+          <p:cNvPr id="125" name="CustomShape 1"/>
+          <p:cNvSpPr/>
           <p:nvPr/>
         </p:nvSpPr>
         <p:spPr>
           <a:xfrm>
             <a:off x="657360" y="499680"/>
-            <a:ext cx="10772280" cy="1657800"/>
-          </a:xfrm>
-          <a:prstGeom prst="rect">
-            <a:avLst/>
-          </a:prstGeom>
-        </p:spPr>
-        <p:txBody>
-          <a:bodyPr anchor="ctr"/>
+            <a:ext cx="10771920" cy="1657440"/>
+          </a:xfrm>
+          <a:prstGeom prst="rect">
+            <a:avLst/>
+          </a:prstGeom>
+          <a:noFill/>
+          <a:ln>
+            <a:noFill/>
+          </a:ln>
+        </p:spPr>
+        <p:txBody>
+          <a:bodyPr lIns="90000" rIns="90000" tIns="45000" bIns="45000" anchor="ctr"/>
           <a:p>
             <a:pPr>
               <a:lnSpc>
@@ -6270,21 +6112,25 @@
       </p:sp>
       <p:sp>
         <p:nvSpPr>
-          <p:cNvPr id="130" name="TextShape 2"/>
-          <p:cNvSpPr txBox="1"/>
+          <p:cNvPr id="126" name="CustomShape 2"/>
+          <p:cNvSpPr/>
           <p:nvPr/>
         </p:nvSpPr>
         <p:spPr>
           <a:xfrm>
             <a:off x="676800" y="2011680"/>
-            <a:ext cx="10753200" cy="3765960"/>
-          </a:xfrm>
-          <a:prstGeom prst="rect">
-            <a:avLst/>
-          </a:prstGeom>
-        </p:spPr>
-        <p:txBody>
-          <a:bodyPr/>
+            <a:ext cx="10752840" cy="3765600"/>
+          </a:xfrm>
+          <a:prstGeom prst="rect">
+            <a:avLst/>
+          </a:prstGeom>
+          <a:noFill/>
+          <a:ln>
+            <a:noFill/>
+          </a:ln>
+        </p:spPr>
+        <p:txBody>
+          <a:bodyPr lIns="90000" rIns="90000" tIns="45000" bIns="45000"/>
           <a:p>
             <a:pPr>
               <a:lnSpc>
@@ -6305,14 +6151,14 @@
       </p:sp>
       <p:sp>
         <p:nvSpPr>
-          <p:cNvPr id="131" name="CustomShape 3"/>
+          <p:cNvPr id="127" name="CustomShape 3"/>
           <p:cNvSpPr/>
           <p:nvPr/>
         </p:nvSpPr>
         <p:spPr>
           <a:xfrm>
             <a:off x="375480" y="2400480"/>
-            <a:ext cx="9909000" cy="364680"/>
+            <a:ext cx="9908640" cy="364320"/>
           </a:xfrm>
           <a:prstGeom prst="rect">
             <a:avLst/>
@@ -6345,14 +6191,14 @@
       </p:sp>
       <p:sp>
         <p:nvSpPr>
-          <p:cNvPr id="132" name="CustomShape 4"/>
+          <p:cNvPr id="128" name="CustomShape 4"/>
           <p:cNvSpPr/>
           <p:nvPr/>
         </p:nvSpPr>
         <p:spPr>
           <a:xfrm>
             <a:off x="1320840" y="2850480"/>
-            <a:ext cx="8305560" cy="3107160"/>
+            <a:ext cx="8305200" cy="3106800"/>
           </a:xfrm>
           <a:prstGeom prst="rect">
             <a:avLst/>
@@ -6480,21 +6326,25 @@
       </p:grpSpPr>
       <p:sp>
         <p:nvSpPr>
-          <p:cNvPr id="133" name="TextShape 1"/>
-          <p:cNvSpPr txBox="1"/>
+          <p:cNvPr id="129" name="CustomShape 1"/>
+          <p:cNvSpPr/>
           <p:nvPr/>
         </p:nvSpPr>
         <p:spPr>
           <a:xfrm>
             <a:off x="657360" y="499680"/>
-            <a:ext cx="10772280" cy="1657800"/>
-          </a:xfrm>
-          <a:prstGeom prst="rect">
-            <a:avLst/>
-          </a:prstGeom>
-        </p:spPr>
-        <p:txBody>
-          <a:bodyPr anchor="ctr"/>
+            <a:ext cx="10771920" cy="1657440"/>
+          </a:xfrm>
+          <a:prstGeom prst="rect">
+            <a:avLst/>
+          </a:prstGeom>
+          <a:noFill/>
+          <a:ln>
+            <a:noFill/>
+          </a:ln>
+        </p:spPr>
+        <p:txBody>
+          <a:bodyPr lIns="90000" rIns="90000" tIns="45000" bIns="45000" anchor="ctr"/>
           <a:p>
             <a:pPr>
               <a:lnSpc>
@@ -6516,21 +6366,25 @@
       </p:sp>
       <p:sp>
         <p:nvSpPr>
-          <p:cNvPr id="134" name="TextShape 2"/>
-          <p:cNvSpPr txBox="1"/>
+          <p:cNvPr id="130" name="CustomShape 2"/>
+          <p:cNvSpPr/>
           <p:nvPr/>
         </p:nvSpPr>
         <p:spPr>
           <a:xfrm>
             <a:off x="676800" y="2011680"/>
-            <a:ext cx="10753200" cy="3765960"/>
-          </a:xfrm>
-          <a:prstGeom prst="rect">
-            <a:avLst/>
-          </a:prstGeom>
-        </p:spPr>
-        <p:txBody>
-          <a:bodyPr/>
+            <a:ext cx="10752840" cy="3765600"/>
+          </a:xfrm>
+          <a:prstGeom prst="rect">
+            <a:avLst/>
+          </a:prstGeom>
+          <a:noFill/>
+          <a:ln>
+            <a:noFill/>
+          </a:ln>
+        </p:spPr>
+        <p:txBody>
+          <a:bodyPr lIns="90000" rIns="90000" tIns="45000" bIns="45000"/>
           <a:p>
             <a:pPr>
               <a:lnSpc>
@@ -6551,14 +6405,14 @@
       </p:sp>
       <p:sp>
         <p:nvSpPr>
-          <p:cNvPr id="135" name="CustomShape 3"/>
+          <p:cNvPr id="131" name="CustomShape 3"/>
           <p:cNvSpPr/>
           <p:nvPr/>
         </p:nvSpPr>
         <p:spPr>
           <a:xfrm>
             <a:off x="886680" y="2400480"/>
-            <a:ext cx="4740840" cy="456120"/>
+            <a:ext cx="4740480" cy="455760"/>
           </a:xfrm>
           <a:prstGeom prst="rect">
             <a:avLst/>
@@ -6640,21 +6494,25 @@
       </p:grpSpPr>
       <p:sp>
         <p:nvSpPr>
-          <p:cNvPr id="136" name="TextShape 1"/>
-          <p:cNvSpPr txBox="1"/>
+          <p:cNvPr id="132" name="CustomShape 1"/>
+          <p:cNvSpPr/>
           <p:nvPr/>
         </p:nvSpPr>
         <p:spPr>
           <a:xfrm>
             <a:off x="657360" y="499680"/>
-            <a:ext cx="10772280" cy="1657800"/>
-          </a:xfrm>
-          <a:prstGeom prst="rect">
-            <a:avLst/>
-          </a:prstGeom>
-        </p:spPr>
-        <p:txBody>
-          <a:bodyPr anchor="ctr"/>
+            <a:ext cx="10771920" cy="1657440"/>
+          </a:xfrm>
+          <a:prstGeom prst="rect">
+            <a:avLst/>
+          </a:prstGeom>
+          <a:noFill/>
+          <a:ln>
+            <a:noFill/>
+          </a:ln>
+        </p:spPr>
+        <p:txBody>
+          <a:bodyPr lIns="90000" rIns="90000" tIns="45000" bIns="45000" anchor="ctr"/>
           <a:p>
             <a:pPr>
               <a:lnSpc>
@@ -6676,21 +6534,25 @@
       </p:sp>
       <p:sp>
         <p:nvSpPr>
-          <p:cNvPr id="137" name="TextShape 2"/>
-          <p:cNvSpPr txBox="1"/>
+          <p:cNvPr id="133" name="CustomShape 2"/>
+          <p:cNvSpPr/>
           <p:nvPr/>
         </p:nvSpPr>
         <p:spPr>
           <a:xfrm>
             <a:off x="676800" y="2011680"/>
-            <a:ext cx="10753200" cy="3765960"/>
-          </a:xfrm>
-          <a:prstGeom prst="rect">
-            <a:avLst/>
-          </a:prstGeom>
-        </p:spPr>
-        <p:txBody>
-          <a:bodyPr/>
+            <a:ext cx="10752840" cy="3765600"/>
+          </a:xfrm>
+          <a:prstGeom prst="rect">
+            <a:avLst/>
+          </a:prstGeom>
+          <a:noFill/>
+          <a:ln>
+            <a:noFill/>
+          </a:ln>
+        </p:spPr>
+        <p:txBody>
+          <a:bodyPr lIns="90000" rIns="90000" tIns="45000" bIns="45000"/>
           <a:p>
             <a:pPr>
               <a:lnSpc>
@@ -6711,14 +6573,14 @@
       </p:sp>
       <p:sp>
         <p:nvSpPr>
-          <p:cNvPr id="138" name="CustomShape 3"/>
+          <p:cNvPr id="134" name="CustomShape 3"/>
           <p:cNvSpPr/>
           <p:nvPr/>
         </p:nvSpPr>
         <p:spPr>
           <a:xfrm>
             <a:off x="709560" y="2400480"/>
-            <a:ext cx="6671880" cy="364680"/>
+            <a:ext cx="6671520" cy="364320"/>
           </a:xfrm>
           <a:prstGeom prst="rect">
             <a:avLst/>
@@ -6800,21 +6662,25 @@
       </p:grpSpPr>
       <p:sp>
         <p:nvSpPr>
-          <p:cNvPr id="139" name="TextShape 1"/>
-          <p:cNvSpPr txBox="1"/>
+          <p:cNvPr id="135" name="CustomShape 1"/>
+          <p:cNvSpPr/>
           <p:nvPr/>
         </p:nvSpPr>
         <p:spPr>
           <a:xfrm>
             <a:off x="657360" y="499680"/>
-            <a:ext cx="10772280" cy="1657800"/>
-          </a:xfrm>
-          <a:prstGeom prst="rect">
-            <a:avLst/>
-          </a:prstGeom>
-        </p:spPr>
-        <p:txBody>
-          <a:bodyPr anchor="ctr"/>
+            <a:ext cx="10771920" cy="1657440"/>
+          </a:xfrm>
+          <a:prstGeom prst="rect">
+            <a:avLst/>
+          </a:prstGeom>
+          <a:noFill/>
+          <a:ln>
+            <a:noFill/>
+          </a:ln>
+        </p:spPr>
+        <p:txBody>
+          <a:bodyPr lIns="90000" rIns="90000" tIns="45000" bIns="45000" anchor="ctr"/>
           <a:p>
             <a:pPr>
               <a:lnSpc>
@@ -6836,21 +6702,25 @@
       </p:sp>
       <p:sp>
         <p:nvSpPr>
-          <p:cNvPr id="140" name="TextShape 2"/>
-          <p:cNvSpPr txBox="1"/>
+          <p:cNvPr id="136" name="CustomShape 2"/>
+          <p:cNvSpPr/>
           <p:nvPr/>
         </p:nvSpPr>
         <p:spPr>
           <a:xfrm>
             <a:off x="676800" y="2011680"/>
-            <a:ext cx="10753200" cy="3765960"/>
-          </a:xfrm>
-          <a:prstGeom prst="rect">
-            <a:avLst/>
-          </a:prstGeom>
-        </p:spPr>
-        <p:txBody>
-          <a:bodyPr/>
+            <a:ext cx="10752840" cy="3765600"/>
+          </a:xfrm>
+          <a:prstGeom prst="rect">
+            <a:avLst/>
+          </a:prstGeom>
+          <a:noFill/>
+          <a:ln>
+            <a:noFill/>
+          </a:ln>
+        </p:spPr>
+        <p:txBody>
+          <a:bodyPr lIns="90000" rIns="90000" tIns="45000" bIns="45000"/>
           <a:p>
             <a:pPr>
               <a:lnSpc>
@@ -6871,14 +6741,14 @@
       </p:sp>
       <p:sp>
         <p:nvSpPr>
-          <p:cNvPr id="141" name="CustomShape 3"/>
+          <p:cNvPr id="137" name="CustomShape 3"/>
           <p:cNvSpPr/>
           <p:nvPr/>
         </p:nvSpPr>
         <p:spPr>
           <a:xfrm>
             <a:off x="709560" y="2400480"/>
-            <a:ext cx="6671880" cy="364680"/>
+            <a:ext cx="6671520" cy="364320"/>
           </a:xfrm>
           <a:prstGeom prst="rect">
             <a:avLst/>
@@ -6911,14 +6781,14 @@
       </p:sp>
       <p:sp>
         <p:nvSpPr>
-          <p:cNvPr id="142" name="CustomShape 4"/>
+          <p:cNvPr id="138" name="CustomShape 4"/>
           <p:cNvSpPr/>
           <p:nvPr/>
         </p:nvSpPr>
         <p:spPr>
           <a:xfrm>
             <a:off x="1320840" y="2887560"/>
-            <a:ext cx="9740520" cy="2558520"/>
+            <a:ext cx="9740160" cy="2558160"/>
           </a:xfrm>
           <a:prstGeom prst="rect">
             <a:avLst/>
@@ -6976,14 +6846,14 @@
       </p:sp>
       <p:sp>
         <p:nvSpPr>
-          <p:cNvPr id="143" name="CustomShape 5"/>
+          <p:cNvPr id="139" name="CustomShape 5"/>
           <p:cNvSpPr/>
           <p:nvPr/>
         </p:nvSpPr>
         <p:spPr>
           <a:xfrm>
             <a:off x="1320840" y="5190480"/>
-            <a:ext cx="7746480" cy="639000"/>
+            <a:ext cx="7746120" cy="638640"/>
           </a:xfrm>
           <a:prstGeom prst="rect">
             <a:avLst/>
@@ -7065,21 +6935,25 @@
       </p:grpSpPr>
       <p:sp>
         <p:nvSpPr>
-          <p:cNvPr id="86" name="TextShape 1"/>
-          <p:cNvSpPr txBox="1"/>
+          <p:cNvPr id="80" name="CustomShape 1"/>
+          <p:cNvSpPr/>
           <p:nvPr/>
         </p:nvSpPr>
         <p:spPr>
           <a:xfrm>
             <a:off x="657360" y="499680"/>
-            <a:ext cx="10772280" cy="1657800"/>
-          </a:xfrm>
-          <a:prstGeom prst="rect">
-            <a:avLst/>
-          </a:prstGeom>
-        </p:spPr>
-        <p:txBody>
-          <a:bodyPr anchor="ctr"/>
+            <a:ext cx="10771920" cy="1657440"/>
+          </a:xfrm>
+          <a:prstGeom prst="rect">
+            <a:avLst/>
+          </a:prstGeom>
+          <a:noFill/>
+          <a:ln>
+            <a:noFill/>
+          </a:ln>
+        </p:spPr>
+        <p:txBody>
+          <a:bodyPr lIns="90000" rIns="90000" tIns="45000" bIns="45000" anchor="ctr"/>
           <a:p>
             <a:pPr>
               <a:lnSpc>
@@ -7101,21 +6975,25 @@
       </p:sp>
       <p:sp>
         <p:nvSpPr>
-          <p:cNvPr id="87" name="TextShape 2"/>
-          <p:cNvSpPr txBox="1"/>
+          <p:cNvPr id="81" name="CustomShape 2"/>
+          <p:cNvSpPr/>
           <p:nvPr/>
         </p:nvSpPr>
         <p:spPr>
           <a:xfrm>
             <a:off x="676800" y="2011680"/>
-            <a:ext cx="10753200" cy="3765960"/>
-          </a:xfrm>
-          <a:prstGeom prst="rect">
-            <a:avLst/>
-          </a:prstGeom>
-        </p:spPr>
-        <p:txBody>
-          <a:bodyPr/>
+            <a:ext cx="10752840" cy="3765600"/>
+          </a:xfrm>
+          <a:prstGeom prst="rect">
+            <a:avLst/>
+          </a:prstGeom>
+          <a:noFill/>
+          <a:ln>
+            <a:noFill/>
+          </a:ln>
+        </p:spPr>
+        <p:txBody>
+          <a:bodyPr lIns="90000" rIns="90000" tIns="45000" bIns="45000"/>
           <a:p>
             <a:pPr>
               <a:lnSpc>
@@ -7136,7 +7014,7 @@
       </p:sp>
       <p:pic>
         <p:nvPicPr>
-          <p:cNvPr id="88" name="Picture 2" descr=""/>
+          <p:cNvPr id="82" name="Picture 2" descr=""/>
           <p:cNvPicPr/>
           <p:nvPr/>
         </p:nvPicPr>
@@ -7149,7 +7027,7 @@
         <p:spPr>
           <a:xfrm>
             <a:off x="1284840" y="1792440"/>
-            <a:ext cx="9183960" cy="4817880"/>
+            <a:ext cx="9183600" cy="4817520"/>
           </a:xfrm>
           <a:prstGeom prst="rect">
             <a:avLst/>
@@ -7210,21 +7088,25 @@
       </p:grpSpPr>
       <p:sp>
         <p:nvSpPr>
-          <p:cNvPr id="144" name="TextShape 1"/>
-          <p:cNvSpPr txBox="1"/>
+          <p:cNvPr id="140" name="CustomShape 1"/>
+          <p:cNvSpPr/>
           <p:nvPr/>
         </p:nvSpPr>
         <p:spPr>
           <a:xfrm>
             <a:off x="657360" y="499680"/>
-            <a:ext cx="10772280" cy="1657800"/>
-          </a:xfrm>
-          <a:prstGeom prst="rect">
-            <a:avLst/>
-          </a:prstGeom>
-        </p:spPr>
-        <p:txBody>
-          <a:bodyPr anchor="ctr"/>
+            <a:ext cx="10771920" cy="1657440"/>
+          </a:xfrm>
+          <a:prstGeom prst="rect">
+            <a:avLst/>
+          </a:prstGeom>
+          <a:noFill/>
+          <a:ln>
+            <a:noFill/>
+          </a:ln>
+        </p:spPr>
+        <p:txBody>
+          <a:bodyPr lIns="90000" rIns="90000" tIns="45000" bIns="45000" anchor="ctr"/>
           <a:p>
             <a:pPr>
               <a:lnSpc>
@@ -7246,21 +7128,25 @@
       </p:sp>
       <p:sp>
         <p:nvSpPr>
-          <p:cNvPr id="145" name="TextShape 2"/>
-          <p:cNvSpPr txBox="1"/>
+          <p:cNvPr id="141" name="CustomShape 2"/>
+          <p:cNvSpPr/>
           <p:nvPr/>
         </p:nvSpPr>
         <p:spPr>
           <a:xfrm>
             <a:off x="676800" y="2011680"/>
-            <a:ext cx="10753200" cy="3765960"/>
-          </a:xfrm>
-          <a:prstGeom prst="rect">
-            <a:avLst/>
-          </a:prstGeom>
-        </p:spPr>
-        <p:txBody>
-          <a:bodyPr/>
+            <a:ext cx="10752840" cy="3765600"/>
+          </a:xfrm>
+          <a:prstGeom prst="rect">
+            <a:avLst/>
+          </a:prstGeom>
+          <a:noFill/>
+          <a:ln>
+            <a:noFill/>
+          </a:ln>
+        </p:spPr>
+        <p:txBody>
+          <a:bodyPr lIns="90000" rIns="90000" tIns="45000" bIns="45000"/>
           <a:p>
             <a:pPr>
               <a:lnSpc>
@@ -7281,7 +7167,7 @@
       </p:sp>
       <p:pic>
         <p:nvPicPr>
-          <p:cNvPr id="146" name="Picture 4" descr=""/>
+          <p:cNvPr id="142" name="Picture 4" descr=""/>
           <p:cNvPicPr/>
           <p:nvPr/>
         </p:nvPicPr>
@@ -7294,7 +7180,7 @@
         <p:spPr>
           <a:xfrm>
             <a:off x="3815640" y="169560"/>
-            <a:ext cx="6964920" cy="6660360"/>
+            <a:ext cx="6964560" cy="6660000"/>
           </a:xfrm>
           <a:prstGeom prst="rect">
             <a:avLst/>
@@ -7355,21 +7241,25 @@
       </p:grpSpPr>
       <p:sp>
         <p:nvSpPr>
-          <p:cNvPr id="147" name="TextShape 1"/>
-          <p:cNvSpPr txBox="1"/>
+          <p:cNvPr id="143" name="CustomShape 1"/>
+          <p:cNvSpPr/>
           <p:nvPr/>
         </p:nvSpPr>
         <p:spPr>
           <a:xfrm>
             <a:off x="657360" y="499680"/>
-            <a:ext cx="10772280" cy="1657800"/>
-          </a:xfrm>
-          <a:prstGeom prst="rect">
-            <a:avLst/>
-          </a:prstGeom>
-        </p:spPr>
-        <p:txBody>
-          <a:bodyPr anchor="ctr"/>
+            <a:ext cx="10771920" cy="1657440"/>
+          </a:xfrm>
+          <a:prstGeom prst="rect">
+            <a:avLst/>
+          </a:prstGeom>
+          <a:noFill/>
+          <a:ln>
+            <a:noFill/>
+          </a:ln>
+        </p:spPr>
+        <p:txBody>
+          <a:bodyPr lIns="90000" rIns="90000" tIns="45000" bIns="45000" anchor="ctr"/>
           <a:p>
             <a:pPr>
               <a:lnSpc>
@@ -7391,21 +7281,25 @@
       </p:sp>
       <p:sp>
         <p:nvSpPr>
-          <p:cNvPr id="148" name="TextShape 2"/>
-          <p:cNvSpPr txBox="1"/>
+          <p:cNvPr id="144" name="CustomShape 2"/>
+          <p:cNvSpPr/>
           <p:nvPr/>
         </p:nvSpPr>
         <p:spPr>
           <a:xfrm>
             <a:off x="676800" y="2011680"/>
-            <a:ext cx="10753200" cy="3765960"/>
-          </a:xfrm>
-          <a:prstGeom prst="rect">
-            <a:avLst/>
-          </a:prstGeom>
-        </p:spPr>
-        <p:txBody>
-          <a:bodyPr/>
+            <a:ext cx="10752840" cy="3765600"/>
+          </a:xfrm>
+          <a:prstGeom prst="rect">
+            <a:avLst/>
+          </a:prstGeom>
+          <a:noFill/>
+          <a:ln>
+            <a:noFill/>
+          </a:ln>
+        </p:spPr>
+        <p:txBody>
+          <a:bodyPr lIns="90000" rIns="90000" tIns="45000" bIns="45000"/>
           <a:p>
             <a:pPr>
               <a:lnSpc>
@@ -7426,7 +7320,7 @@
       </p:sp>
       <p:pic>
         <p:nvPicPr>
-          <p:cNvPr id="149" name="Picture 2" descr=""/>
+          <p:cNvPr id="145" name="Picture 2" descr=""/>
           <p:cNvPicPr/>
           <p:nvPr/>
         </p:nvPicPr>
@@ -7439,7 +7333,7 @@
         <p:spPr>
           <a:xfrm>
             <a:off x="4384440" y="118800"/>
-            <a:ext cx="6909480" cy="6660360"/>
+            <a:ext cx="6909120" cy="6660000"/>
           </a:xfrm>
           <a:prstGeom prst="rect">
             <a:avLst/>
@@ -7500,21 +7394,25 @@
       </p:grpSpPr>
       <p:sp>
         <p:nvSpPr>
-          <p:cNvPr id="150" name="TextShape 1"/>
-          <p:cNvSpPr txBox="1"/>
+          <p:cNvPr id="146" name="CustomShape 1"/>
+          <p:cNvSpPr/>
           <p:nvPr/>
         </p:nvSpPr>
         <p:spPr>
           <a:xfrm>
             <a:off x="657360" y="499680"/>
-            <a:ext cx="10772280" cy="1657800"/>
-          </a:xfrm>
-          <a:prstGeom prst="rect">
-            <a:avLst/>
-          </a:prstGeom>
-        </p:spPr>
-        <p:txBody>
-          <a:bodyPr anchor="ctr"/>
+            <a:ext cx="10771920" cy="1657440"/>
+          </a:xfrm>
+          <a:prstGeom prst="rect">
+            <a:avLst/>
+          </a:prstGeom>
+          <a:noFill/>
+          <a:ln>
+            <a:noFill/>
+          </a:ln>
+        </p:spPr>
+        <p:txBody>
+          <a:bodyPr lIns="90000" rIns="90000" tIns="45000" bIns="45000" anchor="ctr"/>
           <a:p>
             <a:pPr>
               <a:lnSpc>
@@ -7536,21 +7434,25 @@
       </p:sp>
       <p:sp>
         <p:nvSpPr>
-          <p:cNvPr id="151" name="TextShape 2"/>
-          <p:cNvSpPr txBox="1"/>
+          <p:cNvPr id="147" name="CustomShape 2"/>
+          <p:cNvSpPr/>
           <p:nvPr/>
         </p:nvSpPr>
         <p:spPr>
           <a:xfrm>
             <a:off x="676800" y="2011680"/>
-            <a:ext cx="10753200" cy="3765960"/>
-          </a:xfrm>
-          <a:prstGeom prst="rect">
-            <a:avLst/>
-          </a:prstGeom>
-        </p:spPr>
-        <p:txBody>
-          <a:bodyPr/>
+            <a:ext cx="10752840" cy="3765600"/>
+          </a:xfrm>
+          <a:prstGeom prst="rect">
+            <a:avLst/>
+          </a:prstGeom>
+          <a:noFill/>
+          <a:ln>
+            <a:noFill/>
+          </a:ln>
+        </p:spPr>
+        <p:txBody>
+          <a:bodyPr lIns="90000" rIns="90000" tIns="45000" bIns="45000"/>
           <a:p>
             <a:pPr>
               <a:lnSpc>
@@ -7629,21 +7531,25 @@
       </p:grpSpPr>
       <p:sp>
         <p:nvSpPr>
-          <p:cNvPr id="152" name="TextShape 1"/>
-          <p:cNvSpPr txBox="1"/>
+          <p:cNvPr id="148" name="CustomShape 1"/>
+          <p:cNvSpPr/>
           <p:nvPr/>
         </p:nvSpPr>
         <p:spPr>
           <a:xfrm>
             <a:off x="657360" y="499680"/>
-            <a:ext cx="10772280" cy="1657800"/>
-          </a:xfrm>
-          <a:prstGeom prst="rect">
-            <a:avLst/>
-          </a:prstGeom>
-        </p:spPr>
-        <p:txBody>
-          <a:bodyPr anchor="ctr"/>
+            <a:ext cx="10771920" cy="1657440"/>
+          </a:xfrm>
+          <a:prstGeom prst="rect">
+            <a:avLst/>
+          </a:prstGeom>
+          <a:noFill/>
+          <a:ln>
+            <a:noFill/>
+          </a:ln>
+        </p:spPr>
+        <p:txBody>
+          <a:bodyPr lIns="90000" rIns="90000" tIns="45000" bIns="45000" anchor="ctr"/>
           <a:p>
             <a:pPr>
               <a:lnSpc>
@@ -7665,21 +7571,25 @@
       </p:sp>
       <p:sp>
         <p:nvSpPr>
-          <p:cNvPr id="153" name="TextShape 2"/>
-          <p:cNvSpPr txBox="1"/>
+          <p:cNvPr id="149" name="CustomShape 2"/>
+          <p:cNvSpPr/>
           <p:nvPr/>
         </p:nvSpPr>
         <p:spPr>
           <a:xfrm>
             <a:off x="676800" y="2011680"/>
-            <a:ext cx="10753200" cy="3765960"/>
-          </a:xfrm>
-          <a:prstGeom prst="rect">
-            <a:avLst/>
-          </a:prstGeom>
-        </p:spPr>
-        <p:txBody>
-          <a:bodyPr/>
+            <a:ext cx="10752840" cy="3765600"/>
+          </a:xfrm>
+          <a:prstGeom prst="rect">
+            <a:avLst/>
+          </a:prstGeom>
+          <a:noFill/>
+          <a:ln>
+            <a:noFill/>
+          </a:ln>
+        </p:spPr>
+        <p:txBody>
+          <a:bodyPr lIns="90000" rIns="90000" tIns="45000" bIns="45000"/>
           <a:p>
             <a:pPr>
               <a:lnSpc>
@@ -7695,16 +7605,7 @@
                 </a:solidFill>
                 <a:latin typeface="Calibri Light"/>
               </a:rPr>
-              <a:t>http://</a:t>
-            </a:r>
-            <a:r>
-              <a:rPr lang="en-US" sz="2400" u="sng">
-                <a:solidFill>
-                  <a:srgbClr val="3b85de"/>
-                </a:solidFill>
-                <a:latin typeface="Calibri Light"/>
-              </a:rPr>
-              <a:t>www.tutorialspoint.com/design_pattern/design_pattern_overview.htm</a:t>
+              <a:t>http://www.tutorialspoint.com/design_pattern/design_pattern_overview.htm</a:t>
             </a:r>
             <a:endParaRPr/>
           </a:p>
@@ -7732,16 +7633,7 @@
                 </a:solidFill>
                 <a:latin typeface="Calibri Light"/>
               </a:rPr>
-              <a:t>https://</a:t>
-            </a:r>
-            <a:r>
-              <a:rPr lang="en-US" sz="2400" u="sng">
-                <a:solidFill>
-                  <a:srgbClr val="3b85de"/>
-                </a:solidFill>
-                <a:latin typeface="Calibri Light"/>
-              </a:rPr>
-              <a:t>www.youtube.com/watch?v=ub0DXaeV6hA</a:t>
+              <a:t>https://www.youtube.com/watch?v=ub0DXaeV6hA</a:t>
             </a:r>
             <a:r>
               <a:rPr lang="en-US" sz="2400">
@@ -7769,16 +7661,7 @@
                 </a:solidFill>
                 <a:latin typeface="Calibri Light"/>
               </a:rPr>
-              <a:t>http://</a:t>
-            </a:r>
-            <a:r>
-              <a:rPr lang="en-US" sz="2400" u="sng">
-                <a:solidFill>
-                  <a:srgbClr val="3b85de"/>
-                </a:solidFill>
-                <a:latin typeface="Calibri Light"/>
-              </a:rPr>
-              <a:t>s3.amazonaws.com/docuum/attachments/2139/Old%20final%20winter%202008.pdf?1240434717</a:t>
+              <a:t>http://s3.amazonaws.com/docuum/attachments/2139/Old%20final%20winter%202008.pdf?1240434717</a:t>
             </a:r>
             <a:r>
               <a:rPr lang="en-US" sz="2400">
@@ -7806,16 +7689,7 @@
                 </a:solidFill>
                 <a:latin typeface="Calibri Light"/>
               </a:rPr>
-              <a:t>https://cs.uwaterloo.ca/~</a:t>
-            </a:r>
-            <a:r>
-              <a:rPr lang="en-US" sz="2400" u="sng">
-                <a:solidFill>
-                  <a:srgbClr val="3b85de"/>
-                </a:solidFill>
-                <a:latin typeface="Calibri Light"/>
-              </a:rPr>
-              <a:t>a78khan/cs446/additional-material/scribe/99-exams/1005-Final_exam-Solutions.pdf</a:t>
+              <a:t>https://cs.uwaterloo.ca/~a78khan/cs446/additional-material/scribe/99-exams/1005-Final_exam-Solutions.pdf</a:t>
             </a:r>
             <a:r>
               <a:rPr lang="en-US" sz="2400">
@@ -7889,21 +7763,25 @@
       </p:grpSpPr>
       <p:sp>
         <p:nvSpPr>
-          <p:cNvPr id="89" name="TextShape 1"/>
-          <p:cNvSpPr txBox="1"/>
+          <p:cNvPr id="83" name="CustomShape 1"/>
+          <p:cNvSpPr/>
           <p:nvPr/>
         </p:nvSpPr>
         <p:spPr>
           <a:xfrm>
             <a:off x="657360" y="499680"/>
-            <a:ext cx="10772280" cy="1657800"/>
-          </a:xfrm>
-          <a:prstGeom prst="rect">
-            <a:avLst/>
-          </a:prstGeom>
-        </p:spPr>
-        <p:txBody>
-          <a:bodyPr anchor="ctr"/>
+            <a:ext cx="10771920" cy="1657440"/>
+          </a:xfrm>
+          <a:prstGeom prst="rect">
+            <a:avLst/>
+          </a:prstGeom>
+          <a:noFill/>
+          <a:ln>
+            <a:noFill/>
+          </a:ln>
+        </p:spPr>
+        <p:txBody>
+          <a:bodyPr lIns="90000" rIns="90000" tIns="45000" bIns="45000" anchor="ctr"/>
           <a:p>
             <a:pPr>
               <a:lnSpc>
@@ -7925,21 +7803,25 @@
       </p:sp>
       <p:sp>
         <p:nvSpPr>
-          <p:cNvPr id="90" name="TextShape 2"/>
-          <p:cNvSpPr txBox="1"/>
+          <p:cNvPr id="84" name="CustomShape 2"/>
+          <p:cNvSpPr/>
           <p:nvPr/>
         </p:nvSpPr>
         <p:spPr>
           <a:xfrm>
             <a:off x="676800" y="2011680"/>
-            <a:ext cx="10753200" cy="3765960"/>
-          </a:xfrm>
-          <a:prstGeom prst="rect">
-            <a:avLst/>
-          </a:prstGeom>
-        </p:spPr>
-        <p:txBody>
-          <a:bodyPr/>
+            <a:ext cx="10752840" cy="3765600"/>
+          </a:xfrm>
+          <a:prstGeom prst="rect">
+            <a:avLst/>
+          </a:prstGeom>
+          <a:noFill/>
+          <a:ln>
+            <a:noFill/>
+          </a:ln>
+        </p:spPr>
+        <p:txBody>
+          <a:bodyPr lIns="90000" rIns="90000" tIns="45000" bIns="45000"/>
           <a:p>
             <a:pPr>
               <a:lnSpc>
@@ -7960,7 +7842,7 @@
       </p:sp>
       <p:pic>
         <p:nvPicPr>
-          <p:cNvPr id="91" name="Picture 2" descr=""/>
+          <p:cNvPr id="85" name="Picture 2" descr=""/>
           <p:cNvPicPr/>
           <p:nvPr/>
         </p:nvPicPr>
@@ -7973,7 +7855,7 @@
         <p:spPr>
           <a:xfrm>
             <a:off x="657360" y="2157840"/>
-            <a:ext cx="11081880" cy="3658320"/>
+            <a:ext cx="11081520" cy="3657960"/>
           </a:xfrm>
           <a:prstGeom prst="rect">
             <a:avLst/>
@@ -8034,21 +7916,25 @@
       </p:grpSpPr>
       <p:sp>
         <p:nvSpPr>
-          <p:cNvPr id="92" name="TextShape 1"/>
-          <p:cNvSpPr txBox="1"/>
+          <p:cNvPr id="86" name="CustomShape 1"/>
+          <p:cNvSpPr/>
           <p:nvPr/>
         </p:nvSpPr>
         <p:spPr>
           <a:xfrm>
             <a:off x="657360" y="499680"/>
-            <a:ext cx="10772280" cy="1657800"/>
-          </a:xfrm>
-          <a:prstGeom prst="rect">
-            <a:avLst/>
-          </a:prstGeom>
-        </p:spPr>
-        <p:txBody>
-          <a:bodyPr anchor="ctr"/>
+            <a:ext cx="10771920" cy="1657440"/>
+          </a:xfrm>
+          <a:prstGeom prst="rect">
+            <a:avLst/>
+          </a:prstGeom>
+          <a:noFill/>
+          <a:ln>
+            <a:noFill/>
+          </a:ln>
+        </p:spPr>
+        <p:txBody>
+          <a:bodyPr lIns="90000" rIns="90000" tIns="45000" bIns="45000" anchor="ctr"/>
           <a:p>
             <a:pPr>
               <a:lnSpc>
@@ -8070,7 +7956,7 @@
       </p:sp>
       <p:pic>
         <p:nvPicPr>
-          <p:cNvPr id="93" name="Content Placeholder 6" descr=""/>
+          <p:cNvPr id="87" name="Content Placeholder 6" descr=""/>
           <p:cNvPicPr/>
           <p:nvPr/>
         </p:nvPicPr>
@@ -8083,7 +7969,7 @@
         <p:spPr>
           <a:xfrm>
             <a:off x="2009160" y="2157840"/>
-            <a:ext cx="8532720" cy="4699800"/>
+            <a:ext cx="8532360" cy="4699440"/>
           </a:xfrm>
           <a:prstGeom prst="rect">
             <a:avLst/>
@@ -8144,21 +8030,25 @@
       </p:grpSpPr>
       <p:sp>
         <p:nvSpPr>
-          <p:cNvPr id="94" name="TextShape 1"/>
-          <p:cNvSpPr txBox="1"/>
-          <p:nvPr/>
-        </p:nvSpPr>
-        <p:spPr>
-          <a:xfrm>
-            <a:off x="657360" y="499680"/>
-            <a:ext cx="10772280" cy="1657800"/>
-          </a:xfrm>
-          <a:prstGeom prst="rect">
-            <a:avLst/>
-          </a:prstGeom>
-        </p:spPr>
-        <p:txBody>
-          <a:bodyPr anchor="ctr"/>
+          <p:cNvPr id="88" name="CustomShape 1"/>
+          <p:cNvSpPr/>
+          <p:nvPr/>
+        </p:nvSpPr>
+        <p:spPr>
+          <a:xfrm>
+            <a:off x="658440" y="304560"/>
+            <a:ext cx="10771560" cy="1657080"/>
+          </a:xfrm>
+          <a:prstGeom prst="rect">
+            <a:avLst/>
+          </a:prstGeom>
+          <a:noFill/>
+          <a:ln>
+            <a:noFill/>
+          </a:ln>
+        </p:spPr>
+        <p:txBody>
+          <a:bodyPr lIns="90000" rIns="90000" tIns="45000" bIns="45000" anchor="ctr"/>
           <a:p>
             <a:pPr>
               <a:lnSpc>
@@ -8180,7 +8070,7 @@
       </p:sp>
       <p:pic>
         <p:nvPicPr>
-          <p:cNvPr id="95" name="Content Placeholder 3" descr=""/>
+          <p:cNvPr id="89" name="Content Placeholder 3" descr=""/>
           <p:cNvPicPr/>
           <p:nvPr/>
         </p:nvPicPr>
@@ -8192,8 +8082,8 @@
         </p:blipFill>
         <p:spPr>
           <a:xfrm>
-            <a:off x="2337120" y="1756440"/>
-            <a:ext cx="7412760" cy="4748760"/>
+            <a:off x="2338200" y="1561320"/>
+            <a:ext cx="7412040" cy="4748040"/>
           </a:xfrm>
           <a:prstGeom prst="rect">
             <a:avLst/>
@@ -8203,6 +8093,54 @@
           </a:ln>
         </p:spPr>
       </p:pic>
+      <p:sp>
+        <p:nvSpPr>
+          <p:cNvPr id="90" name="CustomShape 2"/>
+          <p:cNvSpPr/>
+          <p:nvPr/>
+        </p:nvSpPr>
+        <p:spPr>
+          <a:xfrm>
+            <a:off x="7956360" y="3462480"/>
+            <a:ext cx="1096920" cy="639720"/>
+          </a:xfrm>
+          <a:prstGeom prst="rect">
+            <a:avLst/>
+          </a:prstGeom>
+          <a:solidFill>
+            <a:srgbClr val="ffffff"/>
+          </a:solidFill>
+          <a:ln>
+            <a:solidFill>
+              <a:srgbClr val="ffffff"/>
+            </a:solidFill>
+          </a:ln>
+        </p:spPr>
+      </p:sp>
+      <p:sp>
+        <p:nvSpPr>
+          <p:cNvPr id="91" name="CustomShape 3"/>
+          <p:cNvSpPr/>
+          <p:nvPr/>
+        </p:nvSpPr>
+        <p:spPr>
+          <a:xfrm>
+            <a:off x="8230680" y="3919680"/>
+            <a:ext cx="1096920" cy="1096920"/>
+          </a:xfrm>
+          <a:prstGeom prst="rect">
+            <a:avLst/>
+          </a:prstGeom>
+          <a:solidFill>
+            <a:srgbClr val="ffffff"/>
+          </a:solidFill>
+          <a:ln>
+            <a:solidFill>
+              <a:srgbClr val="ffffff"/>
+            </a:solidFill>
+          </a:ln>
+        </p:spPr>
+      </p:sp>
     </p:spTree>
   </p:cSld>
   <p:timing>
@@ -8254,21 +8192,25 @@
       </p:grpSpPr>
       <p:sp>
         <p:nvSpPr>
-          <p:cNvPr id="96" name="TextShape 1"/>
-          <p:cNvSpPr txBox="1"/>
+          <p:cNvPr id="92" name="CustomShape 1"/>
+          <p:cNvSpPr/>
           <p:nvPr/>
         </p:nvSpPr>
         <p:spPr>
           <a:xfrm>
             <a:off x="657360" y="499680"/>
-            <a:ext cx="10772280" cy="1657800"/>
-          </a:xfrm>
-          <a:prstGeom prst="rect">
-            <a:avLst/>
-          </a:prstGeom>
-        </p:spPr>
-        <p:txBody>
-          <a:bodyPr anchor="ctr"/>
+            <a:ext cx="10771920" cy="1657440"/>
+          </a:xfrm>
+          <a:prstGeom prst="rect">
+            <a:avLst/>
+          </a:prstGeom>
+          <a:noFill/>
+          <a:ln>
+            <a:noFill/>
+          </a:ln>
+        </p:spPr>
+        <p:txBody>
+          <a:bodyPr lIns="90000" rIns="90000" tIns="45000" bIns="45000" anchor="ctr"/>
           <a:p>
             <a:pPr>
               <a:lnSpc>
@@ -8290,21 +8232,25 @@
       </p:sp>
       <p:sp>
         <p:nvSpPr>
-          <p:cNvPr id="97" name="TextShape 2"/>
-          <p:cNvSpPr txBox="1"/>
+          <p:cNvPr id="93" name="CustomShape 2"/>
+          <p:cNvSpPr/>
           <p:nvPr/>
         </p:nvSpPr>
         <p:spPr>
           <a:xfrm>
             <a:off x="676800" y="2011680"/>
-            <a:ext cx="10753200" cy="3765960"/>
-          </a:xfrm>
-          <a:prstGeom prst="rect">
-            <a:avLst/>
-          </a:prstGeom>
-        </p:spPr>
-        <p:txBody>
-          <a:bodyPr/>
+            <a:ext cx="10752840" cy="3765600"/>
+          </a:xfrm>
+          <a:prstGeom prst="rect">
+            <a:avLst/>
+          </a:prstGeom>
+          <a:noFill/>
+          <a:ln>
+            <a:noFill/>
+          </a:ln>
+        </p:spPr>
+        <p:txBody>
+          <a:bodyPr lIns="90000" rIns="90000" tIns="45000" bIns="45000"/>
           <a:p>
             <a:pPr>
               <a:lnSpc>
@@ -8325,7 +8271,7 @@
       </p:sp>
       <p:pic>
         <p:nvPicPr>
-          <p:cNvPr id="98" name="Picture 2" descr=""/>
+          <p:cNvPr id="94" name="Picture 2" descr=""/>
           <p:cNvPicPr/>
           <p:nvPr/>
         </p:nvPicPr>
@@ -8338,7 +8284,7 @@
         <p:spPr>
           <a:xfrm>
             <a:off x="995040" y="2157840"/>
-            <a:ext cx="10103040" cy="3268440"/>
+            <a:ext cx="10102680" cy="3268080"/>
           </a:xfrm>
           <a:prstGeom prst="rect">
             <a:avLst/>
@@ -8399,21 +8345,25 @@
       </p:grpSpPr>
       <p:sp>
         <p:nvSpPr>
-          <p:cNvPr id="99" name="TextShape 1"/>
-          <p:cNvSpPr txBox="1"/>
+          <p:cNvPr id="95" name="CustomShape 1"/>
+          <p:cNvSpPr/>
           <p:nvPr/>
         </p:nvSpPr>
         <p:spPr>
           <a:xfrm>
             <a:off x="657360" y="499680"/>
-            <a:ext cx="10772280" cy="1657800"/>
-          </a:xfrm>
-          <a:prstGeom prst="rect">
-            <a:avLst/>
-          </a:prstGeom>
-        </p:spPr>
-        <p:txBody>
-          <a:bodyPr anchor="ctr"/>
+            <a:ext cx="10771920" cy="1657440"/>
+          </a:xfrm>
+          <a:prstGeom prst="rect">
+            <a:avLst/>
+          </a:prstGeom>
+          <a:noFill/>
+          <a:ln>
+            <a:noFill/>
+          </a:ln>
+        </p:spPr>
+        <p:txBody>
+          <a:bodyPr lIns="90000" rIns="90000" tIns="45000" bIns="45000" anchor="ctr"/>
           <a:p>
             <a:pPr>
               <a:lnSpc>
@@ -8435,21 +8385,25 @@
       </p:sp>
       <p:sp>
         <p:nvSpPr>
-          <p:cNvPr id="100" name="TextShape 2"/>
-          <p:cNvSpPr txBox="1"/>
+          <p:cNvPr id="96" name="CustomShape 2"/>
+          <p:cNvSpPr/>
           <p:nvPr/>
         </p:nvSpPr>
         <p:spPr>
           <a:xfrm>
             <a:off x="676800" y="2011680"/>
-            <a:ext cx="10753200" cy="3765960"/>
-          </a:xfrm>
-          <a:prstGeom prst="rect">
-            <a:avLst/>
-          </a:prstGeom>
-        </p:spPr>
-        <p:txBody>
-          <a:bodyPr/>
+            <a:ext cx="10752840" cy="3765600"/>
+          </a:xfrm>
+          <a:prstGeom prst="rect">
+            <a:avLst/>
+          </a:prstGeom>
+          <a:noFill/>
+          <a:ln>
+            <a:noFill/>
+          </a:ln>
+        </p:spPr>
+        <p:txBody>
+          <a:bodyPr lIns="90000" rIns="90000" tIns="45000" bIns="45000"/>
           <a:p>
             <a:pPr>
               <a:lnSpc>
@@ -8470,7 +8424,7 @@
       </p:sp>
       <p:pic>
         <p:nvPicPr>
-          <p:cNvPr id="101" name="Picture 2" descr=""/>
+          <p:cNvPr id="97" name="Picture 2" descr=""/>
           <p:cNvPicPr/>
           <p:nvPr/>
         </p:nvPicPr>
@@ -8483,7 +8437,7 @@
         <p:spPr>
           <a:xfrm>
             <a:off x="2864520" y="1762560"/>
-            <a:ext cx="6357600" cy="3814560"/>
+            <a:ext cx="6357240" cy="3814200"/>
           </a:xfrm>
           <a:prstGeom prst="rect">
             <a:avLst/>
@@ -8544,21 +8498,25 @@
       </p:grpSpPr>
       <p:sp>
         <p:nvSpPr>
-          <p:cNvPr id="102" name="TextShape 1"/>
-          <p:cNvSpPr txBox="1"/>
+          <p:cNvPr id="98" name="CustomShape 1"/>
+          <p:cNvSpPr/>
           <p:nvPr/>
         </p:nvSpPr>
         <p:spPr>
           <a:xfrm>
             <a:off x="657360" y="499680"/>
-            <a:ext cx="10772280" cy="1657800"/>
-          </a:xfrm>
-          <a:prstGeom prst="rect">
-            <a:avLst/>
-          </a:prstGeom>
-        </p:spPr>
-        <p:txBody>
-          <a:bodyPr anchor="ctr"/>
+            <a:ext cx="10771920" cy="1657440"/>
+          </a:xfrm>
+          <a:prstGeom prst="rect">
+            <a:avLst/>
+          </a:prstGeom>
+          <a:noFill/>
+          <a:ln>
+            <a:noFill/>
+          </a:ln>
+        </p:spPr>
+        <p:txBody>
+          <a:bodyPr lIns="90000" rIns="90000" tIns="45000" bIns="45000" anchor="ctr"/>
           <a:p>
             <a:pPr>
               <a:lnSpc>
@@ -8580,21 +8538,25 @@
       </p:sp>
       <p:sp>
         <p:nvSpPr>
-          <p:cNvPr id="103" name="TextShape 2"/>
-          <p:cNvSpPr txBox="1"/>
+          <p:cNvPr id="99" name="CustomShape 2"/>
+          <p:cNvSpPr/>
           <p:nvPr/>
         </p:nvSpPr>
         <p:spPr>
           <a:xfrm>
             <a:off x="676800" y="2011680"/>
-            <a:ext cx="10753200" cy="3765960"/>
-          </a:xfrm>
-          <a:prstGeom prst="rect">
-            <a:avLst/>
-          </a:prstGeom>
-        </p:spPr>
-        <p:txBody>
-          <a:bodyPr/>
+            <a:ext cx="10752840" cy="3765600"/>
+          </a:xfrm>
+          <a:prstGeom prst="rect">
+            <a:avLst/>
+          </a:prstGeom>
+          <a:noFill/>
+          <a:ln>
+            <a:noFill/>
+          </a:ln>
+        </p:spPr>
+        <p:txBody>
+          <a:bodyPr lIns="90000" rIns="90000" tIns="45000" bIns="45000"/>
           <a:p>
             <a:pPr>
               <a:lnSpc>
@@ -8615,7 +8577,7 @@
       </p:sp>
       <p:pic>
         <p:nvPicPr>
-          <p:cNvPr id="104" name="Picture 2" descr=""/>
+          <p:cNvPr id="100" name="Picture 2" descr=""/>
           <p:cNvPicPr/>
           <p:nvPr/>
         </p:nvPicPr>
@@ -8628,7 +8590,7 @@
         <p:spPr>
           <a:xfrm>
             <a:off x="1649880" y="1833840"/>
-            <a:ext cx="9504720" cy="4641480"/>
+            <a:ext cx="9504360" cy="4641120"/>
           </a:xfrm>
           <a:prstGeom prst="rect">
             <a:avLst/>
@@ -8689,21 +8651,25 @@
       </p:grpSpPr>
       <p:sp>
         <p:nvSpPr>
-          <p:cNvPr id="105" name="TextShape 1"/>
-          <p:cNvSpPr txBox="1"/>
+          <p:cNvPr id="101" name="CustomShape 1"/>
+          <p:cNvSpPr/>
           <p:nvPr/>
         </p:nvSpPr>
         <p:spPr>
           <a:xfrm>
             <a:off x="657360" y="499680"/>
-            <a:ext cx="10772280" cy="1657800"/>
-          </a:xfrm>
-          <a:prstGeom prst="rect">
-            <a:avLst/>
-          </a:prstGeom>
-        </p:spPr>
-        <p:txBody>
-          <a:bodyPr anchor="ctr"/>
+            <a:ext cx="10771920" cy="1657440"/>
+          </a:xfrm>
+          <a:prstGeom prst="rect">
+            <a:avLst/>
+          </a:prstGeom>
+          <a:noFill/>
+          <a:ln>
+            <a:noFill/>
+          </a:ln>
+        </p:spPr>
+        <p:txBody>
+          <a:bodyPr lIns="90000" rIns="90000" tIns="45000" bIns="45000" anchor="ctr"/>
           <a:p>
             <a:pPr>
               <a:lnSpc>
@@ -8725,21 +8691,25 @@
       </p:sp>
       <p:sp>
         <p:nvSpPr>
-          <p:cNvPr id="106" name="TextShape 2"/>
-          <p:cNvSpPr txBox="1"/>
+          <p:cNvPr id="102" name="CustomShape 2"/>
+          <p:cNvSpPr/>
           <p:nvPr/>
         </p:nvSpPr>
         <p:spPr>
           <a:xfrm>
             <a:off x="676800" y="2011680"/>
-            <a:ext cx="10753200" cy="3765960"/>
-          </a:xfrm>
-          <a:prstGeom prst="rect">
-            <a:avLst/>
-          </a:prstGeom>
-        </p:spPr>
-        <p:txBody>
-          <a:bodyPr/>
+            <a:ext cx="10752840" cy="3765600"/>
+          </a:xfrm>
+          <a:prstGeom prst="rect">
+            <a:avLst/>
+          </a:prstGeom>
+          <a:noFill/>
+          <a:ln>
+            <a:noFill/>
+          </a:ln>
+        </p:spPr>
+        <p:txBody>
+          <a:bodyPr lIns="90000" rIns="90000" tIns="45000" bIns="45000"/>
           <a:p>
             <a:pPr>
               <a:lnSpc>
@@ -8760,7 +8730,7 @@
       </p:sp>
       <p:pic>
         <p:nvPicPr>
-          <p:cNvPr id="107" name="Picture 2" descr=""/>
+          <p:cNvPr id="103" name="Picture 2" descr=""/>
           <p:cNvPicPr/>
           <p:nvPr/>
         </p:nvPicPr>
@@ -8773,7 +8743,7 @@
         <p:spPr>
           <a:xfrm>
             <a:off x="676800" y="1989360"/>
-            <a:ext cx="9990720" cy="4182480"/>
+            <a:ext cx="9990360" cy="4182120"/>
           </a:xfrm>
           <a:prstGeom prst="rect">
             <a:avLst/>
